--- a/GAM340/05/programming/2019-20-GAM340-05-programming-workshop.pptx
+++ b/GAM340/05/programming/2019-20-GAM340-05-programming-workshop.pptx
@@ -5,10 +5,10 @@
     <p:sldMasterId id="2147483648" r:id="rId1"/>
   </p:sldMasterIdLst>
   <p:notesMasterIdLst>
-    <p:notesMasterId r:id="rId8"/>
+    <p:notesMasterId r:id="rId21"/>
   </p:notesMasterIdLst>
   <p:handoutMasterIdLst>
-    <p:handoutMasterId r:id="rId9"/>
+    <p:handoutMasterId r:id="rId22"/>
   </p:handoutMasterIdLst>
   <p:sldIdLst>
     <p:sldId id="257" r:id="rId2"/>
@@ -16,7 +16,20 @@
     <p:sldId id="423" r:id="rId4"/>
     <p:sldId id="424" r:id="rId5"/>
     <p:sldId id="425" r:id="rId6"/>
-    <p:sldId id="426" r:id="rId7"/>
+    <p:sldId id="427" r:id="rId7"/>
+    <p:sldId id="426" r:id="rId8"/>
+    <p:sldId id="662" r:id="rId9"/>
+    <p:sldId id="664" r:id="rId10"/>
+    <p:sldId id="665" r:id="rId11"/>
+    <p:sldId id="668" r:id="rId12"/>
+    <p:sldId id="747" r:id="rId13"/>
+    <p:sldId id="802" r:id="rId14"/>
+    <p:sldId id="687" r:id="rId15"/>
+    <p:sldId id="803" r:id="rId16"/>
+    <p:sldId id="670" r:id="rId17"/>
+    <p:sldId id="672" r:id="rId18"/>
+    <p:sldId id="684" r:id="rId19"/>
+    <p:sldId id="804" r:id="rId20"/>
   </p:sldIdLst>
   <p:sldSz cx="9144000" cy="6858000" type="screen4x3"/>
   <p:notesSz cx="7315200" cy="9601200"/>
@@ -4182,6 +4195,6543 @@
 </p:sld>
 </file>
 
+<file path=ppt/slides/slide10.xml><?xml version="1.0" encoding="utf-8"?>
+<p:sld xmlns:a="http://schemas.openxmlformats.org/drawingml/2006/main" xmlns:r="http://schemas.openxmlformats.org/officeDocument/2006/relationships" xmlns:p="http://schemas.openxmlformats.org/presentationml/2006/main">
+  <p:cSld>
+    <p:spTree>
+      <p:nvGrpSpPr>
+        <p:cNvPr id="1" name=""/>
+        <p:cNvGrpSpPr/>
+        <p:nvPr/>
+      </p:nvGrpSpPr>
+      <p:grpSpPr>
+        <a:xfrm>
+          <a:off x="0" y="0"/>
+          <a:ext cx="0" cy="0"/>
+          <a:chOff x="0" y="0"/>
+          <a:chExt cx="0" cy="0"/>
+        </a:xfrm>
+      </p:grpSpPr>
+      <p:sp>
+        <p:nvSpPr>
+          <p:cNvPr id="3" name="Content Placeholder 2"/>
+          <p:cNvSpPr>
+            <a:spLocks noGrp="1"/>
+          </p:cNvSpPr>
+          <p:nvPr>
+            <p:ph idx="1"/>
+          </p:nvPr>
+        </p:nvSpPr>
+        <p:spPr>
+          <a:xfrm>
+            <a:off x="457200" y="548680"/>
+            <a:ext cx="8229600" cy="5623520"/>
+          </a:xfrm>
+        </p:spPr>
+        <p:txBody>
+          <a:bodyPr>
+            <a:normAutofit/>
+          </a:bodyPr>
+          <a:lstStyle/>
+          <a:p>
+            <a:r>
+              <a:rPr lang="en-GB" dirty="0" err="1"/>
+              <a:t>Booch</a:t>
+            </a:r>
+            <a:r>
+              <a:rPr lang="en-GB" dirty="0"/>
+              <a:t> OO Development method</a:t>
+            </a:r>
+          </a:p>
+          <a:p>
+            <a:r>
+              <a:rPr lang="en-GB" dirty="0"/>
+              <a:t>Pong game design</a:t>
+            </a:r>
+          </a:p>
+          <a:p>
+            <a:pPr lvl="1"/>
+            <a:r>
+              <a:rPr lang="en-GB" dirty="0"/>
+              <a:t>Pong is a two player game of tennis. Players take it in turns to move up and down the screen to hit the ball to each other. If the player misses the ball and it goes off the screen, the other player is awarded a point and the serve. If the ball goes to the top or the bottom of the screen, the ball will bounce back. The winner is the first player to 10 points.</a:t>
+            </a:r>
+            <a:endParaRPr lang="en-US" dirty="0"/>
+          </a:p>
+        </p:txBody>
+      </p:sp>
+    </p:spTree>
+    <p:extLst>
+      <p:ext uri="{BB962C8B-B14F-4D97-AF65-F5344CB8AC3E}">
+        <p14:creationId xmlns:p14="http://schemas.microsoft.com/office/powerpoint/2010/main" val="2361591429"/>
+      </p:ext>
+    </p:extLst>
+  </p:cSld>
+  <p:clrMapOvr>
+    <a:masterClrMapping/>
+  </p:clrMapOvr>
+</p:sld>
+</file>
+
+<file path=ppt/slides/slide11.xml><?xml version="1.0" encoding="utf-8"?>
+<p:sld xmlns:a="http://schemas.openxmlformats.org/drawingml/2006/main" xmlns:r="http://schemas.openxmlformats.org/officeDocument/2006/relationships" xmlns:p="http://schemas.openxmlformats.org/presentationml/2006/main">
+  <p:cSld>
+    <p:spTree>
+      <p:nvGrpSpPr>
+        <p:cNvPr id="1" name=""/>
+        <p:cNvGrpSpPr/>
+        <p:nvPr/>
+      </p:nvGrpSpPr>
+      <p:grpSpPr>
+        <a:xfrm>
+          <a:off x="0" y="0"/>
+          <a:ext cx="0" cy="0"/>
+          <a:chOff x="0" y="0"/>
+          <a:chExt cx="0" cy="0"/>
+        </a:xfrm>
+      </p:grpSpPr>
+      <p:sp>
+        <p:nvSpPr>
+          <p:cNvPr id="3" name="Content Placeholder 2"/>
+          <p:cNvSpPr>
+            <a:spLocks noGrp="1"/>
+          </p:cNvSpPr>
+          <p:nvPr>
+            <p:ph idx="1"/>
+          </p:nvPr>
+        </p:nvSpPr>
+        <p:spPr>
+          <a:xfrm>
+            <a:off x="457200" y="548680"/>
+            <a:ext cx="8229600" cy="3261320"/>
+          </a:xfrm>
+        </p:spPr>
+        <p:txBody>
+          <a:bodyPr>
+            <a:normAutofit fontScale="85000" lnSpcReduction="20000"/>
+          </a:bodyPr>
+          <a:lstStyle/>
+          <a:p>
+            <a:r>
+              <a:rPr lang="en-GB" dirty="0" err="1"/>
+              <a:t>Booch</a:t>
+            </a:r>
+            <a:r>
+              <a:rPr lang="en-GB" dirty="0"/>
+              <a:t> OO Development method</a:t>
+            </a:r>
+          </a:p>
+          <a:p>
+            <a:r>
+              <a:rPr lang="en-GB" dirty="0"/>
+              <a:t>Pong game design</a:t>
+            </a:r>
+          </a:p>
+          <a:p>
+            <a:pPr lvl="1"/>
+            <a:r>
+              <a:rPr lang="en-GB" dirty="0"/>
+              <a:t>Pong is a two player game of tennis. </a:t>
+            </a:r>
+            <a:r>
+              <a:rPr lang="en-GB" dirty="0">
+                <a:solidFill>
+                  <a:srgbClr val="FF0000"/>
+                </a:solidFill>
+              </a:rPr>
+              <a:t>Players</a:t>
+            </a:r>
+            <a:r>
+              <a:rPr lang="en-GB" dirty="0"/>
+              <a:t> take it in turns to </a:t>
+            </a:r>
+            <a:r>
+              <a:rPr lang="en-GB" dirty="0">
+                <a:solidFill>
+                  <a:srgbClr val="00B0F0"/>
+                </a:solidFill>
+              </a:rPr>
+              <a:t>move</a:t>
+            </a:r>
+            <a:r>
+              <a:rPr lang="en-GB" dirty="0"/>
+              <a:t> up and down the screen to </a:t>
+            </a:r>
+            <a:r>
+              <a:rPr lang="en-GB" dirty="0">
+                <a:solidFill>
+                  <a:srgbClr val="00B0F0"/>
+                </a:solidFill>
+              </a:rPr>
+              <a:t>hit</a:t>
+            </a:r>
+            <a:r>
+              <a:rPr lang="en-GB" dirty="0"/>
+              <a:t> the </a:t>
+            </a:r>
+            <a:r>
+              <a:rPr lang="en-GB" dirty="0">
+                <a:solidFill>
+                  <a:srgbClr val="FF0000"/>
+                </a:solidFill>
+              </a:rPr>
+              <a:t>ball</a:t>
+            </a:r>
+            <a:r>
+              <a:rPr lang="en-GB" dirty="0"/>
+              <a:t> to each other. If the </a:t>
+            </a:r>
+            <a:r>
+              <a:rPr lang="en-GB" dirty="0">
+                <a:solidFill>
+                  <a:srgbClr val="FF0000"/>
+                </a:solidFill>
+              </a:rPr>
+              <a:t>player</a:t>
+            </a:r>
+            <a:r>
+              <a:rPr lang="en-GB" dirty="0"/>
+              <a:t> misses the </a:t>
+            </a:r>
+            <a:r>
+              <a:rPr lang="en-GB" dirty="0">
+                <a:solidFill>
+                  <a:srgbClr val="FF0000"/>
+                </a:solidFill>
+              </a:rPr>
+              <a:t>ball</a:t>
+            </a:r>
+            <a:r>
+              <a:rPr lang="en-GB" dirty="0"/>
+              <a:t> and it goes off the screen, the other </a:t>
+            </a:r>
+            <a:r>
+              <a:rPr lang="en-GB" dirty="0">
+                <a:solidFill>
+                  <a:srgbClr val="FF0000"/>
+                </a:solidFill>
+              </a:rPr>
+              <a:t>player</a:t>
+            </a:r>
+            <a:r>
+              <a:rPr lang="en-GB" dirty="0"/>
+              <a:t> is awarded a </a:t>
+            </a:r>
+            <a:r>
+              <a:rPr lang="en-GB" dirty="0">
+                <a:solidFill>
+                  <a:srgbClr val="92D050"/>
+                </a:solidFill>
+              </a:rPr>
+              <a:t>point</a:t>
+            </a:r>
+            <a:r>
+              <a:rPr lang="en-GB" dirty="0"/>
+              <a:t> and the </a:t>
+            </a:r>
+            <a:r>
+              <a:rPr lang="en-GB" dirty="0">
+                <a:solidFill>
+                  <a:srgbClr val="FF0000"/>
+                </a:solidFill>
+              </a:rPr>
+              <a:t>ball</a:t>
+            </a:r>
+            <a:r>
+              <a:rPr lang="en-GB" dirty="0"/>
+              <a:t> is </a:t>
+            </a:r>
+            <a:r>
+              <a:rPr lang="en-GB" dirty="0">
+                <a:solidFill>
+                  <a:srgbClr val="00B0F0"/>
+                </a:solidFill>
+              </a:rPr>
+              <a:t>served</a:t>
+            </a:r>
+            <a:r>
+              <a:rPr lang="en-GB" dirty="0"/>
+              <a:t> into the opponents part of the court. If the </a:t>
+            </a:r>
+            <a:r>
+              <a:rPr lang="en-GB" dirty="0">
+                <a:solidFill>
+                  <a:srgbClr val="FF0000"/>
+                </a:solidFill>
+              </a:rPr>
+              <a:t>ball</a:t>
+            </a:r>
+            <a:r>
+              <a:rPr lang="en-GB" dirty="0"/>
+              <a:t> </a:t>
+            </a:r>
+            <a:r>
+              <a:rPr lang="en-GB" dirty="0">
+                <a:solidFill>
+                  <a:srgbClr val="00B0F0"/>
+                </a:solidFill>
+              </a:rPr>
+              <a:t>goes</a:t>
+            </a:r>
+            <a:r>
+              <a:rPr lang="en-GB" dirty="0"/>
+              <a:t> to the top or the bottom of the screen, the </a:t>
+            </a:r>
+            <a:r>
+              <a:rPr lang="en-GB" dirty="0">
+                <a:solidFill>
+                  <a:srgbClr val="FF0000"/>
+                </a:solidFill>
+              </a:rPr>
+              <a:t>ball</a:t>
+            </a:r>
+            <a:r>
+              <a:rPr lang="en-GB" dirty="0"/>
+              <a:t> will </a:t>
+            </a:r>
+            <a:r>
+              <a:rPr lang="en-GB" dirty="0">
+                <a:solidFill>
+                  <a:srgbClr val="00B0F0"/>
+                </a:solidFill>
+              </a:rPr>
+              <a:t>bounce</a:t>
+            </a:r>
+            <a:r>
+              <a:rPr lang="en-GB" dirty="0"/>
+              <a:t> back. The </a:t>
+            </a:r>
+            <a:r>
+              <a:rPr lang="en-GB" dirty="0">
+                <a:solidFill>
+                  <a:srgbClr val="92D050"/>
+                </a:solidFill>
+              </a:rPr>
+              <a:t>winner</a:t>
+            </a:r>
+            <a:r>
+              <a:rPr lang="en-GB" dirty="0"/>
+              <a:t> is the first </a:t>
+            </a:r>
+            <a:r>
+              <a:rPr lang="en-GB" dirty="0">
+                <a:solidFill>
+                  <a:srgbClr val="FF0000"/>
+                </a:solidFill>
+              </a:rPr>
+              <a:t>player</a:t>
+            </a:r>
+            <a:r>
+              <a:rPr lang="en-GB" dirty="0"/>
+              <a:t> to 10 </a:t>
+            </a:r>
+            <a:r>
+              <a:rPr lang="en-GB" dirty="0">
+                <a:solidFill>
+                  <a:srgbClr val="92D050"/>
+                </a:solidFill>
+              </a:rPr>
+              <a:t>points</a:t>
+            </a:r>
+            <a:r>
+              <a:rPr lang="en-GB" dirty="0"/>
+              <a:t>.</a:t>
+            </a:r>
+            <a:endParaRPr lang="en-US" dirty="0"/>
+          </a:p>
+        </p:txBody>
+      </p:sp>
+      <p:graphicFrame>
+        <p:nvGraphicFramePr>
+          <p:cNvPr id="4" name="Table 3"/>
+          <p:cNvGraphicFramePr>
+            <a:graphicFrameLocks noGrp="1"/>
+          </p:cNvGraphicFramePr>
+          <p:nvPr/>
+        </p:nvGraphicFramePr>
+        <p:xfrm>
+          <a:off x="1371600" y="3733800"/>
+          <a:ext cx="6934200" cy="2827782"/>
+        </p:xfrm>
+        <a:graphic>
+          <a:graphicData uri="http://schemas.openxmlformats.org/drawingml/2006/table">
+            <a:tbl>
+              <a:tblPr/>
+              <a:tblGrid>
+                <a:gridCol w="2311400">
+                  <a:extLst>
+                    <a:ext uri="{9D8B030D-6E8A-4147-A177-3AD203B41FA5}">
+                      <a16:colId xmlns:a16="http://schemas.microsoft.com/office/drawing/2014/main" val="20000"/>
+                    </a:ext>
+                  </a:extLst>
+                </a:gridCol>
+                <a:gridCol w="2311400">
+                  <a:extLst>
+                    <a:ext uri="{9D8B030D-6E8A-4147-A177-3AD203B41FA5}">
+                      <a16:colId xmlns:a16="http://schemas.microsoft.com/office/drawing/2014/main" val="20001"/>
+                    </a:ext>
+                  </a:extLst>
+                </a:gridCol>
+                <a:gridCol w="2311400">
+                  <a:extLst>
+                    <a:ext uri="{9D8B030D-6E8A-4147-A177-3AD203B41FA5}">
+                      <a16:colId xmlns:a16="http://schemas.microsoft.com/office/drawing/2014/main" val="20002"/>
+                    </a:ext>
+                  </a:extLst>
+                </a:gridCol>
+              </a:tblGrid>
+              <a:tr h="296333">
+                <a:tc>
+                  <a:txBody>
+                    <a:bodyPr/>
+                    <a:lstStyle/>
+                    <a:p>
+                      <a:pPr algn="ctr">
+                        <a:lnSpc>
+                          <a:spcPct val="115000"/>
+                        </a:lnSpc>
+                        <a:spcAft>
+                          <a:spcPts val="0"/>
+                        </a:spcAft>
+                      </a:pPr>
+                      <a:r>
+                        <a:rPr lang="en-GB" sz="1800" b="1" dirty="0">
+                          <a:solidFill>
+                            <a:schemeClr val="bg1"/>
+                          </a:solidFill>
+                          <a:latin typeface="Calibri"/>
+                          <a:ea typeface="Calibri"/>
+                          <a:cs typeface="Times New Roman"/>
+                        </a:rPr>
+                        <a:t>Class</a:t>
+                      </a:r>
+                      <a:endParaRPr lang="en-US" sz="1800" dirty="0">
+                        <a:solidFill>
+                          <a:schemeClr val="bg1"/>
+                        </a:solidFill>
+                        <a:latin typeface="Calibri"/>
+                        <a:ea typeface="Calibri"/>
+                        <a:cs typeface="Times New Roman"/>
+                      </a:endParaRPr>
+                    </a:p>
+                  </a:txBody>
+                  <a:tcPr marL="68580" marR="68580" marT="0" marB="0">
+                    <a:lnL w="12700" cap="flat" cmpd="sng" algn="ctr">
+                      <a:solidFill>
+                        <a:schemeClr val="bg1"/>
+                      </a:solidFill>
+                      <a:prstDash val="solid"/>
+                      <a:round/>
+                      <a:headEnd type="none" w="med" len="med"/>
+                      <a:tailEnd type="none" w="med" len="med"/>
+                    </a:lnL>
+                    <a:lnR w="12700" cap="flat" cmpd="sng" algn="ctr">
+                      <a:solidFill>
+                        <a:schemeClr val="bg1"/>
+                      </a:solidFill>
+                      <a:prstDash val="solid"/>
+                      <a:round/>
+                      <a:headEnd type="none" w="med" len="med"/>
+                      <a:tailEnd type="none" w="med" len="med"/>
+                    </a:lnR>
+                    <a:lnT w="12700" cap="flat" cmpd="sng" algn="ctr">
+                      <a:solidFill>
+                        <a:schemeClr val="bg1"/>
+                      </a:solidFill>
+                      <a:prstDash val="solid"/>
+                      <a:round/>
+                      <a:headEnd type="none" w="med" len="med"/>
+                      <a:tailEnd type="none" w="med" len="med"/>
+                    </a:lnT>
+                    <a:lnB w="12700" cap="flat" cmpd="sng" algn="ctr">
+                      <a:solidFill>
+                        <a:schemeClr val="bg1"/>
+                      </a:solidFill>
+                      <a:prstDash val="solid"/>
+                      <a:round/>
+                      <a:headEnd type="none" w="med" len="med"/>
+                      <a:tailEnd type="none" w="med" len="med"/>
+                    </a:lnB>
+                  </a:tcPr>
+                </a:tc>
+                <a:tc>
+                  <a:txBody>
+                    <a:bodyPr/>
+                    <a:lstStyle/>
+                    <a:p>
+                      <a:pPr algn="ctr">
+                        <a:lnSpc>
+                          <a:spcPct val="115000"/>
+                        </a:lnSpc>
+                        <a:spcAft>
+                          <a:spcPts val="0"/>
+                        </a:spcAft>
+                      </a:pPr>
+                      <a:r>
+                        <a:rPr lang="en-GB" sz="1800" b="1">
+                          <a:solidFill>
+                            <a:schemeClr val="bg1"/>
+                          </a:solidFill>
+                          <a:latin typeface="Calibri"/>
+                          <a:ea typeface="Calibri"/>
+                          <a:cs typeface="Times New Roman"/>
+                        </a:rPr>
+                        <a:t>Method</a:t>
+                      </a:r>
+                      <a:endParaRPr lang="en-US" sz="1800">
+                        <a:solidFill>
+                          <a:schemeClr val="bg1"/>
+                        </a:solidFill>
+                        <a:latin typeface="Calibri"/>
+                        <a:ea typeface="Calibri"/>
+                        <a:cs typeface="Times New Roman"/>
+                      </a:endParaRPr>
+                    </a:p>
+                  </a:txBody>
+                  <a:tcPr marL="68580" marR="68580" marT="0" marB="0">
+                    <a:lnL w="12700" cap="flat" cmpd="sng" algn="ctr">
+                      <a:solidFill>
+                        <a:schemeClr val="bg1"/>
+                      </a:solidFill>
+                      <a:prstDash val="solid"/>
+                      <a:round/>
+                      <a:headEnd type="none" w="med" len="med"/>
+                      <a:tailEnd type="none" w="med" len="med"/>
+                    </a:lnL>
+                    <a:lnR w="12700" cap="flat" cmpd="sng" algn="ctr">
+                      <a:solidFill>
+                        <a:schemeClr val="bg1"/>
+                      </a:solidFill>
+                      <a:prstDash val="solid"/>
+                      <a:round/>
+                      <a:headEnd type="none" w="med" len="med"/>
+                      <a:tailEnd type="none" w="med" len="med"/>
+                    </a:lnR>
+                    <a:lnT w="12700" cap="flat" cmpd="sng" algn="ctr">
+                      <a:solidFill>
+                        <a:schemeClr val="bg1"/>
+                      </a:solidFill>
+                      <a:prstDash val="solid"/>
+                      <a:round/>
+                      <a:headEnd type="none" w="med" len="med"/>
+                      <a:tailEnd type="none" w="med" len="med"/>
+                    </a:lnT>
+                    <a:lnB w="12700" cap="flat" cmpd="sng" algn="ctr">
+                      <a:solidFill>
+                        <a:schemeClr val="bg1"/>
+                      </a:solidFill>
+                      <a:prstDash val="solid"/>
+                      <a:round/>
+                      <a:headEnd type="none" w="med" len="med"/>
+                      <a:tailEnd type="none" w="med" len="med"/>
+                    </a:lnB>
+                  </a:tcPr>
+                </a:tc>
+                <a:tc>
+                  <a:txBody>
+                    <a:bodyPr/>
+                    <a:lstStyle/>
+                    <a:p>
+                      <a:pPr algn="ctr">
+                        <a:lnSpc>
+                          <a:spcPct val="115000"/>
+                        </a:lnSpc>
+                        <a:spcAft>
+                          <a:spcPts val="0"/>
+                        </a:spcAft>
+                      </a:pPr>
+                      <a:r>
+                        <a:rPr lang="en-GB" sz="1800" b="1" dirty="0">
+                          <a:solidFill>
+                            <a:schemeClr val="bg1"/>
+                          </a:solidFill>
+                          <a:latin typeface="Calibri"/>
+                          <a:ea typeface="Calibri"/>
+                          <a:cs typeface="Times New Roman"/>
+                        </a:rPr>
+                        <a:t>Attributes</a:t>
+                      </a:r>
+                      <a:endParaRPr lang="en-US" sz="1800" dirty="0">
+                        <a:solidFill>
+                          <a:schemeClr val="bg1"/>
+                        </a:solidFill>
+                        <a:latin typeface="Calibri"/>
+                        <a:ea typeface="Calibri"/>
+                        <a:cs typeface="Times New Roman"/>
+                      </a:endParaRPr>
+                    </a:p>
+                  </a:txBody>
+                  <a:tcPr marL="68580" marR="68580" marT="0" marB="0">
+                    <a:lnL w="12700" cap="flat" cmpd="sng" algn="ctr">
+                      <a:solidFill>
+                        <a:schemeClr val="bg1"/>
+                      </a:solidFill>
+                      <a:prstDash val="solid"/>
+                      <a:round/>
+                      <a:headEnd type="none" w="med" len="med"/>
+                      <a:tailEnd type="none" w="med" len="med"/>
+                    </a:lnL>
+                    <a:lnR w="12700" cap="flat" cmpd="sng" algn="ctr">
+                      <a:solidFill>
+                        <a:schemeClr val="bg1"/>
+                      </a:solidFill>
+                      <a:prstDash val="solid"/>
+                      <a:round/>
+                      <a:headEnd type="none" w="med" len="med"/>
+                      <a:tailEnd type="none" w="med" len="med"/>
+                    </a:lnR>
+                    <a:lnT w="12700" cap="flat" cmpd="sng" algn="ctr">
+                      <a:solidFill>
+                        <a:schemeClr val="bg1"/>
+                      </a:solidFill>
+                      <a:prstDash val="solid"/>
+                      <a:round/>
+                      <a:headEnd type="none" w="med" len="med"/>
+                      <a:tailEnd type="none" w="med" len="med"/>
+                    </a:lnT>
+                    <a:lnB w="12700" cap="flat" cmpd="sng" algn="ctr">
+                      <a:solidFill>
+                        <a:schemeClr val="bg1"/>
+                      </a:solidFill>
+                      <a:prstDash val="solid"/>
+                      <a:round/>
+                      <a:headEnd type="none" w="med" len="med"/>
+                      <a:tailEnd type="none" w="med" len="med"/>
+                    </a:lnB>
+                  </a:tcPr>
+                </a:tc>
+                <a:extLst>
+                  <a:ext uri="{0D108BD9-81ED-4DB2-BD59-A6C34878D82A}">
+                    <a16:rowId xmlns:a16="http://schemas.microsoft.com/office/drawing/2014/main" val="10000"/>
+                  </a:ext>
+                </a:extLst>
+              </a:tr>
+              <a:tr h="675132">
+                <a:tc>
+                  <a:txBody>
+                    <a:bodyPr/>
+                    <a:lstStyle/>
+                    <a:p>
+                      <a:pPr algn="just">
+                        <a:lnSpc>
+                          <a:spcPct val="115000"/>
+                        </a:lnSpc>
+                        <a:spcAft>
+                          <a:spcPts val="0"/>
+                        </a:spcAft>
+                      </a:pPr>
+                      <a:r>
+                        <a:rPr lang="en-GB" sz="1800" dirty="0">
+                          <a:solidFill>
+                            <a:schemeClr val="bg1"/>
+                          </a:solidFill>
+                          <a:latin typeface="Calibri"/>
+                          <a:ea typeface="Calibri"/>
+                          <a:cs typeface="Times New Roman"/>
+                        </a:rPr>
+                        <a:t>Player</a:t>
+                      </a:r>
+                      <a:endParaRPr lang="en-US" sz="1800" dirty="0">
+                        <a:solidFill>
+                          <a:schemeClr val="bg1"/>
+                        </a:solidFill>
+                        <a:latin typeface="Calibri"/>
+                        <a:ea typeface="Calibri"/>
+                        <a:cs typeface="Times New Roman"/>
+                      </a:endParaRPr>
+                    </a:p>
+                  </a:txBody>
+                  <a:tcPr marL="68580" marR="68580" marT="0" marB="0">
+                    <a:lnL w="12700" cap="flat" cmpd="sng" algn="ctr">
+                      <a:solidFill>
+                        <a:schemeClr val="bg1"/>
+                      </a:solidFill>
+                      <a:prstDash val="solid"/>
+                      <a:round/>
+                      <a:headEnd type="none" w="med" len="med"/>
+                      <a:tailEnd type="none" w="med" len="med"/>
+                    </a:lnL>
+                    <a:lnR w="12700" cap="flat" cmpd="sng" algn="ctr">
+                      <a:solidFill>
+                        <a:schemeClr val="bg1"/>
+                      </a:solidFill>
+                      <a:prstDash val="solid"/>
+                      <a:round/>
+                      <a:headEnd type="none" w="med" len="med"/>
+                      <a:tailEnd type="none" w="med" len="med"/>
+                    </a:lnR>
+                    <a:lnT w="12700" cap="flat" cmpd="sng" algn="ctr">
+                      <a:solidFill>
+                        <a:schemeClr val="bg1"/>
+                      </a:solidFill>
+                      <a:prstDash val="solid"/>
+                      <a:round/>
+                      <a:headEnd type="none" w="med" len="med"/>
+                      <a:tailEnd type="none" w="med" len="med"/>
+                    </a:lnT>
+                    <a:lnB w="12700" cap="flat" cmpd="sng" algn="ctr">
+                      <a:solidFill>
+                        <a:schemeClr val="bg1"/>
+                      </a:solidFill>
+                      <a:prstDash val="solid"/>
+                      <a:round/>
+                      <a:headEnd type="none" w="med" len="med"/>
+                      <a:tailEnd type="none" w="med" len="med"/>
+                    </a:lnB>
+                  </a:tcPr>
+                </a:tc>
+                <a:tc>
+                  <a:txBody>
+                    <a:bodyPr/>
+                    <a:lstStyle/>
+                    <a:p>
+                      <a:pPr algn="just">
+                        <a:lnSpc>
+                          <a:spcPct val="115000"/>
+                        </a:lnSpc>
+                        <a:spcAft>
+                          <a:spcPts val="0"/>
+                        </a:spcAft>
+                      </a:pPr>
+                      <a:r>
+                        <a:rPr lang="en-GB" sz="1800" dirty="0">
+                          <a:solidFill>
+                            <a:schemeClr val="bg1"/>
+                          </a:solidFill>
+                          <a:latin typeface="Calibri"/>
+                          <a:ea typeface="Calibri"/>
+                          <a:cs typeface="Times New Roman"/>
+                        </a:rPr>
+                        <a:t>Move</a:t>
+                      </a:r>
+                      <a:endParaRPr lang="en-US" sz="1800" dirty="0">
+                        <a:solidFill>
+                          <a:schemeClr val="bg1"/>
+                        </a:solidFill>
+                        <a:latin typeface="Calibri"/>
+                        <a:ea typeface="Calibri"/>
+                        <a:cs typeface="Times New Roman"/>
+                      </a:endParaRPr>
+                    </a:p>
+                    <a:p>
+                      <a:pPr algn="just">
+                        <a:lnSpc>
+                          <a:spcPct val="115000"/>
+                        </a:lnSpc>
+                        <a:spcAft>
+                          <a:spcPts val="0"/>
+                        </a:spcAft>
+                      </a:pPr>
+                      <a:r>
+                        <a:rPr lang="en-GB" sz="1800" dirty="0">
+                          <a:solidFill>
+                            <a:schemeClr val="bg1"/>
+                          </a:solidFill>
+                          <a:latin typeface="Calibri"/>
+                          <a:ea typeface="Calibri"/>
+                          <a:cs typeface="Times New Roman"/>
+                        </a:rPr>
+                        <a:t>Hit ball</a:t>
+                      </a:r>
+                      <a:endParaRPr lang="en-US" sz="1800" dirty="0">
+                        <a:solidFill>
+                          <a:schemeClr val="bg1"/>
+                        </a:solidFill>
+                        <a:latin typeface="Calibri"/>
+                        <a:ea typeface="Calibri"/>
+                        <a:cs typeface="Times New Roman"/>
+                      </a:endParaRPr>
+                    </a:p>
+                  </a:txBody>
+                  <a:tcPr marL="68580" marR="68580" marT="0" marB="0">
+                    <a:lnL w="12700" cap="flat" cmpd="sng" algn="ctr">
+                      <a:solidFill>
+                        <a:schemeClr val="bg1"/>
+                      </a:solidFill>
+                      <a:prstDash val="solid"/>
+                      <a:round/>
+                      <a:headEnd type="none" w="med" len="med"/>
+                      <a:tailEnd type="none" w="med" len="med"/>
+                    </a:lnL>
+                    <a:lnR w="12700" cap="flat" cmpd="sng" algn="ctr">
+                      <a:solidFill>
+                        <a:schemeClr val="bg1"/>
+                      </a:solidFill>
+                      <a:prstDash val="solid"/>
+                      <a:round/>
+                      <a:headEnd type="none" w="med" len="med"/>
+                      <a:tailEnd type="none" w="med" len="med"/>
+                    </a:lnR>
+                    <a:lnT w="12700" cap="flat" cmpd="sng" algn="ctr">
+                      <a:solidFill>
+                        <a:schemeClr val="bg1"/>
+                      </a:solidFill>
+                      <a:prstDash val="solid"/>
+                      <a:round/>
+                      <a:headEnd type="none" w="med" len="med"/>
+                      <a:tailEnd type="none" w="med" len="med"/>
+                    </a:lnT>
+                    <a:lnB w="12700" cap="flat" cmpd="sng" algn="ctr">
+                      <a:solidFill>
+                        <a:schemeClr val="bg1"/>
+                      </a:solidFill>
+                      <a:prstDash val="solid"/>
+                      <a:round/>
+                      <a:headEnd type="none" w="med" len="med"/>
+                      <a:tailEnd type="none" w="med" len="med"/>
+                    </a:lnB>
+                  </a:tcPr>
+                </a:tc>
+                <a:tc>
+                  <a:txBody>
+                    <a:bodyPr/>
+                    <a:lstStyle/>
+                    <a:p>
+                      <a:pPr algn="just">
+                        <a:lnSpc>
+                          <a:spcPct val="115000"/>
+                        </a:lnSpc>
+                        <a:spcAft>
+                          <a:spcPts val="0"/>
+                        </a:spcAft>
+                      </a:pPr>
+                      <a:endParaRPr lang="en-US" sz="1800" dirty="0">
+                        <a:solidFill>
+                          <a:schemeClr val="bg1"/>
+                        </a:solidFill>
+                        <a:latin typeface="Calibri"/>
+                        <a:ea typeface="Calibri"/>
+                        <a:cs typeface="Times New Roman"/>
+                      </a:endParaRPr>
+                    </a:p>
+                    <a:p>
+                      <a:pPr algn="just">
+                        <a:lnSpc>
+                          <a:spcPct val="115000"/>
+                        </a:lnSpc>
+                        <a:spcAft>
+                          <a:spcPts val="0"/>
+                        </a:spcAft>
+                      </a:pPr>
+                      <a:endParaRPr lang="en-US" sz="1800" dirty="0">
+                        <a:solidFill>
+                          <a:schemeClr val="bg1"/>
+                        </a:solidFill>
+                        <a:latin typeface="Calibri"/>
+                        <a:ea typeface="Calibri"/>
+                        <a:cs typeface="Times New Roman"/>
+                      </a:endParaRPr>
+                    </a:p>
+                  </a:txBody>
+                  <a:tcPr marL="68580" marR="68580" marT="0" marB="0">
+                    <a:lnL w="12700" cap="flat" cmpd="sng" algn="ctr">
+                      <a:solidFill>
+                        <a:schemeClr val="bg1"/>
+                      </a:solidFill>
+                      <a:prstDash val="solid"/>
+                      <a:round/>
+                      <a:headEnd type="none" w="med" len="med"/>
+                      <a:tailEnd type="none" w="med" len="med"/>
+                    </a:lnL>
+                    <a:lnR w="12700" cap="flat" cmpd="sng" algn="ctr">
+                      <a:solidFill>
+                        <a:schemeClr val="bg1"/>
+                      </a:solidFill>
+                      <a:prstDash val="solid"/>
+                      <a:round/>
+                      <a:headEnd type="none" w="med" len="med"/>
+                      <a:tailEnd type="none" w="med" len="med"/>
+                    </a:lnR>
+                    <a:lnT w="12700" cap="flat" cmpd="sng" algn="ctr">
+                      <a:solidFill>
+                        <a:schemeClr val="bg1"/>
+                      </a:solidFill>
+                      <a:prstDash val="solid"/>
+                      <a:round/>
+                      <a:headEnd type="none" w="med" len="med"/>
+                      <a:tailEnd type="none" w="med" len="med"/>
+                    </a:lnT>
+                    <a:lnB w="12700" cap="flat" cmpd="sng" algn="ctr">
+                      <a:solidFill>
+                        <a:schemeClr val="bg1"/>
+                      </a:solidFill>
+                      <a:prstDash val="solid"/>
+                      <a:round/>
+                      <a:headEnd type="none" w="med" len="med"/>
+                      <a:tailEnd type="none" w="med" len="med"/>
+                    </a:lnB>
+                  </a:tcPr>
+                </a:tc>
+                <a:extLst>
+                  <a:ext uri="{0D108BD9-81ED-4DB2-BD59-A6C34878D82A}">
+                    <a16:rowId xmlns:a16="http://schemas.microsoft.com/office/drawing/2014/main" val="10001"/>
+                  </a:ext>
+                </a:extLst>
+              </a:tr>
+              <a:tr h="592667">
+                <a:tc>
+                  <a:txBody>
+                    <a:bodyPr/>
+                    <a:lstStyle/>
+                    <a:p>
+                      <a:pPr algn="just">
+                        <a:lnSpc>
+                          <a:spcPct val="115000"/>
+                        </a:lnSpc>
+                        <a:spcAft>
+                          <a:spcPts val="0"/>
+                        </a:spcAft>
+                      </a:pPr>
+                      <a:r>
+                        <a:rPr lang="en-GB" sz="1800">
+                          <a:solidFill>
+                            <a:schemeClr val="bg1"/>
+                          </a:solidFill>
+                          <a:latin typeface="Calibri"/>
+                          <a:ea typeface="Calibri"/>
+                          <a:cs typeface="Times New Roman"/>
+                        </a:rPr>
+                        <a:t>Ball</a:t>
+                      </a:r>
+                      <a:endParaRPr lang="en-US" sz="1800">
+                        <a:solidFill>
+                          <a:schemeClr val="bg1"/>
+                        </a:solidFill>
+                        <a:latin typeface="Calibri"/>
+                        <a:ea typeface="Calibri"/>
+                        <a:cs typeface="Times New Roman"/>
+                      </a:endParaRPr>
+                    </a:p>
+                  </a:txBody>
+                  <a:tcPr marL="68580" marR="68580" marT="0" marB="0">
+                    <a:lnL w="12700" cap="flat" cmpd="sng" algn="ctr">
+                      <a:solidFill>
+                        <a:schemeClr val="bg1"/>
+                      </a:solidFill>
+                      <a:prstDash val="solid"/>
+                      <a:round/>
+                      <a:headEnd type="none" w="med" len="med"/>
+                      <a:tailEnd type="none" w="med" len="med"/>
+                    </a:lnL>
+                    <a:lnR w="12700" cap="flat" cmpd="sng" algn="ctr">
+                      <a:solidFill>
+                        <a:schemeClr val="bg1"/>
+                      </a:solidFill>
+                      <a:prstDash val="solid"/>
+                      <a:round/>
+                      <a:headEnd type="none" w="med" len="med"/>
+                      <a:tailEnd type="none" w="med" len="med"/>
+                    </a:lnR>
+                    <a:lnT w="12700" cap="flat" cmpd="sng" algn="ctr">
+                      <a:solidFill>
+                        <a:schemeClr val="bg1"/>
+                      </a:solidFill>
+                      <a:prstDash val="solid"/>
+                      <a:round/>
+                      <a:headEnd type="none" w="med" len="med"/>
+                      <a:tailEnd type="none" w="med" len="med"/>
+                    </a:lnT>
+                    <a:lnB w="12700" cap="flat" cmpd="sng" algn="ctr">
+                      <a:solidFill>
+                        <a:schemeClr val="bg1"/>
+                      </a:solidFill>
+                      <a:prstDash val="solid"/>
+                      <a:round/>
+                      <a:headEnd type="none" w="med" len="med"/>
+                      <a:tailEnd type="none" w="med" len="med"/>
+                    </a:lnB>
+                  </a:tcPr>
+                </a:tc>
+                <a:tc>
+                  <a:txBody>
+                    <a:bodyPr/>
+                    <a:lstStyle/>
+                    <a:p>
+                      <a:pPr algn="just">
+                        <a:lnSpc>
+                          <a:spcPct val="115000"/>
+                        </a:lnSpc>
+                        <a:spcAft>
+                          <a:spcPts val="0"/>
+                        </a:spcAft>
+                      </a:pPr>
+                      <a:r>
+                        <a:rPr lang="en-GB" sz="1800" dirty="0">
+                          <a:solidFill>
+                            <a:schemeClr val="bg1"/>
+                          </a:solidFill>
+                          <a:latin typeface="Calibri"/>
+                          <a:ea typeface="Calibri"/>
+                          <a:cs typeface="Times New Roman"/>
+                        </a:rPr>
+                        <a:t>Move</a:t>
+                      </a:r>
+                      <a:endParaRPr lang="en-US" sz="1800" dirty="0">
+                        <a:solidFill>
+                          <a:schemeClr val="bg1"/>
+                        </a:solidFill>
+                        <a:latin typeface="Calibri"/>
+                        <a:ea typeface="Calibri"/>
+                        <a:cs typeface="Times New Roman"/>
+                      </a:endParaRPr>
+                    </a:p>
+                    <a:p>
+                      <a:pPr algn="just">
+                        <a:lnSpc>
+                          <a:spcPct val="115000"/>
+                        </a:lnSpc>
+                        <a:spcAft>
+                          <a:spcPts val="0"/>
+                        </a:spcAft>
+                      </a:pPr>
+                      <a:r>
+                        <a:rPr lang="en-GB" sz="1800" dirty="0">
+                          <a:solidFill>
+                            <a:schemeClr val="bg1"/>
+                          </a:solidFill>
+                          <a:latin typeface="Calibri"/>
+                          <a:ea typeface="Calibri"/>
+                          <a:cs typeface="Times New Roman"/>
+                        </a:rPr>
+                        <a:t>Bounce</a:t>
+                      </a:r>
+                    </a:p>
+                    <a:p>
+                      <a:pPr marL="0" marR="0" indent="0" algn="just" defTabSz="914400" rtl="0" eaLnBrk="1" fontAlgn="auto" latinLnBrk="0" hangingPunct="1">
+                        <a:lnSpc>
+                          <a:spcPct val="115000"/>
+                        </a:lnSpc>
+                        <a:spcBef>
+                          <a:spcPts val="0"/>
+                        </a:spcBef>
+                        <a:spcAft>
+                          <a:spcPts val="0"/>
+                        </a:spcAft>
+                        <a:buClrTx/>
+                        <a:buSzTx/>
+                        <a:buFontTx/>
+                        <a:buNone/>
+                        <a:tabLst/>
+                        <a:defRPr/>
+                      </a:pPr>
+                      <a:r>
+                        <a:rPr lang="en-GB" sz="1800" dirty="0">
+                          <a:solidFill>
+                            <a:schemeClr val="bg1"/>
+                          </a:solidFill>
+                          <a:latin typeface="+mn-lt"/>
+                          <a:ea typeface="Calibri"/>
+                          <a:cs typeface="Times New Roman"/>
+                        </a:rPr>
+                        <a:t>Serve</a:t>
+                      </a:r>
+                      <a:endParaRPr lang="en-US" sz="1800" dirty="0">
+                        <a:solidFill>
+                          <a:schemeClr val="bg1"/>
+                        </a:solidFill>
+                        <a:latin typeface="+mn-lt"/>
+                        <a:ea typeface="Calibri"/>
+                        <a:cs typeface="Times New Roman"/>
+                      </a:endParaRPr>
+                    </a:p>
+                  </a:txBody>
+                  <a:tcPr marL="68580" marR="68580" marT="0" marB="0">
+                    <a:lnL w="12700" cap="flat" cmpd="sng" algn="ctr">
+                      <a:solidFill>
+                        <a:schemeClr val="bg1"/>
+                      </a:solidFill>
+                      <a:prstDash val="solid"/>
+                      <a:round/>
+                      <a:headEnd type="none" w="med" len="med"/>
+                      <a:tailEnd type="none" w="med" len="med"/>
+                    </a:lnL>
+                    <a:lnR w="12700" cap="flat" cmpd="sng" algn="ctr">
+                      <a:solidFill>
+                        <a:schemeClr val="bg1"/>
+                      </a:solidFill>
+                      <a:prstDash val="solid"/>
+                      <a:round/>
+                      <a:headEnd type="none" w="med" len="med"/>
+                      <a:tailEnd type="none" w="med" len="med"/>
+                    </a:lnR>
+                    <a:lnT w="12700" cap="flat" cmpd="sng" algn="ctr">
+                      <a:solidFill>
+                        <a:schemeClr val="bg1"/>
+                      </a:solidFill>
+                      <a:prstDash val="solid"/>
+                      <a:round/>
+                      <a:headEnd type="none" w="med" len="med"/>
+                      <a:tailEnd type="none" w="med" len="med"/>
+                    </a:lnT>
+                    <a:lnB w="12700" cap="flat" cmpd="sng" algn="ctr">
+                      <a:solidFill>
+                        <a:schemeClr val="bg1"/>
+                      </a:solidFill>
+                      <a:prstDash val="solid"/>
+                      <a:round/>
+                      <a:headEnd type="none" w="med" len="med"/>
+                      <a:tailEnd type="none" w="med" len="med"/>
+                    </a:lnB>
+                  </a:tcPr>
+                </a:tc>
+                <a:tc>
+                  <a:txBody>
+                    <a:bodyPr/>
+                    <a:lstStyle/>
+                    <a:p>
+                      <a:pPr algn="just">
+                        <a:lnSpc>
+                          <a:spcPct val="115000"/>
+                        </a:lnSpc>
+                        <a:spcAft>
+                          <a:spcPts val="0"/>
+                        </a:spcAft>
+                      </a:pPr>
+                      <a:endParaRPr lang="en-US" sz="1800" dirty="0">
+                        <a:solidFill>
+                          <a:schemeClr val="bg1"/>
+                        </a:solidFill>
+                        <a:latin typeface="Calibri"/>
+                        <a:ea typeface="Calibri"/>
+                        <a:cs typeface="Times New Roman"/>
+                      </a:endParaRPr>
+                    </a:p>
+                  </a:txBody>
+                  <a:tcPr marL="68580" marR="68580" marT="0" marB="0">
+                    <a:lnL w="12700" cap="flat" cmpd="sng" algn="ctr">
+                      <a:solidFill>
+                        <a:schemeClr val="bg1"/>
+                      </a:solidFill>
+                      <a:prstDash val="solid"/>
+                      <a:round/>
+                      <a:headEnd type="none" w="med" len="med"/>
+                      <a:tailEnd type="none" w="med" len="med"/>
+                    </a:lnL>
+                    <a:lnR w="12700" cap="flat" cmpd="sng" algn="ctr">
+                      <a:solidFill>
+                        <a:schemeClr val="bg1"/>
+                      </a:solidFill>
+                      <a:prstDash val="solid"/>
+                      <a:round/>
+                      <a:headEnd type="none" w="med" len="med"/>
+                      <a:tailEnd type="none" w="med" len="med"/>
+                    </a:lnR>
+                    <a:lnT w="12700" cap="flat" cmpd="sng" algn="ctr">
+                      <a:solidFill>
+                        <a:schemeClr val="bg1"/>
+                      </a:solidFill>
+                      <a:prstDash val="solid"/>
+                      <a:round/>
+                      <a:headEnd type="none" w="med" len="med"/>
+                      <a:tailEnd type="none" w="med" len="med"/>
+                    </a:lnT>
+                    <a:lnB w="12700" cap="flat" cmpd="sng" algn="ctr">
+                      <a:solidFill>
+                        <a:schemeClr val="bg1"/>
+                      </a:solidFill>
+                      <a:prstDash val="solid"/>
+                      <a:round/>
+                      <a:headEnd type="none" w="med" len="med"/>
+                      <a:tailEnd type="none" w="med" len="med"/>
+                    </a:lnB>
+                  </a:tcPr>
+                </a:tc>
+                <a:extLst>
+                  <a:ext uri="{0D108BD9-81ED-4DB2-BD59-A6C34878D82A}">
+                    <a16:rowId xmlns:a16="http://schemas.microsoft.com/office/drawing/2014/main" val="10002"/>
+                  </a:ext>
+                </a:extLst>
+              </a:tr>
+              <a:tr h="889000">
+                <a:tc>
+                  <a:txBody>
+                    <a:bodyPr/>
+                    <a:lstStyle/>
+                    <a:p>
+                      <a:pPr algn="just">
+                        <a:lnSpc>
+                          <a:spcPct val="115000"/>
+                        </a:lnSpc>
+                        <a:spcAft>
+                          <a:spcPts val="0"/>
+                        </a:spcAft>
+                      </a:pPr>
+                      <a:endParaRPr lang="en-US" sz="1800" dirty="0">
+                        <a:solidFill>
+                          <a:schemeClr val="bg1"/>
+                        </a:solidFill>
+                        <a:latin typeface="Calibri"/>
+                        <a:ea typeface="Calibri"/>
+                        <a:cs typeface="Times New Roman"/>
+                      </a:endParaRPr>
+                    </a:p>
+                  </a:txBody>
+                  <a:tcPr marL="68580" marR="68580" marT="0" marB="0">
+                    <a:lnL w="12700" cap="flat" cmpd="sng" algn="ctr">
+                      <a:solidFill>
+                        <a:schemeClr val="bg1"/>
+                      </a:solidFill>
+                      <a:prstDash val="solid"/>
+                      <a:round/>
+                      <a:headEnd type="none" w="med" len="med"/>
+                      <a:tailEnd type="none" w="med" len="med"/>
+                    </a:lnL>
+                    <a:lnR w="12700" cap="flat" cmpd="sng" algn="ctr">
+                      <a:solidFill>
+                        <a:schemeClr val="bg1"/>
+                      </a:solidFill>
+                      <a:prstDash val="solid"/>
+                      <a:round/>
+                      <a:headEnd type="none" w="med" len="med"/>
+                      <a:tailEnd type="none" w="med" len="med"/>
+                    </a:lnR>
+                    <a:lnT w="12700" cap="flat" cmpd="sng" algn="ctr">
+                      <a:solidFill>
+                        <a:schemeClr val="bg1"/>
+                      </a:solidFill>
+                      <a:prstDash val="solid"/>
+                      <a:round/>
+                      <a:headEnd type="none" w="med" len="med"/>
+                      <a:tailEnd type="none" w="med" len="med"/>
+                    </a:lnT>
+                    <a:lnB w="12700" cap="flat" cmpd="sng" algn="ctr">
+                      <a:solidFill>
+                        <a:schemeClr val="bg1"/>
+                      </a:solidFill>
+                      <a:prstDash val="solid"/>
+                      <a:round/>
+                      <a:headEnd type="none" w="med" len="med"/>
+                      <a:tailEnd type="none" w="med" len="med"/>
+                    </a:lnB>
+                  </a:tcPr>
+                </a:tc>
+                <a:tc>
+                  <a:txBody>
+                    <a:bodyPr/>
+                    <a:lstStyle/>
+                    <a:p>
+                      <a:pPr algn="just">
+                        <a:lnSpc>
+                          <a:spcPct val="115000"/>
+                        </a:lnSpc>
+                        <a:spcAft>
+                          <a:spcPts val="0"/>
+                        </a:spcAft>
+                      </a:pPr>
+                      <a:endParaRPr lang="en-US" sz="1800" dirty="0">
+                        <a:solidFill>
+                          <a:schemeClr val="bg1"/>
+                        </a:solidFill>
+                        <a:latin typeface="Calibri"/>
+                        <a:ea typeface="Calibri"/>
+                        <a:cs typeface="Times New Roman"/>
+                      </a:endParaRPr>
+                    </a:p>
+                  </a:txBody>
+                  <a:tcPr marL="68580" marR="68580" marT="0" marB="0">
+                    <a:lnL w="12700" cap="flat" cmpd="sng" algn="ctr">
+                      <a:solidFill>
+                        <a:schemeClr val="bg1"/>
+                      </a:solidFill>
+                      <a:prstDash val="solid"/>
+                      <a:round/>
+                      <a:headEnd type="none" w="med" len="med"/>
+                      <a:tailEnd type="none" w="med" len="med"/>
+                    </a:lnL>
+                    <a:lnR w="12700" cap="flat" cmpd="sng" algn="ctr">
+                      <a:solidFill>
+                        <a:schemeClr val="bg1"/>
+                      </a:solidFill>
+                      <a:prstDash val="solid"/>
+                      <a:round/>
+                      <a:headEnd type="none" w="med" len="med"/>
+                      <a:tailEnd type="none" w="med" len="med"/>
+                    </a:lnR>
+                    <a:lnT w="12700" cap="flat" cmpd="sng" algn="ctr">
+                      <a:solidFill>
+                        <a:schemeClr val="bg1"/>
+                      </a:solidFill>
+                      <a:prstDash val="solid"/>
+                      <a:round/>
+                      <a:headEnd type="none" w="med" len="med"/>
+                      <a:tailEnd type="none" w="med" len="med"/>
+                    </a:lnT>
+                    <a:lnB w="12700" cap="flat" cmpd="sng" algn="ctr">
+                      <a:solidFill>
+                        <a:schemeClr val="bg1"/>
+                      </a:solidFill>
+                      <a:prstDash val="solid"/>
+                      <a:round/>
+                      <a:headEnd type="none" w="med" len="med"/>
+                      <a:tailEnd type="none" w="med" len="med"/>
+                    </a:lnB>
+                  </a:tcPr>
+                </a:tc>
+                <a:tc>
+                  <a:txBody>
+                    <a:bodyPr/>
+                    <a:lstStyle/>
+                    <a:p>
+                      <a:pPr algn="just">
+                        <a:lnSpc>
+                          <a:spcPct val="115000"/>
+                        </a:lnSpc>
+                        <a:spcAft>
+                          <a:spcPts val="0"/>
+                        </a:spcAft>
+                      </a:pPr>
+                      <a:r>
+                        <a:rPr lang="en-GB" sz="1800" dirty="0">
+                          <a:solidFill>
+                            <a:schemeClr val="bg1"/>
+                          </a:solidFill>
+                          <a:latin typeface="Calibri"/>
+                          <a:ea typeface="Calibri"/>
+                          <a:cs typeface="Times New Roman"/>
+                        </a:rPr>
+                        <a:t>Players [2]</a:t>
+                      </a:r>
+                      <a:endParaRPr lang="en-US" sz="1800" dirty="0">
+                        <a:solidFill>
+                          <a:schemeClr val="bg1"/>
+                        </a:solidFill>
+                        <a:latin typeface="Calibri"/>
+                        <a:ea typeface="Calibri"/>
+                        <a:cs typeface="Times New Roman"/>
+                      </a:endParaRPr>
+                    </a:p>
+                    <a:p>
+                      <a:pPr algn="just">
+                        <a:lnSpc>
+                          <a:spcPct val="115000"/>
+                        </a:lnSpc>
+                        <a:spcAft>
+                          <a:spcPts val="0"/>
+                        </a:spcAft>
+                      </a:pPr>
+                      <a:r>
+                        <a:rPr lang="en-GB" sz="1800" dirty="0">
+                          <a:solidFill>
+                            <a:schemeClr val="bg1"/>
+                          </a:solidFill>
+                          <a:latin typeface="Calibri"/>
+                          <a:ea typeface="Calibri"/>
+                          <a:cs typeface="Times New Roman"/>
+                        </a:rPr>
+                        <a:t>Ball</a:t>
+                      </a:r>
+                      <a:endParaRPr lang="en-US" sz="1800" dirty="0">
+                        <a:solidFill>
+                          <a:schemeClr val="bg1"/>
+                        </a:solidFill>
+                        <a:latin typeface="Calibri"/>
+                        <a:ea typeface="Calibri"/>
+                        <a:cs typeface="Times New Roman"/>
+                      </a:endParaRPr>
+                    </a:p>
+                    <a:p>
+                      <a:pPr algn="just">
+                        <a:lnSpc>
+                          <a:spcPct val="115000"/>
+                        </a:lnSpc>
+                        <a:spcAft>
+                          <a:spcPts val="0"/>
+                        </a:spcAft>
+                      </a:pPr>
+                      <a:endParaRPr lang="en-US" sz="1800" dirty="0">
+                        <a:solidFill>
+                          <a:schemeClr val="bg1"/>
+                        </a:solidFill>
+                        <a:latin typeface="Calibri"/>
+                        <a:ea typeface="Calibri"/>
+                        <a:cs typeface="Times New Roman"/>
+                      </a:endParaRPr>
+                    </a:p>
+                  </a:txBody>
+                  <a:tcPr marL="68580" marR="68580" marT="0" marB="0">
+                    <a:lnL w="12700" cap="flat" cmpd="sng" algn="ctr">
+                      <a:solidFill>
+                        <a:schemeClr val="bg1"/>
+                      </a:solidFill>
+                      <a:prstDash val="solid"/>
+                      <a:round/>
+                      <a:headEnd type="none" w="med" len="med"/>
+                      <a:tailEnd type="none" w="med" len="med"/>
+                    </a:lnL>
+                    <a:lnR w="12700" cap="flat" cmpd="sng" algn="ctr">
+                      <a:solidFill>
+                        <a:schemeClr val="bg1"/>
+                      </a:solidFill>
+                      <a:prstDash val="solid"/>
+                      <a:round/>
+                      <a:headEnd type="none" w="med" len="med"/>
+                      <a:tailEnd type="none" w="med" len="med"/>
+                    </a:lnR>
+                    <a:lnT w="12700" cap="flat" cmpd="sng" algn="ctr">
+                      <a:solidFill>
+                        <a:schemeClr val="bg1"/>
+                      </a:solidFill>
+                      <a:prstDash val="solid"/>
+                      <a:round/>
+                      <a:headEnd type="none" w="med" len="med"/>
+                      <a:tailEnd type="none" w="med" len="med"/>
+                    </a:lnT>
+                    <a:lnB w="12700" cap="flat" cmpd="sng" algn="ctr">
+                      <a:solidFill>
+                        <a:schemeClr val="bg1"/>
+                      </a:solidFill>
+                      <a:prstDash val="solid"/>
+                      <a:round/>
+                      <a:headEnd type="none" w="med" len="med"/>
+                      <a:tailEnd type="none" w="med" len="med"/>
+                    </a:lnB>
+                  </a:tcPr>
+                </a:tc>
+                <a:extLst>
+                  <a:ext uri="{0D108BD9-81ED-4DB2-BD59-A6C34878D82A}">
+                    <a16:rowId xmlns:a16="http://schemas.microsoft.com/office/drawing/2014/main" val="10003"/>
+                  </a:ext>
+                </a:extLst>
+              </a:tr>
+            </a:tbl>
+          </a:graphicData>
+        </a:graphic>
+      </p:graphicFrame>
+    </p:spTree>
+    <p:extLst>
+      <p:ext uri="{BB962C8B-B14F-4D97-AF65-F5344CB8AC3E}">
+        <p14:creationId xmlns:p14="http://schemas.microsoft.com/office/powerpoint/2010/main" val="1601313528"/>
+      </p:ext>
+    </p:extLst>
+  </p:cSld>
+  <p:clrMapOvr>
+    <a:masterClrMapping/>
+  </p:clrMapOvr>
+</p:sld>
+</file>
+
+<file path=ppt/slides/slide12.xml><?xml version="1.0" encoding="utf-8"?>
+<p:sld xmlns:a="http://schemas.openxmlformats.org/drawingml/2006/main" xmlns:r="http://schemas.openxmlformats.org/officeDocument/2006/relationships" xmlns:p="http://schemas.openxmlformats.org/presentationml/2006/main">
+  <p:cSld>
+    <p:spTree>
+      <p:nvGrpSpPr>
+        <p:cNvPr id="1" name=""/>
+        <p:cNvGrpSpPr/>
+        <p:nvPr/>
+      </p:nvGrpSpPr>
+      <p:grpSpPr>
+        <a:xfrm>
+          <a:off x="0" y="0"/>
+          <a:ext cx="0" cy="0"/>
+          <a:chOff x="0" y="0"/>
+          <a:chExt cx="0" cy="0"/>
+        </a:xfrm>
+      </p:grpSpPr>
+      <p:sp>
+        <p:nvSpPr>
+          <p:cNvPr id="3" name="Content Placeholder 2"/>
+          <p:cNvSpPr>
+            <a:spLocks noGrp="1"/>
+          </p:cNvSpPr>
+          <p:nvPr>
+            <p:ph idx="1"/>
+          </p:nvPr>
+        </p:nvSpPr>
+        <p:spPr>
+          <a:xfrm>
+            <a:off x="457200" y="548680"/>
+            <a:ext cx="8229600" cy="3261320"/>
+          </a:xfrm>
+        </p:spPr>
+        <p:txBody>
+          <a:bodyPr>
+            <a:normAutofit fontScale="92500" lnSpcReduction="10000"/>
+          </a:bodyPr>
+          <a:lstStyle/>
+          <a:p>
+            <a:r>
+              <a:rPr lang="en-GB" dirty="0" err="1"/>
+              <a:t>Booch</a:t>
+            </a:r>
+            <a:r>
+              <a:rPr lang="en-GB" dirty="0"/>
+              <a:t> OO Development method</a:t>
+            </a:r>
+          </a:p>
+          <a:p>
+            <a:r>
+              <a:rPr lang="en-GB" dirty="0"/>
+              <a:t>Pong game design</a:t>
+            </a:r>
+          </a:p>
+          <a:p>
+            <a:pPr lvl="1"/>
+            <a:r>
+              <a:rPr lang="en-GB" dirty="0"/>
+              <a:t>It’s the nature of designer-led game design that some aspects are implicit</a:t>
+            </a:r>
+          </a:p>
+          <a:p>
+            <a:pPr lvl="2"/>
+            <a:r>
+              <a:rPr lang="en-GB" dirty="0"/>
+              <a:t>So as implementers, you need to fill in the games to create something that is systemic</a:t>
+            </a:r>
+          </a:p>
+          <a:p>
+            <a:pPr lvl="2"/>
+            <a:r>
+              <a:rPr lang="en-GB" dirty="0"/>
+              <a:t>This is the nature of iterative activities -&gt; it’s v. difficult to capture everything in one (or a few goes)</a:t>
+            </a:r>
+            <a:endParaRPr lang="en-US" dirty="0"/>
+          </a:p>
+        </p:txBody>
+      </p:sp>
+      <p:graphicFrame>
+        <p:nvGraphicFramePr>
+          <p:cNvPr id="5" name="Table 4"/>
+          <p:cNvGraphicFramePr>
+            <a:graphicFrameLocks noGrp="1"/>
+          </p:cNvGraphicFramePr>
+          <p:nvPr/>
+        </p:nvGraphicFramePr>
+        <p:xfrm>
+          <a:off x="1259632" y="3717032"/>
+          <a:ext cx="6934200" cy="2827782"/>
+        </p:xfrm>
+        <a:graphic>
+          <a:graphicData uri="http://schemas.openxmlformats.org/drawingml/2006/table">
+            <a:tbl>
+              <a:tblPr/>
+              <a:tblGrid>
+                <a:gridCol w="2311400">
+                  <a:extLst>
+                    <a:ext uri="{9D8B030D-6E8A-4147-A177-3AD203B41FA5}">
+                      <a16:colId xmlns:a16="http://schemas.microsoft.com/office/drawing/2014/main" val="20000"/>
+                    </a:ext>
+                  </a:extLst>
+                </a:gridCol>
+                <a:gridCol w="2311400">
+                  <a:extLst>
+                    <a:ext uri="{9D8B030D-6E8A-4147-A177-3AD203B41FA5}">
+                      <a16:colId xmlns:a16="http://schemas.microsoft.com/office/drawing/2014/main" val="20001"/>
+                    </a:ext>
+                  </a:extLst>
+                </a:gridCol>
+                <a:gridCol w="2311400">
+                  <a:extLst>
+                    <a:ext uri="{9D8B030D-6E8A-4147-A177-3AD203B41FA5}">
+                      <a16:colId xmlns:a16="http://schemas.microsoft.com/office/drawing/2014/main" val="20002"/>
+                    </a:ext>
+                  </a:extLst>
+                </a:gridCol>
+              </a:tblGrid>
+              <a:tr h="296333">
+                <a:tc>
+                  <a:txBody>
+                    <a:bodyPr/>
+                    <a:lstStyle/>
+                    <a:p>
+                      <a:pPr algn="ctr">
+                        <a:lnSpc>
+                          <a:spcPct val="115000"/>
+                        </a:lnSpc>
+                        <a:spcAft>
+                          <a:spcPts val="0"/>
+                        </a:spcAft>
+                      </a:pPr>
+                      <a:r>
+                        <a:rPr lang="en-GB" sz="1800" b="1" dirty="0">
+                          <a:solidFill>
+                            <a:schemeClr val="bg1"/>
+                          </a:solidFill>
+                          <a:latin typeface="Calibri"/>
+                          <a:ea typeface="Calibri"/>
+                          <a:cs typeface="Times New Roman"/>
+                        </a:rPr>
+                        <a:t>Class</a:t>
+                      </a:r>
+                      <a:endParaRPr lang="en-US" sz="1800" dirty="0">
+                        <a:solidFill>
+                          <a:schemeClr val="bg1"/>
+                        </a:solidFill>
+                        <a:latin typeface="Calibri"/>
+                        <a:ea typeface="Calibri"/>
+                        <a:cs typeface="Times New Roman"/>
+                      </a:endParaRPr>
+                    </a:p>
+                  </a:txBody>
+                  <a:tcPr marL="68580" marR="68580" marT="0" marB="0">
+                    <a:lnL w="12700" cap="flat" cmpd="sng" algn="ctr">
+                      <a:solidFill>
+                        <a:schemeClr val="bg1"/>
+                      </a:solidFill>
+                      <a:prstDash val="solid"/>
+                      <a:round/>
+                      <a:headEnd type="none" w="med" len="med"/>
+                      <a:tailEnd type="none" w="med" len="med"/>
+                    </a:lnL>
+                    <a:lnR w="12700" cap="flat" cmpd="sng" algn="ctr">
+                      <a:solidFill>
+                        <a:schemeClr val="bg1"/>
+                      </a:solidFill>
+                      <a:prstDash val="solid"/>
+                      <a:round/>
+                      <a:headEnd type="none" w="med" len="med"/>
+                      <a:tailEnd type="none" w="med" len="med"/>
+                    </a:lnR>
+                    <a:lnT w="12700" cap="flat" cmpd="sng" algn="ctr">
+                      <a:solidFill>
+                        <a:schemeClr val="bg1"/>
+                      </a:solidFill>
+                      <a:prstDash val="solid"/>
+                      <a:round/>
+                      <a:headEnd type="none" w="med" len="med"/>
+                      <a:tailEnd type="none" w="med" len="med"/>
+                    </a:lnT>
+                    <a:lnB w="12700" cap="flat" cmpd="sng" algn="ctr">
+                      <a:solidFill>
+                        <a:schemeClr val="bg1"/>
+                      </a:solidFill>
+                      <a:prstDash val="solid"/>
+                      <a:round/>
+                      <a:headEnd type="none" w="med" len="med"/>
+                      <a:tailEnd type="none" w="med" len="med"/>
+                    </a:lnB>
+                  </a:tcPr>
+                </a:tc>
+                <a:tc>
+                  <a:txBody>
+                    <a:bodyPr/>
+                    <a:lstStyle/>
+                    <a:p>
+                      <a:pPr algn="ctr">
+                        <a:lnSpc>
+                          <a:spcPct val="115000"/>
+                        </a:lnSpc>
+                        <a:spcAft>
+                          <a:spcPts val="0"/>
+                        </a:spcAft>
+                      </a:pPr>
+                      <a:r>
+                        <a:rPr lang="en-GB" sz="1800" b="1">
+                          <a:solidFill>
+                            <a:schemeClr val="bg1"/>
+                          </a:solidFill>
+                          <a:latin typeface="Calibri"/>
+                          <a:ea typeface="Calibri"/>
+                          <a:cs typeface="Times New Roman"/>
+                        </a:rPr>
+                        <a:t>Method</a:t>
+                      </a:r>
+                      <a:endParaRPr lang="en-US" sz="1800">
+                        <a:solidFill>
+                          <a:schemeClr val="bg1"/>
+                        </a:solidFill>
+                        <a:latin typeface="Calibri"/>
+                        <a:ea typeface="Calibri"/>
+                        <a:cs typeface="Times New Roman"/>
+                      </a:endParaRPr>
+                    </a:p>
+                  </a:txBody>
+                  <a:tcPr marL="68580" marR="68580" marT="0" marB="0">
+                    <a:lnL w="12700" cap="flat" cmpd="sng" algn="ctr">
+                      <a:solidFill>
+                        <a:schemeClr val="bg1"/>
+                      </a:solidFill>
+                      <a:prstDash val="solid"/>
+                      <a:round/>
+                      <a:headEnd type="none" w="med" len="med"/>
+                      <a:tailEnd type="none" w="med" len="med"/>
+                    </a:lnL>
+                    <a:lnR w="12700" cap="flat" cmpd="sng" algn="ctr">
+                      <a:solidFill>
+                        <a:schemeClr val="bg1"/>
+                      </a:solidFill>
+                      <a:prstDash val="solid"/>
+                      <a:round/>
+                      <a:headEnd type="none" w="med" len="med"/>
+                      <a:tailEnd type="none" w="med" len="med"/>
+                    </a:lnR>
+                    <a:lnT w="12700" cap="flat" cmpd="sng" algn="ctr">
+                      <a:solidFill>
+                        <a:schemeClr val="bg1"/>
+                      </a:solidFill>
+                      <a:prstDash val="solid"/>
+                      <a:round/>
+                      <a:headEnd type="none" w="med" len="med"/>
+                      <a:tailEnd type="none" w="med" len="med"/>
+                    </a:lnT>
+                    <a:lnB w="12700" cap="flat" cmpd="sng" algn="ctr">
+                      <a:solidFill>
+                        <a:schemeClr val="bg1"/>
+                      </a:solidFill>
+                      <a:prstDash val="solid"/>
+                      <a:round/>
+                      <a:headEnd type="none" w="med" len="med"/>
+                      <a:tailEnd type="none" w="med" len="med"/>
+                    </a:lnB>
+                  </a:tcPr>
+                </a:tc>
+                <a:tc>
+                  <a:txBody>
+                    <a:bodyPr/>
+                    <a:lstStyle/>
+                    <a:p>
+                      <a:pPr algn="ctr">
+                        <a:lnSpc>
+                          <a:spcPct val="115000"/>
+                        </a:lnSpc>
+                        <a:spcAft>
+                          <a:spcPts val="0"/>
+                        </a:spcAft>
+                      </a:pPr>
+                      <a:r>
+                        <a:rPr lang="en-GB" sz="1800" b="1" dirty="0">
+                          <a:solidFill>
+                            <a:schemeClr val="bg1"/>
+                          </a:solidFill>
+                          <a:latin typeface="Calibri"/>
+                          <a:ea typeface="Calibri"/>
+                          <a:cs typeface="Times New Roman"/>
+                        </a:rPr>
+                        <a:t>Attributes</a:t>
+                      </a:r>
+                      <a:endParaRPr lang="en-US" sz="1800" dirty="0">
+                        <a:solidFill>
+                          <a:schemeClr val="bg1"/>
+                        </a:solidFill>
+                        <a:latin typeface="Calibri"/>
+                        <a:ea typeface="Calibri"/>
+                        <a:cs typeface="Times New Roman"/>
+                      </a:endParaRPr>
+                    </a:p>
+                  </a:txBody>
+                  <a:tcPr marL="68580" marR="68580" marT="0" marB="0">
+                    <a:lnL w="12700" cap="flat" cmpd="sng" algn="ctr">
+                      <a:solidFill>
+                        <a:schemeClr val="bg1"/>
+                      </a:solidFill>
+                      <a:prstDash val="solid"/>
+                      <a:round/>
+                      <a:headEnd type="none" w="med" len="med"/>
+                      <a:tailEnd type="none" w="med" len="med"/>
+                    </a:lnL>
+                    <a:lnR w="12700" cap="flat" cmpd="sng" algn="ctr">
+                      <a:solidFill>
+                        <a:schemeClr val="bg1"/>
+                      </a:solidFill>
+                      <a:prstDash val="solid"/>
+                      <a:round/>
+                      <a:headEnd type="none" w="med" len="med"/>
+                      <a:tailEnd type="none" w="med" len="med"/>
+                    </a:lnR>
+                    <a:lnT w="12700" cap="flat" cmpd="sng" algn="ctr">
+                      <a:solidFill>
+                        <a:schemeClr val="bg1"/>
+                      </a:solidFill>
+                      <a:prstDash val="solid"/>
+                      <a:round/>
+                      <a:headEnd type="none" w="med" len="med"/>
+                      <a:tailEnd type="none" w="med" len="med"/>
+                    </a:lnT>
+                    <a:lnB w="12700" cap="flat" cmpd="sng" algn="ctr">
+                      <a:solidFill>
+                        <a:schemeClr val="bg1"/>
+                      </a:solidFill>
+                      <a:prstDash val="solid"/>
+                      <a:round/>
+                      <a:headEnd type="none" w="med" len="med"/>
+                      <a:tailEnd type="none" w="med" len="med"/>
+                    </a:lnB>
+                  </a:tcPr>
+                </a:tc>
+                <a:extLst>
+                  <a:ext uri="{0D108BD9-81ED-4DB2-BD59-A6C34878D82A}">
+                    <a16:rowId xmlns:a16="http://schemas.microsoft.com/office/drawing/2014/main" val="10000"/>
+                  </a:ext>
+                </a:extLst>
+              </a:tr>
+              <a:tr h="675132">
+                <a:tc>
+                  <a:txBody>
+                    <a:bodyPr/>
+                    <a:lstStyle/>
+                    <a:p>
+                      <a:pPr algn="just">
+                        <a:lnSpc>
+                          <a:spcPct val="115000"/>
+                        </a:lnSpc>
+                        <a:spcAft>
+                          <a:spcPts val="0"/>
+                        </a:spcAft>
+                      </a:pPr>
+                      <a:r>
+                        <a:rPr lang="en-GB" sz="1800" dirty="0">
+                          <a:solidFill>
+                            <a:schemeClr val="bg1"/>
+                          </a:solidFill>
+                          <a:latin typeface="Calibri"/>
+                          <a:ea typeface="Calibri"/>
+                          <a:cs typeface="Times New Roman"/>
+                        </a:rPr>
+                        <a:t>Player</a:t>
+                      </a:r>
+                      <a:endParaRPr lang="en-US" sz="1800" dirty="0">
+                        <a:solidFill>
+                          <a:schemeClr val="bg1"/>
+                        </a:solidFill>
+                        <a:latin typeface="Calibri"/>
+                        <a:ea typeface="Calibri"/>
+                        <a:cs typeface="Times New Roman"/>
+                      </a:endParaRPr>
+                    </a:p>
+                  </a:txBody>
+                  <a:tcPr marL="68580" marR="68580" marT="0" marB="0">
+                    <a:lnL w="12700" cap="flat" cmpd="sng" algn="ctr">
+                      <a:solidFill>
+                        <a:schemeClr val="bg1"/>
+                      </a:solidFill>
+                      <a:prstDash val="solid"/>
+                      <a:round/>
+                      <a:headEnd type="none" w="med" len="med"/>
+                      <a:tailEnd type="none" w="med" len="med"/>
+                    </a:lnL>
+                    <a:lnR w="12700" cap="flat" cmpd="sng" algn="ctr">
+                      <a:solidFill>
+                        <a:schemeClr val="bg1"/>
+                      </a:solidFill>
+                      <a:prstDash val="solid"/>
+                      <a:round/>
+                      <a:headEnd type="none" w="med" len="med"/>
+                      <a:tailEnd type="none" w="med" len="med"/>
+                    </a:lnR>
+                    <a:lnT w="12700" cap="flat" cmpd="sng" algn="ctr">
+                      <a:solidFill>
+                        <a:schemeClr val="bg1"/>
+                      </a:solidFill>
+                      <a:prstDash val="solid"/>
+                      <a:round/>
+                      <a:headEnd type="none" w="med" len="med"/>
+                      <a:tailEnd type="none" w="med" len="med"/>
+                    </a:lnT>
+                    <a:lnB w="12700" cap="flat" cmpd="sng" algn="ctr">
+                      <a:solidFill>
+                        <a:schemeClr val="bg1"/>
+                      </a:solidFill>
+                      <a:prstDash val="solid"/>
+                      <a:round/>
+                      <a:headEnd type="none" w="med" len="med"/>
+                      <a:tailEnd type="none" w="med" len="med"/>
+                    </a:lnB>
+                  </a:tcPr>
+                </a:tc>
+                <a:tc>
+                  <a:txBody>
+                    <a:bodyPr/>
+                    <a:lstStyle/>
+                    <a:p>
+                      <a:pPr algn="just">
+                        <a:lnSpc>
+                          <a:spcPct val="115000"/>
+                        </a:lnSpc>
+                        <a:spcAft>
+                          <a:spcPts val="0"/>
+                        </a:spcAft>
+                      </a:pPr>
+                      <a:r>
+                        <a:rPr lang="en-GB" sz="1800" dirty="0">
+                          <a:solidFill>
+                            <a:schemeClr val="bg1"/>
+                          </a:solidFill>
+                          <a:latin typeface="Calibri"/>
+                          <a:ea typeface="Calibri"/>
+                          <a:cs typeface="Times New Roman"/>
+                        </a:rPr>
+                        <a:t>Move</a:t>
+                      </a:r>
+                      <a:endParaRPr lang="en-US" sz="1800" dirty="0">
+                        <a:solidFill>
+                          <a:schemeClr val="bg1"/>
+                        </a:solidFill>
+                        <a:latin typeface="Calibri"/>
+                        <a:ea typeface="Calibri"/>
+                        <a:cs typeface="Times New Roman"/>
+                      </a:endParaRPr>
+                    </a:p>
+                    <a:p>
+                      <a:pPr algn="just">
+                        <a:lnSpc>
+                          <a:spcPct val="115000"/>
+                        </a:lnSpc>
+                        <a:spcAft>
+                          <a:spcPts val="0"/>
+                        </a:spcAft>
+                      </a:pPr>
+                      <a:r>
+                        <a:rPr lang="en-GB" sz="1800" dirty="0">
+                          <a:solidFill>
+                            <a:schemeClr val="bg1"/>
+                          </a:solidFill>
+                          <a:latin typeface="Calibri"/>
+                          <a:ea typeface="Calibri"/>
+                          <a:cs typeface="Times New Roman"/>
+                        </a:rPr>
+                        <a:t>Hit ball</a:t>
+                      </a:r>
+                      <a:endParaRPr lang="en-US" sz="1800" dirty="0">
+                        <a:solidFill>
+                          <a:schemeClr val="bg1"/>
+                        </a:solidFill>
+                        <a:latin typeface="Calibri"/>
+                        <a:ea typeface="Calibri"/>
+                        <a:cs typeface="Times New Roman"/>
+                      </a:endParaRPr>
+                    </a:p>
+                  </a:txBody>
+                  <a:tcPr marL="68580" marR="68580" marT="0" marB="0">
+                    <a:lnL w="12700" cap="flat" cmpd="sng" algn="ctr">
+                      <a:solidFill>
+                        <a:schemeClr val="bg1"/>
+                      </a:solidFill>
+                      <a:prstDash val="solid"/>
+                      <a:round/>
+                      <a:headEnd type="none" w="med" len="med"/>
+                      <a:tailEnd type="none" w="med" len="med"/>
+                    </a:lnL>
+                    <a:lnR w="12700" cap="flat" cmpd="sng" algn="ctr">
+                      <a:solidFill>
+                        <a:schemeClr val="bg1"/>
+                      </a:solidFill>
+                      <a:prstDash val="solid"/>
+                      <a:round/>
+                      <a:headEnd type="none" w="med" len="med"/>
+                      <a:tailEnd type="none" w="med" len="med"/>
+                    </a:lnR>
+                    <a:lnT w="12700" cap="flat" cmpd="sng" algn="ctr">
+                      <a:solidFill>
+                        <a:schemeClr val="bg1"/>
+                      </a:solidFill>
+                      <a:prstDash val="solid"/>
+                      <a:round/>
+                      <a:headEnd type="none" w="med" len="med"/>
+                      <a:tailEnd type="none" w="med" len="med"/>
+                    </a:lnT>
+                    <a:lnB w="12700" cap="flat" cmpd="sng" algn="ctr">
+                      <a:solidFill>
+                        <a:schemeClr val="bg1"/>
+                      </a:solidFill>
+                      <a:prstDash val="solid"/>
+                      <a:round/>
+                      <a:headEnd type="none" w="med" len="med"/>
+                      <a:tailEnd type="none" w="med" len="med"/>
+                    </a:lnB>
+                  </a:tcPr>
+                </a:tc>
+                <a:tc>
+                  <a:txBody>
+                    <a:bodyPr/>
+                    <a:lstStyle/>
+                    <a:p>
+                      <a:pPr algn="just">
+                        <a:lnSpc>
+                          <a:spcPct val="115000"/>
+                        </a:lnSpc>
+                        <a:spcAft>
+                          <a:spcPts val="0"/>
+                        </a:spcAft>
+                      </a:pPr>
+                      <a:r>
+                        <a:rPr lang="en-GB" sz="1800" dirty="0">
+                          <a:solidFill>
+                            <a:srgbClr val="FFFF00"/>
+                          </a:solidFill>
+                          <a:latin typeface="Calibri"/>
+                          <a:ea typeface="Calibri"/>
+                          <a:cs typeface="Times New Roman"/>
+                        </a:rPr>
+                        <a:t>Score</a:t>
+                      </a:r>
+                      <a:endParaRPr lang="en-US" sz="1800" dirty="0">
+                        <a:solidFill>
+                          <a:srgbClr val="FFFF00"/>
+                        </a:solidFill>
+                        <a:latin typeface="Calibri"/>
+                        <a:ea typeface="Calibri"/>
+                        <a:cs typeface="Times New Roman"/>
+                      </a:endParaRPr>
+                    </a:p>
+                    <a:p>
+                      <a:pPr algn="just">
+                        <a:lnSpc>
+                          <a:spcPct val="115000"/>
+                        </a:lnSpc>
+                        <a:spcAft>
+                          <a:spcPts val="0"/>
+                        </a:spcAft>
+                      </a:pPr>
+                      <a:r>
+                        <a:rPr lang="en-GB" sz="1800" dirty="0">
+                          <a:solidFill>
+                            <a:srgbClr val="FFFF00"/>
+                          </a:solidFill>
+                          <a:latin typeface="Calibri"/>
+                          <a:ea typeface="Calibri"/>
+                          <a:cs typeface="Times New Roman"/>
+                        </a:rPr>
+                        <a:t>Position</a:t>
+                      </a:r>
+                      <a:endParaRPr lang="en-US" sz="1800" dirty="0">
+                        <a:solidFill>
+                          <a:srgbClr val="FFFF00"/>
+                        </a:solidFill>
+                        <a:latin typeface="Calibri"/>
+                        <a:ea typeface="Calibri"/>
+                        <a:cs typeface="Times New Roman"/>
+                      </a:endParaRPr>
+                    </a:p>
+                  </a:txBody>
+                  <a:tcPr marL="68580" marR="68580" marT="0" marB="0">
+                    <a:lnL w="12700" cap="flat" cmpd="sng" algn="ctr">
+                      <a:solidFill>
+                        <a:schemeClr val="bg1"/>
+                      </a:solidFill>
+                      <a:prstDash val="solid"/>
+                      <a:round/>
+                      <a:headEnd type="none" w="med" len="med"/>
+                      <a:tailEnd type="none" w="med" len="med"/>
+                    </a:lnL>
+                    <a:lnR w="12700" cap="flat" cmpd="sng" algn="ctr">
+                      <a:solidFill>
+                        <a:schemeClr val="bg1"/>
+                      </a:solidFill>
+                      <a:prstDash val="solid"/>
+                      <a:round/>
+                      <a:headEnd type="none" w="med" len="med"/>
+                      <a:tailEnd type="none" w="med" len="med"/>
+                    </a:lnR>
+                    <a:lnT w="12700" cap="flat" cmpd="sng" algn="ctr">
+                      <a:solidFill>
+                        <a:schemeClr val="bg1"/>
+                      </a:solidFill>
+                      <a:prstDash val="solid"/>
+                      <a:round/>
+                      <a:headEnd type="none" w="med" len="med"/>
+                      <a:tailEnd type="none" w="med" len="med"/>
+                    </a:lnT>
+                    <a:lnB w="12700" cap="flat" cmpd="sng" algn="ctr">
+                      <a:solidFill>
+                        <a:schemeClr val="bg1"/>
+                      </a:solidFill>
+                      <a:prstDash val="solid"/>
+                      <a:round/>
+                      <a:headEnd type="none" w="med" len="med"/>
+                      <a:tailEnd type="none" w="med" len="med"/>
+                    </a:lnB>
+                  </a:tcPr>
+                </a:tc>
+                <a:extLst>
+                  <a:ext uri="{0D108BD9-81ED-4DB2-BD59-A6C34878D82A}">
+                    <a16:rowId xmlns:a16="http://schemas.microsoft.com/office/drawing/2014/main" val="10001"/>
+                  </a:ext>
+                </a:extLst>
+              </a:tr>
+              <a:tr h="592667">
+                <a:tc>
+                  <a:txBody>
+                    <a:bodyPr/>
+                    <a:lstStyle/>
+                    <a:p>
+                      <a:pPr algn="just">
+                        <a:lnSpc>
+                          <a:spcPct val="115000"/>
+                        </a:lnSpc>
+                        <a:spcAft>
+                          <a:spcPts val="0"/>
+                        </a:spcAft>
+                      </a:pPr>
+                      <a:r>
+                        <a:rPr lang="en-GB" sz="1800">
+                          <a:solidFill>
+                            <a:schemeClr val="bg1"/>
+                          </a:solidFill>
+                          <a:latin typeface="Calibri"/>
+                          <a:ea typeface="Calibri"/>
+                          <a:cs typeface="Times New Roman"/>
+                        </a:rPr>
+                        <a:t>Ball</a:t>
+                      </a:r>
+                      <a:endParaRPr lang="en-US" sz="1800">
+                        <a:solidFill>
+                          <a:schemeClr val="bg1"/>
+                        </a:solidFill>
+                        <a:latin typeface="Calibri"/>
+                        <a:ea typeface="Calibri"/>
+                        <a:cs typeface="Times New Roman"/>
+                      </a:endParaRPr>
+                    </a:p>
+                  </a:txBody>
+                  <a:tcPr marL="68580" marR="68580" marT="0" marB="0">
+                    <a:lnL w="12700" cap="flat" cmpd="sng" algn="ctr">
+                      <a:solidFill>
+                        <a:schemeClr val="bg1"/>
+                      </a:solidFill>
+                      <a:prstDash val="solid"/>
+                      <a:round/>
+                      <a:headEnd type="none" w="med" len="med"/>
+                      <a:tailEnd type="none" w="med" len="med"/>
+                    </a:lnL>
+                    <a:lnR w="12700" cap="flat" cmpd="sng" algn="ctr">
+                      <a:solidFill>
+                        <a:schemeClr val="bg1"/>
+                      </a:solidFill>
+                      <a:prstDash val="solid"/>
+                      <a:round/>
+                      <a:headEnd type="none" w="med" len="med"/>
+                      <a:tailEnd type="none" w="med" len="med"/>
+                    </a:lnR>
+                    <a:lnT w="12700" cap="flat" cmpd="sng" algn="ctr">
+                      <a:solidFill>
+                        <a:schemeClr val="bg1"/>
+                      </a:solidFill>
+                      <a:prstDash val="solid"/>
+                      <a:round/>
+                      <a:headEnd type="none" w="med" len="med"/>
+                      <a:tailEnd type="none" w="med" len="med"/>
+                    </a:lnT>
+                    <a:lnB w="12700" cap="flat" cmpd="sng" algn="ctr">
+                      <a:solidFill>
+                        <a:schemeClr val="bg1"/>
+                      </a:solidFill>
+                      <a:prstDash val="solid"/>
+                      <a:round/>
+                      <a:headEnd type="none" w="med" len="med"/>
+                      <a:tailEnd type="none" w="med" len="med"/>
+                    </a:lnB>
+                  </a:tcPr>
+                </a:tc>
+                <a:tc>
+                  <a:txBody>
+                    <a:bodyPr/>
+                    <a:lstStyle/>
+                    <a:p>
+                      <a:pPr algn="just">
+                        <a:lnSpc>
+                          <a:spcPct val="115000"/>
+                        </a:lnSpc>
+                        <a:spcAft>
+                          <a:spcPts val="0"/>
+                        </a:spcAft>
+                      </a:pPr>
+                      <a:r>
+                        <a:rPr lang="en-GB" sz="1800" dirty="0">
+                          <a:solidFill>
+                            <a:schemeClr val="bg1"/>
+                          </a:solidFill>
+                          <a:latin typeface="Calibri"/>
+                          <a:ea typeface="Calibri"/>
+                          <a:cs typeface="Times New Roman"/>
+                        </a:rPr>
+                        <a:t>Move</a:t>
+                      </a:r>
+                      <a:endParaRPr lang="en-US" sz="1800" dirty="0">
+                        <a:solidFill>
+                          <a:schemeClr val="bg1"/>
+                        </a:solidFill>
+                        <a:latin typeface="Calibri"/>
+                        <a:ea typeface="Calibri"/>
+                        <a:cs typeface="Times New Roman"/>
+                      </a:endParaRPr>
+                    </a:p>
+                    <a:p>
+                      <a:pPr algn="just">
+                        <a:lnSpc>
+                          <a:spcPct val="115000"/>
+                        </a:lnSpc>
+                        <a:spcAft>
+                          <a:spcPts val="0"/>
+                        </a:spcAft>
+                      </a:pPr>
+                      <a:r>
+                        <a:rPr lang="en-GB" sz="1800" dirty="0">
+                          <a:solidFill>
+                            <a:schemeClr val="bg1"/>
+                          </a:solidFill>
+                          <a:latin typeface="Calibri"/>
+                          <a:ea typeface="Calibri"/>
+                          <a:cs typeface="Times New Roman"/>
+                        </a:rPr>
+                        <a:t>Bounce</a:t>
+                      </a:r>
+                    </a:p>
+                    <a:p>
+                      <a:pPr marL="0" marR="0" indent="0" algn="just" defTabSz="914400" rtl="0" eaLnBrk="1" fontAlgn="auto" latinLnBrk="0" hangingPunct="1">
+                        <a:lnSpc>
+                          <a:spcPct val="115000"/>
+                        </a:lnSpc>
+                        <a:spcBef>
+                          <a:spcPts val="0"/>
+                        </a:spcBef>
+                        <a:spcAft>
+                          <a:spcPts val="0"/>
+                        </a:spcAft>
+                        <a:buClrTx/>
+                        <a:buSzTx/>
+                        <a:buFontTx/>
+                        <a:buNone/>
+                        <a:tabLst/>
+                        <a:defRPr/>
+                      </a:pPr>
+                      <a:r>
+                        <a:rPr lang="en-GB" sz="1800" dirty="0">
+                          <a:solidFill>
+                            <a:schemeClr val="bg1"/>
+                          </a:solidFill>
+                          <a:latin typeface="+mn-lt"/>
+                          <a:ea typeface="Calibri"/>
+                          <a:cs typeface="Times New Roman"/>
+                        </a:rPr>
+                        <a:t>Serve</a:t>
+                      </a:r>
+                      <a:endParaRPr lang="en-US" sz="1800" dirty="0">
+                        <a:solidFill>
+                          <a:schemeClr val="bg1"/>
+                        </a:solidFill>
+                        <a:latin typeface="+mn-lt"/>
+                        <a:ea typeface="Calibri"/>
+                        <a:cs typeface="Times New Roman"/>
+                      </a:endParaRPr>
+                    </a:p>
+                  </a:txBody>
+                  <a:tcPr marL="68580" marR="68580" marT="0" marB="0">
+                    <a:lnL w="12700" cap="flat" cmpd="sng" algn="ctr">
+                      <a:solidFill>
+                        <a:schemeClr val="bg1"/>
+                      </a:solidFill>
+                      <a:prstDash val="solid"/>
+                      <a:round/>
+                      <a:headEnd type="none" w="med" len="med"/>
+                      <a:tailEnd type="none" w="med" len="med"/>
+                    </a:lnL>
+                    <a:lnR w="12700" cap="flat" cmpd="sng" algn="ctr">
+                      <a:solidFill>
+                        <a:schemeClr val="bg1"/>
+                      </a:solidFill>
+                      <a:prstDash val="solid"/>
+                      <a:round/>
+                      <a:headEnd type="none" w="med" len="med"/>
+                      <a:tailEnd type="none" w="med" len="med"/>
+                    </a:lnR>
+                    <a:lnT w="12700" cap="flat" cmpd="sng" algn="ctr">
+                      <a:solidFill>
+                        <a:schemeClr val="bg1"/>
+                      </a:solidFill>
+                      <a:prstDash val="solid"/>
+                      <a:round/>
+                      <a:headEnd type="none" w="med" len="med"/>
+                      <a:tailEnd type="none" w="med" len="med"/>
+                    </a:lnT>
+                    <a:lnB w="12700" cap="flat" cmpd="sng" algn="ctr">
+                      <a:solidFill>
+                        <a:schemeClr val="bg1"/>
+                      </a:solidFill>
+                      <a:prstDash val="solid"/>
+                      <a:round/>
+                      <a:headEnd type="none" w="med" len="med"/>
+                      <a:tailEnd type="none" w="med" len="med"/>
+                    </a:lnB>
+                  </a:tcPr>
+                </a:tc>
+                <a:tc>
+                  <a:txBody>
+                    <a:bodyPr/>
+                    <a:lstStyle/>
+                    <a:p>
+                      <a:pPr algn="just">
+                        <a:lnSpc>
+                          <a:spcPct val="115000"/>
+                        </a:lnSpc>
+                        <a:spcAft>
+                          <a:spcPts val="0"/>
+                        </a:spcAft>
+                      </a:pPr>
+                      <a:r>
+                        <a:rPr lang="en-GB" sz="1800" dirty="0">
+                          <a:solidFill>
+                            <a:srgbClr val="FFFF00"/>
+                          </a:solidFill>
+                          <a:latin typeface="Calibri"/>
+                          <a:ea typeface="Calibri"/>
+                          <a:cs typeface="Times New Roman"/>
+                        </a:rPr>
+                        <a:t>Position</a:t>
+                      </a:r>
+                      <a:endParaRPr lang="en-US" sz="1800" dirty="0">
+                        <a:solidFill>
+                          <a:srgbClr val="FFFF00"/>
+                        </a:solidFill>
+                        <a:latin typeface="Calibri"/>
+                        <a:ea typeface="Calibri"/>
+                        <a:cs typeface="Times New Roman"/>
+                      </a:endParaRPr>
+                    </a:p>
+                  </a:txBody>
+                  <a:tcPr marL="68580" marR="68580" marT="0" marB="0">
+                    <a:lnL w="12700" cap="flat" cmpd="sng" algn="ctr">
+                      <a:solidFill>
+                        <a:schemeClr val="bg1"/>
+                      </a:solidFill>
+                      <a:prstDash val="solid"/>
+                      <a:round/>
+                      <a:headEnd type="none" w="med" len="med"/>
+                      <a:tailEnd type="none" w="med" len="med"/>
+                    </a:lnL>
+                    <a:lnR w="12700" cap="flat" cmpd="sng" algn="ctr">
+                      <a:solidFill>
+                        <a:schemeClr val="bg1"/>
+                      </a:solidFill>
+                      <a:prstDash val="solid"/>
+                      <a:round/>
+                      <a:headEnd type="none" w="med" len="med"/>
+                      <a:tailEnd type="none" w="med" len="med"/>
+                    </a:lnR>
+                    <a:lnT w="12700" cap="flat" cmpd="sng" algn="ctr">
+                      <a:solidFill>
+                        <a:schemeClr val="bg1"/>
+                      </a:solidFill>
+                      <a:prstDash val="solid"/>
+                      <a:round/>
+                      <a:headEnd type="none" w="med" len="med"/>
+                      <a:tailEnd type="none" w="med" len="med"/>
+                    </a:lnT>
+                    <a:lnB w="12700" cap="flat" cmpd="sng" algn="ctr">
+                      <a:solidFill>
+                        <a:schemeClr val="bg1"/>
+                      </a:solidFill>
+                      <a:prstDash val="solid"/>
+                      <a:round/>
+                      <a:headEnd type="none" w="med" len="med"/>
+                      <a:tailEnd type="none" w="med" len="med"/>
+                    </a:lnB>
+                  </a:tcPr>
+                </a:tc>
+                <a:extLst>
+                  <a:ext uri="{0D108BD9-81ED-4DB2-BD59-A6C34878D82A}">
+                    <a16:rowId xmlns:a16="http://schemas.microsoft.com/office/drawing/2014/main" val="10002"/>
+                  </a:ext>
+                </a:extLst>
+              </a:tr>
+              <a:tr h="889000">
+                <a:tc>
+                  <a:txBody>
+                    <a:bodyPr/>
+                    <a:lstStyle/>
+                    <a:p>
+                      <a:pPr algn="just">
+                        <a:lnSpc>
+                          <a:spcPct val="115000"/>
+                        </a:lnSpc>
+                        <a:spcAft>
+                          <a:spcPts val="0"/>
+                        </a:spcAft>
+                      </a:pPr>
+                      <a:r>
+                        <a:rPr lang="en-GB" sz="1800" dirty="0">
+                          <a:solidFill>
+                            <a:srgbClr val="FFFF00"/>
+                          </a:solidFill>
+                          <a:latin typeface="Calibri"/>
+                          <a:ea typeface="Calibri"/>
+                          <a:cs typeface="Times New Roman"/>
+                        </a:rPr>
+                        <a:t>Game</a:t>
+                      </a:r>
+                      <a:endParaRPr lang="en-US" sz="1800" dirty="0">
+                        <a:solidFill>
+                          <a:srgbClr val="FFFF00"/>
+                        </a:solidFill>
+                        <a:latin typeface="Calibri"/>
+                        <a:ea typeface="Calibri"/>
+                        <a:cs typeface="Times New Roman"/>
+                      </a:endParaRPr>
+                    </a:p>
+                  </a:txBody>
+                  <a:tcPr marL="68580" marR="68580" marT="0" marB="0">
+                    <a:lnL w="12700" cap="flat" cmpd="sng" algn="ctr">
+                      <a:solidFill>
+                        <a:schemeClr val="bg1"/>
+                      </a:solidFill>
+                      <a:prstDash val="solid"/>
+                      <a:round/>
+                      <a:headEnd type="none" w="med" len="med"/>
+                      <a:tailEnd type="none" w="med" len="med"/>
+                    </a:lnL>
+                    <a:lnR w="12700" cap="flat" cmpd="sng" algn="ctr">
+                      <a:solidFill>
+                        <a:schemeClr val="bg1"/>
+                      </a:solidFill>
+                      <a:prstDash val="solid"/>
+                      <a:round/>
+                      <a:headEnd type="none" w="med" len="med"/>
+                      <a:tailEnd type="none" w="med" len="med"/>
+                    </a:lnR>
+                    <a:lnT w="12700" cap="flat" cmpd="sng" algn="ctr">
+                      <a:solidFill>
+                        <a:schemeClr val="bg1"/>
+                      </a:solidFill>
+                      <a:prstDash val="solid"/>
+                      <a:round/>
+                      <a:headEnd type="none" w="med" len="med"/>
+                      <a:tailEnd type="none" w="med" len="med"/>
+                    </a:lnT>
+                    <a:lnB w="12700" cap="flat" cmpd="sng" algn="ctr">
+                      <a:solidFill>
+                        <a:schemeClr val="bg1"/>
+                      </a:solidFill>
+                      <a:prstDash val="solid"/>
+                      <a:round/>
+                      <a:headEnd type="none" w="med" len="med"/>
+                      <a:tailEnd type="none" w="med" len="med"/>
+                    </a:lnB>
+                  </a:tcPr>
+                </a:tc>
+                <a:tc>
+                  <a:txBody>
+                    <a:bodyPr/>
+                    <a:lstStyle/>
+                    <a:p>
+                      <a:pPr algn="just">
+                        <a:lnSpc>
+                          <a:spcPct val="115000"/>
+                        </a:lnSpc>
+                        <a:spcAft>
+                          <a:spcPts val="0"/>
+                        </a:spcAft>
+                      </a:pPr>
+                      <a:r>
+                        <a:rPr lang="en-GB" sz="1800" dirty="0">
+                          <a:solidFill>
+                            <a:srgbClr val="FFFF00"/>
+                          </a:solidFill>
+                          <a:latin typeface="Calibri"/>
+                          <a:ea typeface="Calibri"/>
+                          <a:cs typeface="Times New Roman"/>
+                        </a:rPr>
+                        <a:t>Play</a:t>
+                      </a:r>
+                      <a:endParaRPr lang="en-US" sz="1800" dirty="0">
+                        <a:solidFill>
+                          <a:srgbClr val="FFFF00"/>
+                        </a:solidFill>
+                        <a:latin typeface="Calibri"/>
+                        <a:ea typeface="Calibri"/>
+                        <a:cs typeface="Times New Roman"/>
+                      </a:endParaRPr>
+                    </a:p>
+                  </a:txBody>
+                  <a:tcPr marL="68580" marR="68580" marT="0" marB="0">
+                    <a:lnL w="12700" cap="flat" cmpd="sng" algn="ctr">
+                      <a:solidFill>
+                        <a:schemeClr val="bg1"/>
+                      </a:solidFill>
+                      <a:prstDash val="solid"/>
+                      <a:round/>
+                      <a:headEnd type="none" w="med" len="med"/>
+                      <a:tailEnd type="none" w="med" len="med"/>
+                    </a:lnL>
+                    <a:lnR w="12700" cap="flat" cmpd="sng" algn="ctr">
+                      <a:solidFill>
+                        <a:schemeClr val="bg1"/>
+                      </a:solidFill>
+                      <a:prstDash val="solid"/>
+                      <a:round/>
+                      <a:headEnd type="none" w="med" len="med"/>
+                      <a:tailEnd type="none" w="med" len="med"/>
+                    </a:lnR>
+                    <a:lnT w="12700" cap="flat" cmpd="sng" algn="ctr">
+                      <a:solidFill>
+                        <a:schemeClr val="bg1"/>
+                      </a:solidFill>
+                      <a:prstDash val="solid"/>
+                      <a:round/>
+                      <a:headEnd type="none" w="med" len="med"/>
+                      <a:tailEnd type="none" w="med" len="med"/>
+                    </a:lnT>
+                    <a:lnB w="12700" cap="flat" cmpd="sng" algn="ctr">
+                      <a:solidFill>
+                        <a:schemeClr val="bg1"/>
+                      </a:solidFill>
+                      <a:prstDash val="solid"/>
+                      <a:round/>
+                      <a:headEnd type="none" w="med" len="med"/>
+                      <a:tailEnd type="none" w="med" len="med"/>
+                    </a:lnB>
+                  </a:tcPr>
+                </a:tc>
+                <a:tc>
+                  <a:txBody>
+                    <a:bodyPr/>
+                    <a:lstStyle/>
+                    <a:p>
+                      <a:pPr algn="just">
+                        <a:lnSpc>
+                          <a:spcPct val="115000"/>
+                        </a:lnSpc>
+                        <a:spcAft>
+                          <a:spcPts val="0"/>
+                        </a:spcAft>
+                      </a:pPr>
+                      <a:r>
+                        <a:rPr lang="en-GB" sz="1800" dirty="0">
+                          <a:solidFill>
+                            <a:schemeClr val="bg1"/>
+                          </a:solidFill>
+                          <a:latin typeface="Calibri"/>
+                          <a:ea typeface="Calibri"/>
+                          <a:cs typeface="Times New Roman"/>
+                        </a:rPr>
+                        <a:t>Players [2]</a:t>
+                      </a:r>
+                      <a:endParaRPr lang="en-US" sz="1800" dirty="0">
+                        <a:solidFill>
+                          <a:schemeClr val="bg1"/>
+                        </a:solidFill>
+                        <a:latin typeface="Calibri"/>
+                        <a:ea typeface="Calibri"/>
+                        <a:cs typeface="Times New Roman"/>
+                      </a:endParaRPr>
+                    </a:p>
+                    <a:p>
+                      <a:pPr algn="just">
+                        <a:lnSpc>
+                          <a:spcPct val="115000"/>
+                        </a:lnSpc>
+                        <a:spcAft>
+                          <a:spcPts val="0"/>
+                        </a:spcAft>
+                      </a:pPr>
+                      <a:r>
+                        <a:rPr lang="en-GB" sz="1800" dirty="0">
+                          <a:solidFill>
+                            <a:schemeClr val="bg1"/>
+                          </a:solidFill>
+                          <a:latin typeface="Calibri"/>
+                          <a:ea typeface="Calibri"/>
+                          <a:cs typeface="Times New Roman"/>
+                        </a:rPr>
+                        <a:t>Ball</a:t>
+                      </a:r>
+                      <a:endParaRPr lang="en-US" sz="1800" dirty="0">
+                        <a:solidFill>
+                          <a:schemeClr val="bg1"/>
+                        </a:solidFill>
+                        <a:latin typeface="Calibri"/>
+                        <a:ea typeface="Calibri"/>
+                        <a:cs typeface="Times New Roman"/>
+                      </a:endParaRPr>
+                    </a:p>
+                    <a:p>
+                      <a:pPr algn="just">
+                        <a:lnSpc>
+                          <a:spcPct val="115000"/>
+                        </a:lnSpc>
+                        <a:spcAft>
+                          <a:spcPts val="0"/>
+                        </a:spcAft>
+                      </a:pPr>
+                      <a:r>
+                        <a:rPr lang="en-GB" sz="1800" dirty="0">
+                          <a:solidFill>
+                            <a:srgbClr val="FFFF00"/>
+                          </a:solidFill>
+                          <a:latin typeface="Calibri"/>
+                          <a:ea typeface="Calibri"/>
+                          <a:cs typeface="Times New Roman"/>
+                        </a:rPr>
+                        <a:t>Court</a:t>
+                      </a:r>
+                      <a:endParaRPr lang="en-US" sz="1800" dirty="0">
+                        <a:solidFill>
+                          <a:srgbClr val="FFFF00"/>
+                        </a:solidFill>
+                        <a:latin typeface="Calibri"/>
+                        <a:ea typeface="Calibri"/>
+                        <a:cs typeface="Times New Roman"/>
+                      </a:endParaRPr>
+                    </a:p>
+                  </a:txBody>
+                  <a:tcPr marL="68580" marR="68580" marT="0" marB="0">
+                    <a:lnL w="12700" cap="flat" cmpd="sng" algn="ctr">
+                      <a:solidFill>
+                        <a:schemeClr val="bg1"/>
+                      </a:solidFill>
+                      <a:prstDash val="solid"/>
+                      <a:round/>
+                      <a:headEnd type="none" w="med" len="med"/>
+                      <a:tailEnd type="none" w="med" len="med"/>
+                    </a:lnL>
+                    <a:lnR w="12700" cap="flat" cmpd="sng" algn="ctr">
+                      <a:solidFill>
+                        <a:schemeClr val="bg1"/>
+                      </a:solidFill>
+                      <a:prstDash val="solid"/>
+                      <a:round/>
+                      <a:headEnd type="none" w="med" len="med"/>
+                      <a:tailEnd type="none" w="med" len="med"/>
+                    </a:lnR>
+                    <a:lnT w="12700" cap="flat" cmpd="sng" algn="ctr">
+                      <a:solidFill>
+                        <a:schemeClr val="bg1"/>
+                      </a:solidFill>
+                      <a:prstDash val="solid"/>
+                      <a:round/>
+                      <a:headEnd type="none" w="med" len="med"/>
+                      <a:tailEnd type="none" w="med" len="med"/>
+                    </a:lnT>
+                    <a:lnB w="12700" cap="flat" cmpd="sng" algn="ctr">
+                      <a:solidFill>
+                        <a:schemeClr val="bg1"/>
+                      </a:solidFill>
+                      <a:prstDash val="solid"/>
+                      <a:round/>
+                      <a:headEnd type="none" w="med" len="med"/>
+                      <a:tailEnd type="none" w="med" len="med"/>
+                    </a:lnB>
+                  </a:tcPr>
+                </a:tc>
+                <a:extLst>
+                  <a:ext uri="{0D108BD9-81ED-4DB2-BD59-A6C34878D82A}">
+                    <a16:rowId xmlns:a16="http://schemas.microsoft.com/office/drawing/2014/main" val="10003"/>
+                  </a:ext>
+                </a:extLst>
+              </a:tr>
+            </a:tbl>
+          </a:graphicData>
+        </a:graphic>
+      </p:graphicFrame>
+    </p:spTree>
+    <p:extLst>
+      <p:ext uri="{BB962C8B-B14F-4D97-AF65-F5344CB8AC3E}">
+        <p14:creationId xmlns:p14="http://schemas.microsoft.com/office/powerpoint/2010/main" val="294455563"/>
+      </p:ext>
+    </p:extLst>
+  </p:cSld>
+  <p:clrMapOvr>
+    <a:masterClrMapping/>
+  </p:clrMapOvr>
+</p:sld>
+</file>
+
+<file path=ppt/slides/slide13.xml><?xml version="1.0" encoding="utf-8"?>
+<p:sld xmlns:a="http://schemas.openxmlformats.org/drawingml/2006/main" xmlns:r="http://schemas.openxmlformats.org/officeDocument/2006/relationships" xmlns:p="http://schemas.openxmlformats.org/presentationml/2006/main">
+  <p:cSld>
+    <p:spTree>
+      <p:nvGrpSpPr>
+        <p:cNvPr id="1" name=""/>
+        <p:cNvGrpSpPr/>
+        <p:nvPr/>
+      </p:nvGrpSpPr>
+      <p:grpSpPr>
+        <a:xfrm>
+          <a:off x="0" y="0"/>
+          <a:ext cx="0" cy="0"/>
+          <a:chOff x="0" y="0"/>
+          <a:chExt cx="0" cy="0"/>
+        </a:xfrm>
+      </p:grpSpPr>
+      <p:sp>
+        <p:nvSpPr>
+          <p:cNvPr id="3" name="Content Placeholder 2"/>
+          <p:cNvSpPr>
+            <a:spLocks noGrp="1"/>
+          </p:cNvSpPr>
+          <p:nvPr>
+            <p:ph idx="1"/>
+          </p:nvPr>
+        </p:nvSpPr>
+        <p:spPr>
+          <a:xfrm>
+            <a:off x="457200" y="557210"/>
+            <a:ext cx="8229600" cy="2514600"/>
+          </a:xfrm>
+        </p:spPr>
+        <p:txBody>
+          <a:bodyPr>
+            <a:normAutofit/>
+          </a:bodyPr>
+          <a:lstStyle/>
+          <a:p>
+            <a:r>
+              <a:rPr lang="en-GB" dirty="0" err="1"/>
+              <a:t>Booch</a:t>
+            </a:r>
+            <a:r>
+              <a:rPr lang="en-GB" dirty="0"/>
+              <a:t> OO Development method</a:t>
+            </a:r>
+          </a:p>
+          <a:p>
+            <a:r>
+              <a:rPr lang="en-GB" dirty="0"/>
+              <a:t>Pong game design – as UML</a:t>
+            </a:r>
+          </a:p>
+        </p:txBody>
+      </p:sp>
+      <p:grpSp>
+        <p:nvGrpSpPr>
+          <p:cNvPr id="245" name="Group 244"/>
+          <p:cNvGrpSpPr/>
+          <p:nvPr/>
+        </p:nvGrpSpPr>
+        <p:grpSpPr>
+          <a:xfrm>
+            <a:off x="642910" y="2071678"/>
+            <a:ext cx="5715040" cy="4346990"/>
+            <a:chOff x="642910" y="2071678"/>
+            <a:chExt cx="5715040" cy="4346990"/>
+          </a:xfrm>
+        </p:grpSpPr>
+        <p:grpSp>
+          <p:nvGrpSpPr>
+            <p:cNvPr id="4" name="Group 7"/>
+            <p:cNvGrpSpPr/>
+            <p:nvPr/>
+          </p:nvGrpSpPr>
+          <p:grpSpPr>
+            <a:xfrm>
+              <a:off x="642910" y="3136470"/>
+              <a:ext cx="1928826" cy="1292662"/>
+              <a:chOff x="-857288" y="1273718"/>
+              <a:chExt cx="4572000" cy="1292662"/>
+            </a:xfrm>
+          </p:grpSpPr>
+          <p:sp>
+            <p:nvSpPr>
+              <p:cNvPr id="16" name="Rectangle 4"/>
+              <p:cNvSpPr/>
+              <p:nvPr/>
+            </p:nvSpPr>
+            <p:spPr>
+              <a:xfrm>
+                <a:off x="-857288" y="1643050"/>
+                <a:ext cx="4572000" cy="923330"/>
+              </a:xfrm>
+              <a:prstGeom prst="rect">
+                <a:avLst/>
+              </a:prstGeom>
+              <a:solidFill>
+                <a:schemeClr val="tx2">
+                  <a:lumMod val="60000"/>
+                  <a:lumOff val="40000"/>
+                </a:schemeClr>
+              </a:solidFill>
+              <a:ln w="19050">
+                <a:solidFill>
+                  <a:schemeClr val="bg1"/>
+                </a:solidFill>
+              </a:ln>
+            </p:spPr>
+            <p:txBody>
+              <a:bodyPr>
+                <a:spAutoFit/>
+              </a:bodyPr>
+              <a:lstStyle/>
+              <a:p>
+                <a:r>
+                  <a:rPr lang="en-GB" dirty="0"/>
+                  <a:t>Players[2]</a:t>
+                </a:r>
+              </a:p>
+              <a:p>
+                <a:r>
+                  <a:rPr lang="en-GB" dirty="0"/>
+                  <a:t>Ball</a:t>
+                </a:r>
+              </a:p>
+              <a:p>
+                <a:r>
+                  <a:rPr lang="en-GB" dirty="0"/>
+                  <a:t>Court</a:t>
+                </a:r>
+              </a:p>
+            </p:txBody>
+          </p:sp>
+          <p:sp>
+            <p:nvSpPr>
+              <p:cNvPr id="17" name="Rectangle 16"/>
+              <p:cNvSpPr/>
+              <p:nvPr/>
+            </p:nvSpPr>
+            <p:spPr>
+              <a:xfrm>
+                <a:off x="-857288" y="1273718"/>
+                <a:ext cx="4562508" cy="369332"/>
+              </a:xfrm>
+              <a:prstGeom prst="rect">
+                <a:avLst/>
+              </a:prstGeom>
+              <a:solidFill>
+                <a:schemeClr val="bg1"/>
+              </a:solidFill>
+              <a:ln w="19050">
+                <a:solidFill>
+                  <a:schemeClr val="bg1"/>
+                </a:solidFill>
+              </a:ln>
+            </p:spPr>
+            <p:txBody>
+              <a:bodyPr wrap="square">
+                <a:spAutoFit/>
+              </a:bodyPr>
+              <a:lstStyle/>
+              <a:p>
+                <a:r>
+                  <a:rPr lang="en-GB" dirty="0"/>
+                  <a:t>Game</a:t>
+                </a:r>
+              </a:p>
+            </p:txBody>
+          </p:sp>
+        </p:grpSp>
+        <p:grpSp>
+          <p:nvGrpSpPr>
+            <p:cNvPr id="8" name="Group 11"/>
+            <p:cNvGrpSpPr/>
+            <p:nvPr/>
+          </p:nvGrpSpPr>
+          <p:grpSpPr>
+            <a:xfrm>
+              <a:off x="4429124" y="4572008"/>
+              <a:ext cx="1928826" cy="1846660"/>
+              <a:chOff x="-857288" y="1273718"/>
+              <a:chExt cx="4572000" cy="1846660"/>
+            </a:xfrm>
+          </p:grpSpPr>
+          <p:sp>
+            <p:nvSpPr>
+              <p:cNvPr id="12" name="Rectangle 11"/>
+              <p:cNvSpPr/>
+              <p:nvPr/>
+            </p:nvSpPr>
+            <p:spPr>
+              <a:xfrm>
+                <a:off x="-857288" y="1643050"/>
+                <a:ext cx="4572000" cy="1477328"/>
+              </a:xfrm>
+              <a:prstGeom prst="rect">
+                <a:avLst/>
+              </a:prstGeom>
+              <a:solidFill>
+                <a:schemeClr val="tx2">
+                  <a:lumMod val="60000"/>
+                  <a:lumOff val="40000"/>
+                </a:schemeClr>
+              </a:solidFill>
+              <a:ln w="19050">
+                <a:solidFill>
+                  <a:schemeClr val="bg1"/>
+                </a:solidFill>
+              </a:ln>
+            </p:spPr>
+            <p:txBody>
+              <a:bodyPr>
+                <a:spAutoFit/>
+              </a:bodyPr>
+              <a:lstStyle/>
+              <a:p>
+                <a:r>
+                  <a:rPr lang="en-GB" dirty="0"/>
+                  <a:t>Move()</a:t>
+                </a:r>
+              </a:p>
+              <a:p>
+                <a:r>
+                  <a:rPr lang="en-GB" dirty="0" err="1"/>
+                  <a:t>HitBall</a:t>
+                </a:r>
+                <a:r>
+                  <a:rPr lang="en-GB" dirty="0"/>
+                  <a:t>()</a:t>
+                </a:r>
+              </a:p>
+              <a:p>
+                <a:endParaRPr lang="en-GB" dirty="0"/>
+              </a:p>
+              <a:p>
+                <a:r>
+                  <a:rPr lang="en-GB" dirty="0"/>
+                  <a:t>Score</a:t>
+                </a:r>
+              </a:p>
+              <a:p>
+                <a:r>
+                  <a:rPr lang="en-GB" dirty="0"/>
+                  <a:t>Position</a:t>
+                </a:r>
+              </a:p>
+            </p:txBody>
+          </p:sp>
+          <p:sp>
+            <p:nvSpPr>
+              <p:cNvPr id="13" name="Rectangle 12"/>
+              <p:cNvSpPr/>
+              <p:nvPr/>
+            </p:nvSpPr>
+            <p:spPr>
+              <a:xfrm>
+                <a:off x="-857288" y="1273718"/>
+                <a:ext cx="4562508" cy="369332"/>
+              </a:xfrm>
+              <a:prstGeom prst="rect">
+                <a:avLst/>
+              </a:prstGeom>
+              <a:solidFill>
+                <a:schemeClr val="bg1"/>
+              </a:solidFill>
+              <a:ln w="19050">
+                <a:solidFill>
+                  <a:schemeClr val="bg1"/>
+                </a:solidFill>
+              </a:ln>
+            </p:spPr>
+            <p:txBody>
+              <a:bodyPr wrap="square">
+                <a:spAutoFit/>
+              </a:bodyPr>
+              <a:lstStyle/>
+              <a:p>
+                <a:r>
+                  <a:rPr lang="en-GB" dirty="0"/>
+                  <a:t>Player</a:t>
+                </a:r>
+              </a:p>
+            </p:txBody>
+          </p:sp>
+        </p:grpSp>
+        <p:cxnSp>
+          <p:nvCxnSpPr>
+            <p:cNvPr id="11" name="Elbow Connector 10"/>
+            <p:cNvCxnSpPr>
+              <a:stCxn id="16" idx="3"/>
+              <a:endCxn id="12" idx="1"/>
+            </p:cNvCxnSpPr>
+            <p:nvPr/>
+          </p:nvCxnSpPr>
+          <p:spPr>
+            <a:xfrm>
+              <a:off x="2571736" y="3967467"/>
+              <a:ext cx="1857388" cy="1712537"/>
+            </a:xfrm>
+            <a:prstGeom prst="bentConnector3">
+              <a:avLst>
+                <a:gd name="adj1" fmla="val 50000"/>
+              </a:avLst>
+            </a:prstGeom>
+            <a:ln w="28575">
+              <a:solidFill>
+                <a:schemeClr val="bg1"/>
+              </a:solidFill>
+              <a:tailEnd type="arrow"/>
+            </a:ln>
+          </p:spPr>
+          <p:style>
+            <a:lnRef idx="1">
+              <a:schemeClr val="accent1"/>
+            </a:lnRef>
+            <a:fillRef idx="0">
+              <a:schemeClr val="accent1"/>
+            </a:fillRef>
+            <a:effectRef idx="0">
+              <a:schemeClr val="accent1"/>
+            </a:effectRef>
+            <a:fontRef idx="minor">
+              <a:schemeClr val="tx1"/>
+            </a:fontRef>
+          </p:style>
+        </p:cxnSp>
+        <p:grpSp>
+          <p:nvGrpSpPr>
+            <p:cNvPr id="18" name="Group 11"/>
+            <p:cNvGrpSpPr/>
+            <p:nvPr/>
+          </p:nvGrpSpPr>
+          <p:grpSpPr>
+            <a:xfrm>
+              <a:off x="4429124" y="2071678"/>
+              <a:ext cx="1928826" cy="1846660"/>
+              <a:chOff x="-857288" y="1273718"/>
+              <a:chExt cx="4572000" cy="1846660"/>
+            </a:xfrm>
+          </p:grpSpPr>
+          <p:sp>
+            <p:nvSpPr>
+              <p:cNvPr id="19" name="Rectangle 18"/>
+              <p:cNvSpPr/>
+              <p:nvPr/>
+            </p:nvSpPr>
+            <p:spPr>
+              <a:xfrm>
+                <a:off x="-857288" y="1643050"/>
+                <a:ext cx="4572000" cy="1477328"/>
+              </a:xfrm>
+              <a:prstGeom prst="rect">
+                <a:avLst/>
+              </a:prstGeom>
+              <a:solidFill>
+                <a:schemeClr val="tx2">
+                  <a:lumMod val="60000"/>
+                  <a:lumOff val="40000"/>
+                </a:schemeClr>
+              </a:solidFill>
+              <a:ln w="19050">
+                <a:solidFill>
+                  <a:schemeClr val="bg1"/>
+                </a:solidFill>
+              </a:ln>
+            </p:spPr>
+            <p:txBody>
+              <a:bodyPr>
+                <a:spAutoFit/>
+              </a:bodyPr>
+              <a:lstStyle/>
+              <a:p>
+                <a:r>
+                  <a:rPr lang="en-GB" dirty="0"/>
+                  <a:t>Move()</a:t>
+                </a:r>
+              </a:p>
+              <a:p>
+                <a:r>
+                  <a:rPr lang="en-GB" dirty="0"/>
+                  <a:t>Bounce()</a:t>
+                </a:r>
+              </a:p>
+              <a:p>
+                <a:r>
+                  <a:rPr lang="en-GB" dirty="0"/>
+                  <a:t>Serve()</a:t>
+                </a:r>
+              </a:p>
+              <a:p>
+                <a:endParaRPr lang="en-GB" dirty="0"/>
+              </a:p>
+              <a:p>
+                <a:r>
+                  <a:rPr lang="en-GB" dirty="0"/>
+                  <a:t>Position</a:t>
+                </a:r>
+              </a:p>
+            </p:txBody>
+          </p:sp>
+          <p:sp>
+            <p:nvSpPr>
+              <p:cNvPr id="20" name="Rectangle 19"/>
+              <p:cNvSpPr/>
+              <p:nvPr/>
+            </p:nvSpPr>
+            <p:spPr>
+              <a:xfrm>
+                <a:off x="-857288" y="1273718"/>
+                <a:ext cx="4562508" cy="369332"/>
+              </a:xfrm>
+              <a:prstGeom prst="rect">
+                <a:avLst/>
+              </a:prstGeom>
+              <a:solidFill>
+                <a:schemeClr val="bg1"/>
+              </a:solidFill>
+              <a:ln w="19050">
+                <a:solidFill>
+                  <a:schemeClr val="bg1"/>
+                </a:solidFill>
+              </a:ln>
+            </p:spPr>
+            <p:txBody>
+              <a:bodyPr wrap="square">
+                <a:spAutoFit/>
+              </a:bodyPr>
+              <a:lstStyle/>
+              <a:p>
+                <a:r>
+                  <a:rPr lang="en-GB" dirty="0"/>
+                  <a:t>Ball</a:t>
+                </a:r>
+              </a:p>
+            </p:txBody>
+          </p:sp>
+        </p:grpSp>
+        <p:cxnSp>
+          <p:nvCxnSpPr>
+            <p:cNvPr id="242" name="Elbow Connector 241"/>
+            <p:cNvCxnSpPr>
+              <a:stCxn id="16" idx="3"/>
+              <a:endCxn id="19" idx="1"/>
+            </p:cNvCxnSpPr>
+            <p:nvPr/>
+          </p:nvCxnSpPr>
+          <p:spPr>
+            <a:xfrm flipV="1">
+              <a:off x="2571736" y="3179674"/>
+              <a:ext cx="1857388" cy="787793"/>
+            </a:xfrm>
+            <a:prstGeom prst="bentConnector3">
+              <a:avLst>
+                <a:gd name="adj1" fmla="val 50000"/>
+              </a:avLst>
+            </a:prstGeom>
+            <a:ln w="28575">
+              <a:solidFill>
+                <a:schemeClr val="bg1"/>
+              </a:solidFill>
+              <a:tailEnd type="arrow"/>
+            </a:ln>
+          </p:spPr>
+          <p:style>
+            <a:lnRef idx="1">
+              <a:schemeClr val="accent1"/>
+            </a:lnRef>
+            <a:fillRef idx="0">
+              <a:schemeClr val="accent1"/>
+            </a:fillRef>
+            <a:effectRef idx="0">
+              <a:schemeClr val="accent1"/>
+            </a:effectRef>
+            <a:fontRef idx="minor">
+              <a:schemeClr val="tx1"/>
+            </a:fontRef>
+          </p:style>
+        </p:cxnSp>
+      </p:grpSp>
+    </p:spTree>
+    <p:extLst>
+      <p:ext uri="{BB962C8B-B14F-4D97-AF65-F5344CB8AC3E}">
+        <p14:creationId xmlns:p14="http://schemas.microsoft.com/office/powerpoint/2010/main" val="4165491801"/>
+      </p:ext>
+    </p:extLst>
+  </p:cSld>
+  <p:clrMapOvr>
+    <a:masterClrMapping/>
+  </p:clrMapOvr>
+</p:sld>
+</file>
+
+<file path=ppt/slides/slide14.xml><?xml version="1.0" encoding="utf-8"?>
+<p:sld xmlns:a="http://schemas.openxmlformats.org/drawingml/2006/main" xmlns:r="http://schemas.openxmlformats.org/officeDocument/2006/relationships" xmlns:p="http://schemas.openxmlformats.org/presentationml/2006/main">
+  <p:cSld>
+    <p:spTree>
+      <p:nvGrpSpPr>
+        <p:cNvPr id="1" name=""/>
+        <p:cNvGrpSpPr/>
+        <p:nvPr/>
+      </p:nvGrpSpPr>
+      <p:grpSpPr>
+        <a:xfrm>
+          <a:off x="0" y="0"/>
+          <a:ext cx="0" cy="0"/>
+          <a:chOff x="0" y="0"/>
+          <a:chExt cx="0" cy="0"/>
+        </a:xfrm>
+      </p:grpSpPr>
+      <p:sp>
+        <p:nvSpPr>
+          <p:cNvPr id="3" name="Content Placeholder 2"/>
+          <p:cNvSpPr>
+            <a:spLocks noGrp="1"/>
+          </p:cNvSpPr>
+          <p:nvPr>
+            <p:ph idx="1"/>
+          </p:nvPr>
+        </p:nvSpPr>
+        <p:spPr/>
+        <p:txBody>
+          <a:bodyPr>
+            <a:normAutofit/>
+          </a:bodyPr>
+          <a:lstStyle/>
+          <a:p>
+            <a:r>
+              <a:rPr lang="en-GB" dirty="0" err="1"/>
+              <a:t>Booch</a:t>
+            </a:r>
+            <a:r>
+              <a:rPr lang="en-GB" dirty="0"/>
+              <a:t> OO Development method</a:t>
+            </a:r>
+          </a:p>
+          <a:p>
+            <a:r>
+              <a:rPr lang="en-GB" dirty="0"/>
+              <a:t>Design / code choice</a:t>
+            </a:r>
+          </a:p>
+          <a:p>
+            <a:pPr lvl="1"/>
+            <a:r>
+              <a:rPr lang="en-GB" dirty="0"/>
+              <a:t>What kind of functionality and data will they have?</a:t>
+            </a:r>
+          </a:p>
+        </p:txBody>
+      </p:sp>
+      <p:graphicFrame>
+        <p:nvGraphicFramePr>
+          <p:cNvPr id="4" name="Table 3"/>
+          <p:cNvGraphicFramePr>
+            <a:graphicFrameLocks noGrp="1"/>
+          </p:cNvGraphicFramePr>
+          <p:nvPr/>
+        </p:nvGraphicFramePr>
+        <p:xfrm>
+          <a:off x="1259632" y="2660872"/>
+          <a:ext cx="6934200" cy="3072384"/>
+        </p:xfrm>
+        <a:graphic>
+          <a:graphicData uri="http://schemas.openxmlformats.org/drawingml/2006/table">
+            <a:tbl>
+              <a:tblPr/>
+              <a:tblGrid>
+                <a:gridCol w="2311400">
+                  <a:extLst>
+                    <a:ext uri="{9D8B030D-6E8A-4147-A177-3AD203B41FA5}">
+                      <a16:colId xmlns:a16="http://schemas.microsoft.com/office/drawing/2014/main" val="20000"/>
+                    </a:ext>
+                  </a:extLst>
+                </a:gridCol>
+                <a:gridCol w="2311400">
+                  <a:extLst>
+                    <a:ext uri="{9D8B030D-6E8A-4147-A177-3AD203B41FA5}">
+                      <a16:colId xmlns:a16="http://schemas.microsoft.com/office/drawing/2014/main" val="20001"/>
+                    </a:ext>
+                  </a:extLst>
+                </a:gridCol>
+                <a:gridCol w="2311400">
+                  <a:extLst>
+                    <a:ext uri="{9D8B030D-6E8A-4147-A177-3AD203B41FA5}">
+                      <a16:colId xmlns:a16="http://schemas.microsoft.com/office/drawing/2014/main" val="20002"/>
+                    </a:ext>
+                  </a:extLst>
+                </a:gridCol>
+              </a:tblGrid>
+              <a:tr h="296333">
+                <a:tc>
+                  <a:txBody>
+                    <a:bodyPr/>
+                    <a:lstStyle/>
+                    <a:p>
+                      <a:pPr algn="ctr">
+                        <a:lnSpc>
+                          <a:spcPct val="115000"/>
+                        </a:lnSpc>
+                        <a:spcAft>
+                          <a:spcPts val="0"/>
+                        </a:spcAft>
+                      </a:pPr>
+                      <a:r>
+                        <a:rPr lang="en-GB" sz="2000" b="1" dirty="0">
+                          <a:solidFill>
+                            <a:schemeClr val="bg1"/>
+                          </a:solidFill>
+                          <a:latin typeface="Calibri"/>
+                          <a:ea typeface="Calibri"/>
+                          <a:cs typeface="Times New Roman"/>
+                        </a:rPr>
+                        <a:t>Class</a:t>
+                      </a:r>
+                      <a:endParaRPr lang="en-US" sz="2000" dirty="0">
+                        <a:solidFill>
+                          <a:schemeClr val="bg1"/>
+                        </a:solidFill>
+                        <a:latin typeface="Calibri"/>
+                        <a:ea typeface="Calibri"/>
+                        <a:cs typeface="Times New Roman"/>
+                      </a:endParaRPr>
+                    </a:p>
+                  </a:txBody>
+                  <a:tcPr marL="68580" marR="68580" marT="0" marB="0">
+                    <a:lnL w="12700" cap="flat" cmpd="sng" algn="ctr">
+                      <a:solidFill>
+                        <a:schemeClr val="bg1"/>
+                      </a:solidFill>
+                      <a:prstDash val="solid"/>
+                      <a:round/>
+                      <a:headEnd type="none" w="med" len="med"/>
+                      <a:tailEnd type="none" w="med" len="med"/>
+                    </a:lnL>
+                    <a:lnR w="12700" cap="flat" cmpd="sng" algn="ctr">
+                      <a:solidFill>
+                        <a:schemeClr val="bg1"/>
+                      </a:solidFill>
+                      <a:prstDash val="solid"/>
+                      <a:round/>
+                      <a:headEnd type="none" w="med" len="med"/>
+                      <a:tailEnd type="none" w="med" len="med"/>
+                    </a:lnR>
+                    <a:lnT w="12700" cap="flat" cmpd="sng" algn="ctr">
+                      <a:solidFill>
+                        <a:schemeClr val="bg1"/>
+                      </a:solidFill>
+                      <a:prstDash val="solid"/>
+                      <a:round/>
+                      <a:headEnd type="none" w="med" len="med"/>
+                      <a:tailEnd type="none" w="med" len="med"/>
+                    </a:lnT>
+                    <a:lnB w="12700" cap="flat" cmpd="sng" algn="ctr">
+                      <a:solidFill>
+                        <a:schemeClr val="bg1"/>
+                      </a:solidFill>
+                      <a:prstDash val="solid"/>
+                      <a:round/>
+                      <a:headEnd type="none" w="med" len="med"/>
+                      <a:tailEnd type="none" w="med" len="med"/>
+                    </a:lnB>
+                  </a:tcPr>
+                </a:tc>
+                <a:tc>
+                  <a:txBody>
+                    <a:bodyPr/>
+                    <a:lstStyle/>
+                    <a:p>
+                      <a:pPr algn="ctr">
+                        <a:lnSpc>
+                          <a:spcPct val="115000"/>
+                        </a:lnSpc>
+                        <a:spcAft>
+                          <a:spcPts val="0"/>
+                        </a:spcAft>
+                      </a:pPr>
+                      <a:r>
+                        <a:rPr lang="en-GB" sz="2000" b="1">
+                          <a:solidFill>
+                            <a:schemeClr val="bg1"/>
+                          </a:solidFill>
+                          <a:latin typeface="Calibri"/>
+                          <a:ea typeface="Calibri"/>
+                          <a:cs typeface="Times New Roman"/>
+                        </a:rPr>
+                        <a:t>Method</a:t>
+                      </a:r>
+                      <a:endParaRPr lang="en-US" sz="2000">
+                        <a:solidFill>
+                          <a:schemeClr val="bg1"/>
+                        </a:solidFill>
+                        <a:latin typeface="Calibri"/>
+                        <a:ea typeface="Calibri"/>
+                        <a:cs typeface="Times New Roman"/>
+                      </a:endParaRPr>
+                    </a:p>
+                  </a:txBody>
+                  <a:tcPr marL="68580" marR="68580" marT="0" marB="0">
+                    <a:lnL w="12700" cap="flat" cmpd="sng" algn="ctr">
+                      <a:solidFill>
+                        <a:schemeClr val="bg1"/>
+                      </a:solidFill>
+                      <a:prstDash val="solid"/>
+                      <a:round/>
+                      <a:headEnd type="none" w="med" len="med"/>
+                      <a:tailEnd type="none" w="med" len="med"/>
+                    </a:lnL>
+                    <a:lnR w="12700" cap="flat" cmpd="sng" algn="ctr">
+                      <a:solidFill>
+                        <a:schemeClr val="bg1"/>
+                      </a:solidFill>
+                      <a:prstDash val="solid"/>
+                      <a:round/>
+                      <a:headEnd type="none" w="med" len="med"/>
+                      <a:tailEnd type="none" w="med" len="med"/>
+                    </a:lnR>
+                    <a:lnT w="12700" cap="flat" cmpd="sng" algn="ctr">
+                      <a:solidFill>
+                        <a:schemeClr val="bg1"/>
+                      </a:solidFill>
+                      <a:prstDash val="solid"/>
+                      <a:round/>
+                      <a:headEnd type="none" w="med" len="med"/>
+                      <a:tailEnd type="none" w="med" len="med"/>
+                    </a:lnT>
+                    <a:lnB w="12700" cap="flat" cmpd="sng" algn="ctr">
+                      <a:solidFill>
+                        <a:schemeClr val="bg1"/>
+                      </a:solidFill>
+                      <a:prstDash val="solid"/>
+                      <a:round/>
+                      <a:headEnd type="none" w="med" len="med"/>
+                      <a:tailEnd type="none" w="med" len="med"/>
+                    </a:lnB>
+                  </a:tcPr>
+                </a:tc>
+                <a:tc>
+                  <a:txBody>
+                    <a:bodyPr/>
+                    <a:lstStyle/>
+                    <a:p>
+                      <a:pPr algn="ctr">
+                        <a:lnSpc>
+                          <a:spcPct val="115000"/>
+                        </a:lnSpc>
+                        <a:spcAft>
+                          <a:spcPts val="0"/>
+                        </a:spcAft>
+                      </a:pPr>
+                      <a:r>
+                        <a:rPr lang="en-GB" sz="2000" b="1" dirty="0">
+                          <a:solidFill>
+                            <a:schemeClr val="bg1"/>
+                          </a:solidFill>
+                          <a:latin typeface="Calibri"/>
+                          <a:ea typeface="Calibri"/>
+                          <a:cs typeface="Times New Roman"/>
+                        </a:rPr>
+                        <a:t>Attributes</a:t>
+                      </a:r>
+                      <a:endParaRPr lang="en-US" sz="2000" dirty="0">
+                        <a:solidFill>
+                          <a:schemeClr val="bg1"/>
+                        </a:solidFill>
+                        <a:latin typeface="Calibri"/>
+                        <a:ea typeface="Calibri"/>
+                        <a:cs typeface="Times New Roman"/>
+                      </a:endParaRPr>
+                    </a:p>
+                  </a:txBody>
+                  <a:tcPr marL="68580" marR="68580" marT="0" marB="0">
+                    <a:lnL w="12700" cap="flat" cmpd="sng" algn="ctr">
+                      <a:solidFill>
+                        <a:schemeClr val="bg1"/>
+                      </a:solidFill>
+                      <a:prstDash val="solid"/>
+                      <a:round/>
+                      <a:headEnd type="none" w="med" len="med"/>
+                      <a:tailEnd type="none" w="med" len="med"/>
+                    </a:lnL>
+                    <a:lnR w="12700" cap="flat" cmpd="sng" algn="ctr">
+                      <a:solidFill>
+                        <a:schemeClr val="bg1"/>
+                      </a:solidFill>
+                      <a:prstDash val="solid"/>
+                      <a:round/>
+                      <a:headEnd type="none" w="med" len="med"/>
+                      <a:tailEnd type="none" w="med" len="med"/>
+                    </a:lnR>
+                    <a:lnT w="12700" cap="flat" cmpd="sng" algn="ctr">
+                      <a:solidFill>
+                        <a:schemeClr val="bg1"/>
+                      </a:solidFill>
+                      <a:prstDash val="solid"/>
+                      <a:round/>
+                      <a:headEnd type="none" w="med" len="med"/>
+                      <a:tailEnd type="none" w="med" len="med"/>
+                    </a:lnT>
+                    <a:lnB w="12700" cap="flat" cmpd="sng" algn="ctr">
+                      <a:solidFill>
+                        <a:schemeClr val="bg1"/>
+                      </a:solidFill>
+                      <a:prstDash val="solid"/>
+                      <a:round/>
+                      <a:headEnd type="none" w="med" len="med"/>
+                      <a:tailEnd type="none" w="med" len="med"/>
+                    </a:lnB>
+                  </a:tcPr>
+                </a:tc>
+                <a:extLst>
+                  <a:ext uri="{0D108BD9-81ED-4DB2-BD59-A6C34878D82A}">
+                    <a16:rowId xmlns:a16="http://schemas.microsoft.com/office/drawing/2014/main" val="10000"/>
+                  </a:ext>
+                </a:extLst>
+              </a:tr>
+              <a:tr h="675132">
+                <a:tc>
+                  <a:txBody>
+                    <a:bodyPr/>
+                    <a:lstStyle/>
+                    <a:p>
+                      <a:pPr algn="just">
+                        <a:lnSpc>
+                          <a:spcPct val="115000"/>
+                        </a:lnSpc>
+                        <a:spcAft>
+                          <a:spcPts val="0"/>
+                        </a:spcAft>
+                      </a:pPr>
+                      <a:r>
+                        <a:rPr lang="en-GB" sz="2000" dirty="0">
+                          <a:solidFill>
+                            <a:schemeClr val="bg1"/>
+                          </a:solidFill>
+                          <a:latin typeface="Calibri"/>
+                          <a:ea typeface="Calibri"/>
+                          <a:cs typeface="Times New Roman"/>
+                        </a:rPr>
+                        <a:t>Player</a:t>
+                      </a:r>
+                      <a:endParaRPr lang="en-US" sz="2000" dirty="0">
+                        <a:solidFill>
+                          <a:schemeClr val="bg1"/>
+                        </a:solidFill>
+                        <a:latin typeface="Calibri"/>
+                        <a:ea typeface="Calibri"/>
+                        <a:cs typeface="Times New Roman"/>
+                      </a:endParaRPr>
+                    </a:p>
+                  </a:txBody>
+                  <a:tcPr marL="68580" marR="68580" marT="0" marB="0">
+                    <a:lnL w="12700" cap="flat" cmpd="sng" algn="ctr">
+                      <a:solidFill>
+                        <a:schemeClr val="bg1"/>
+                      </a:solidFill>
+                      <a:prstDash val="solid"/>
+                      <a:round/>
+                      <a:headEnd type="none" w="med" len="med"/>
+                      <a:tailEnd type="none" w="med" len="med"/>
+                    </a:lnL>
+                    <a:lnR w="12700" cap="flat" cmpd="sng" algn="ctr">
+                      <a:solidFill>
+                        <a:schemeClr val="bg1"/>
+                      </a:solidFill>
+                      <a:prstDash val="solid"/>
+                      <a:round/>
+                      <a:headEnd type="none" w="med" len="med"/>
+                      <a:tailEnd type="none" w="med" len="med"/>
+                    </a:lnR>
+                    <a:lnT w="12700" cap="flat" cmpd="sng" algn="ctr">
+                      <a:solidFill>
+                        <a:schemeClr val="bg1"/>
+                      </a:solidFill>
+                      <a:prstDash val="solid"/>
+                      <a:round/>
+                      <a:headEnd type="none" w="med" len="med"/>
+                      <a:tailEnd type="none" w="med" len="med"/>
+                    </a:lnT>
+                    <a:lnB w="12700" cap="flat" cmpd="sng" algn="ctr">
+                      <a:solidFill>
+                        <a:schemeClr val="bg1"/>
+                      </a:solidFill>
+                      <a:prstDash val="solid"/>
+                      <a:round/>
+                      <a:headEnd type="none" w="med" len="med"/>
+                      <a:tailEnd type="none" w="med" len="med"/>
+                    </a:lnB>
+                  </a:tcPr>
+                </a:tc>
+                <a:tc>
+                  <a:txBody>
+                    <a:bodyPr/>
+                    <a:lstStyle/>
+                    <a:p>
+                      <a:pPr algn="just">
+                        <a:lnSpc>
+                          <a:spcPct val="115000"/>
+                        </a:lnSpc>
+                        <a:spcAft>
+                          <a:spcPts val="0"/>
+                        </a:spcAft>
+                      </a:pPr>
+                      <a:r>
+                        <a:rPr lang="en-GB" sz="2000" dirty="0">
+                          <a:solidFill>
+                            <a:schemeClr val="bg1"/>
+                          </a:solidFill>
+                          <a:latin typeface="Calibri"/>
+                          <a:ea typeface="Calibri"/>
+                          <a:cs typeface="Times New Roman"/>
+                        </a:rPr>
+                        <a:t>Move</a:t>
+                      </a:r>
+                      <a:endParaRPr lang="en-US" sz="2000" dirty="0">
+                        <a:solidFill>
+                          <a:schemeClr val="bg1"/>
+                        </a:solidFill>
+                        <a:latin typeface="Calibri"/>
+                        <a:ea typeface="Calibri"/>
+                        <a:cs typeface="Times New Roman"/>
+                      </a:endParaRPr>
+                    </a:p>
+                    <a:p>
+                      <a:pPr algn="just">
+                        <a:lnSpc>
+                          <a:spcPct val="115000"/>
+                        </a:lnSpc>
+                        <a:spcAft>
+                          <a:spcPts val="0"/>
+                        </a:spcAft>
+                      </a:pPr>
+                      <a:r>
+                        <a:rPr lang="en-GB" sz="2000" dirty="0">
+                          <a:solidFill>
+                            <a:schemeClr val="bg1"/>
+                          </a:solidFill>
+                          <a:latin typeface="Calibri"/>
+                          <a:ea typeface="Calibri"/>
+                          <a:cs typeface="Times New Roman"/>
+                        </a:rPr>
+                        <a:t>Hit ball</a:t>
+                      </a:r>
+                      <a:endParaRPr lang="en-US" sz="2000" dirty="0">
+                        <a:solidFill>
+                          <a:schemeClr val="bg1"/>
+                        </a:solidFill>
+                        <a:latin typeface="Calibri"/>
+                        <a:ea typeface="Calibri"/>
+                        <a:cs typeface="Times New Roman"/>
+                      </a:endParaRPr>
+                    </a:p>
+                  </a:txBody>
+                  <a:tcPr marL="68580" marR="68580" marT="0" marB="0">
+                    <a:lnL w="12700" cap="flat" cmpd="sng" algn="ctr">
+                      <a:solidFill>
+                        <a:schemeClr val="bg1"/>
+                      </a:solidFill>
+                      <a:prstDash val="solid"/>
+                      <a:round/>
+                      <a:headEnd type="none" w="med" len="med"/>
+                      <a:tailEnd type="none" w="med" len="med"/>
+                    </a:lnL>
+                    <a:lnR w="12700" cap="flat" cmpd="sng" algn="ctr">
+                      <a:solidFill>
+                        <a:schemeClr val="bg1"/>
+                      </a:solidFill>
+                      <a:prstDash val="solid"/>
+                      <a:round/>
+                      <a:headEnd type="none" w="med" len="med"/>
+                      <a:tailEnd type="none" w="med" len="med"/>
+                    </a:lnR>
+                    <a:lnT w="12700" cap="flat" cmpd="sng" algn="ctr">
+                      <a:solidFill>
+                        <a:schemeClr val="bg1"/>
+                      </a:solidFill>
+                      <a:prstDash val="solid"/>
+                      <a:round/>
+                      <a:headEnd type="none" w="med" len="med"/>
+                      <a:tailEnd type="none" w="med" len="med"/>
+                    </a:lnT>
+                    <a:lnB w="12700" cap="flat" cmpd="sng" algn="ctr">
+                      <a:solidFill>
+                        <a:schemeClr val="bg1"/>
+                      </a:solidFill>
+                      <a:prstDash val="solid"/>
+                      <a:round/>
+                      <a:headEnd type="none" w="med" len="med"/>
+                      <a:tailEnd type="none" w="med" len="med"/>
+                    </a:lnB>
+                  </a:tcPr>
+                </a:tc>
+                <a:tc>
+                  <a:txBody>
+                    <a:bodyPr/>
+                    <a:lstStyle/>
+                    <a:p>
+                      <a:pPr algn="just">
+                        <a:lnSpc>
+                          <a:spcPct val="115000"/>
+                        </a:lnSpc>
+                        <a:spcAft>
+                          <a:spcPts val="0"/>
+                        </a:spcAft>
+                      </a:pPr>
+                      <a:r>
+                        <a:rPr lang="en-GB" sz="2000">
+                          <a:solidFill>
+                            <a:schemeClr val="bg1"/>
+                          </a:solidFill>
+                          <a:latin typeface="Calibri"/>
+                          <a:ea typeface="Calibri"/>
+                          <a:cs typeface="Times New Roman"/>
+                        </a:rPr>
+                        <a:t>Score</a:t>
+                      </a:r>
+                      <a:endParaRPr lang="en-US" sz="2000">
+                        <a:solidFill>
+                          <a:schemeClr val="bg1"/>
+                        </a:solidFill>
+                        <a:latin typeface="Calibri"/>
+                        <a:ea typeface="Calibri"/>
+                        <a:cs typeface="Times New Roman"/>
+                      </a:endParaRPr>
+                    </a:p>
+                    <a:p>
+                      <a:pPr algn="just">
+                        <a:lnSpc>
+                          <a:spcPct val="115000"/>
+                        </a:lnSpc>
+                        <a:spcAft>
+                          <a:spcPts val="0"/>
+                        </a:spcAft>
+                      </a:pPr>
+                      <a:r>
+                        <a:rPr lang="en-GB" sz="2000">
+                          <a:solidFill>
+                            <a:schemeClr val="bg1"/>
+                          </a:solidFill>
+                          <a:latin typeface="Calibri"/>
+                          <a:ea typeface="Calibri"/>
+                          <a:cs typeface="Times New Roman"/>
+                        </a:rPr>
+                        <a:t>Position</a:t>
+                      </a:r>
+                      <a:endParaRPr lang="en-US" sz="2000">
+                        <a:solidFill>
+                          <a:schemeClr val="bg1"/>
+                        </a:solidFill>
+                        <a:latin typeface="Calibri"/>
+                        <a:ea typeface="Calibri"/>
+                        <a:cs typeface="Times New Roman"/>
+                      </a:endParaRPr>
+                    </a:p>
+                  </a:txBody>
+                  <a:tcPr marL="68580" marR="68580" marT="0" marB="0">
+                    <a:lnL w="12700" cap="flat" cmpd="sng" algn="ctr">
+                      <a:solidFill>
+                        <a:schemeClr val="bg1"/>
+                      </a:solidFill>
+                      <a:prstDash val="solid"/>
+                      <a:round/>
+                      <a:headEnd type="none" w="med" len="med"/>
+                      <a:tailEnd type="none" w="med" len="med"/>
+                    </a:lnL>
+                    <a:lnR w="12700" cap="flat" cmpd="sng" algn="ctr">
+                      <a:solidFill>
+                        <a:schemeClr val="bg1"/>
+                      </a:solidFill>
+                      <a:prstDash val="solid"/>
+                      <a:round/>
+                      <a:headEnd type="none" w="med" len="med"/>
+                      <a:tailEnd type="none" w="med" len="med"/>
+                    </a:lnR>
+                    <a:lnT w="12700" cap="flat" cmpd="sng" algn="ctr">
+                      <a:solidFill>
+                        <a:schemeClr val="bg1"/>
+                      </a:solidFill>
+                      <a:prstDash val="solid"/>
+                      <a:round/>
+                      <a:headEnd type="none" w="med" len="med"/>
+                      <a:tailEnd type="none" w="med" len="med"/>
+                    </a:lnT>
+                    <a:lnB w="12700" cap="flat" cmpd="sng" algn="ctr">
+                      <a:solidFill>
+                        <a:schemeClr val="bg1"/>
+                      </a:solidFill>
+                      <a:prstDash val="solid"/>
+                      <a:round/>
+                      <a:headEnd type="none" w="med" len="med"/>
+                      <a:tailEnd type="none" w="med" len="med"/>
+                    </a:lnB>
+                  </a:tcPr>
+                </a:tc>
+                <a:extLst>
+                  <a:ext uri="{0D108BD9-81ED-4DB2-BD59-A6C34878D82A}">
+                    <a16:rowId xmlns:a16="http://schemas.microsoft.com/office/drawing/2014/main" val="10001"/>
+                  </a:ext>
+                </a:extLst>
+              </a:tr>
+              <a:tr h="592667">
+                <a:tc>
+                  <a:txBody>
+                    <a:bodyPr/>
+                    <a:lstStyle/>
+                    <a:p>
+                      <a:pPr algn="just">
+                        <a:lnSpc>
+                          <a:spcPct val="115000"/>
+                        </a:lnSpc>
+                        <a:spcAft>
+                          <a:spcPts val="0"/>
+                        </a:spcAft>
+                      </a:pPr>
+                      <a:r>
+                        <a:rPr lang="en-GB" sz="2000" dirty="0">
+                          <a:solidFill>
+                            <a:schemeClr val="bg1"/>
+                          </a:solidFill>
+                          <a:latin typeface="Calibri"/>
+                          <a:ea typeface="Calibri"/>
+                          <a:cs typeface="Times New Roman"/>
+                        </a:rPr>
+                        <a:t>Ball</a:t>
+                      </a:r>
+                      <a:endParaRPr lang="en-US" sz="2000" dirty="0">
+                        <a:solidFill>
+                          <a:schemeClr val="bg1"/>
+                        </a:solidFill>
+                        <a:latin typeface="Calibri"/>
+                        <a:ea typeface="Calibri"/>
+                        <a:cs typeface="Times New Roman"/>
+                      </a:endParaRPr>
+                    </a:p>
+                  </a:txBody>
+                  <a:tcPr marL="68580" marR="68580" marT="0" marB="0">
+                    <a:lnL w="12700" cap="flat" cmpd="sng" algn="ctr">
+                      <a:solidFill>
+                        <a:schemeClr val="bg1"/>
+                      </a:solidFill>
+                      <a:prstDash val="solid"/>
+                      <a:round/>
+                      <a:headEnd type="none" w="med" len="med"/>
+                      <a:tailEnd type="none" w="med" len="med"/>
+                    </a:lnL>
+                    <a:lnR w="12700" cap="flat" cmpd="sng" algn="ctr">
+                      <a:solidFill>
+                        <a:schemeClr val="bg1"/>
+                      </a:solidFill>
+                      <a:prstDash val="solid"/>
+                      <a:round/>
+                      <a:headEnd type="none" w="med" len="med"/>
+                      <a:tailEnd type="none" w="med" len="med"/>
+                    </a:lnR>
+                    <a:lnT w="12700" cap="flat" cmpd="sng" algn="ctr">
+                      <a:solidFill>
+                        <a:schemeClr val="bg1"/>
+                      </a:solidFill>
+                      <a:prstDash val="solid"/>
+                      <a:round/>
+                      <a:headEnd type="none" w="med" len="med"/>
+                      <a:tailEnd type="none" w="med" len="med"/>
+                    </a:lnT>
+                    <a:lnB w="12700" cap="flat" cmpd="sng" algn="ctr">
+                      <a:solidFill>
+                        <a:schemeClr val="bg1"/>
+                      </a:solidFill>
+                      <a:prstDash val="solid"/>
+                      <a:round/>
+                      <a:headEnd type="none" w="med" len="med"/>
+                      <a:tailEnd type="none" w="med" len="med"/>
+                    </a:lnB>
+                  </a:tcPr>
+                </a:tc>
+                <a:tc>
+                  <a:txBody>
+                    <a:bodyPr/>
+                    <a:lstStyle/>
+                    <a:p>
+                      <a:pPr algn="just">
+                        <a:lnSpc>
+                          <a:spcPct val="115000"/>
+                        </a:lnSpc>
+                        <a:spcAft>
+                          <a:spcPts val="0"/>
+                        </a:spcAft>
+                      </a:pPr>
+                      <a:r>
+                        <a:rPr lang="en-GB" sz="2000" dirty="0">
+                          <a:solidFill>
+                            <a:schemeClr val="bg1"/>
+                          </a:solidFill>
+                          <a:latin typeface="Calibri"/>
+                          <a:ea typeface="Calibri"/>
+                          <a:cs typeface="Times New Roman"/>
+                        </a:rPr>
+                        <a:t>Move</a:t>
+                      </a:r>
+                      <a:endParaRPr lang="en-US" sz="2000" dirty="0">
+                        <a:solidFill>
+                          <a:schemeClr val="bg1"/>
+                        </a:solidFill>
+                        <a:latin typeface="Calibri"/>
+                        <a:ea typeface="Calibri"/>
+                        <a:cs typeface="Times New Roman"/>
+                      </a:endParaRPr>
+                    </a:p>
+                    <a:p>
+                      <a:pPr algn="just">
+                        <a:lnSpc>
+                          <a:spcPct val="115000"/>
+                        </a:lnSpc>
+                        <a:spcAft>
+                          <a:spcPts val="0"/>
+                        </a:spcAft>
+                      </a:pPr>
+                      <a:r>
+                        <a:rPr lang="en-GB" sz="2000" dirty="0">
+                          <a:solidFill>
+                            <a:schemeClr val="bg1"/>
+                          </a:solidFill>
+                          <a:latin typeface="Calibri"/>
+                          <a:ea typeface="Calibri"/>
+                          <a:cs typeface="Times New Roman"/>
+                        </a:rPr>
+                        <a:t>Bounce</a:t>
+                      </a:r>
+                    </a:p>
+                    <a:p>
+                      <a:pPr marL="0" marR="0" indent="0" algn="just" defTabSz="914400" rtl="0" eaLnBrk="1" fontAlgn="auto" latinLnBrk="0" hangingPunct="1">
+                        <a:lnSpc>
+                          <a:spcPct val="115000"/>
+                        </a:lnSpc>
+                        <a:spcBef>
+                          <a:spcPts val="0"/>
+                        </a:spcBef>
+                        <a:spcAft>
+                          <a:spcPts val="0"/>
+                        </a:spcAft>
+                        <a:buClrTx/>
+                        <a:buSzTx/>
+                        <a:buFontTx/>
+                        <a:buNone/>
+                        <a:tabLst/>
+                        <a:defRPr/>
+                      </a:pPr>
+                      <a:r>
+                        <a:rPr lang="en-GB" sz="2000" dirty="0">
+                          <a:solidFill>
+                            <a:schemeClr val="bg1"/>
+                          </a:solidFill>
+                          <a:latin typeface="+mn-lt"/>
+                          <a:ea typeface="Calibri"/>
+                          <a:cs typeface="Times New Roman"/>
+                        </a:rPr>
+                        <a:t>Serve</a:t>
+                      </a:r>
+                      <a:endParaRPr lang="en-US" sz="2000" dirty="0">
+                        <a:solidFill>
+                          <a:schemeClr val="bg1"/>
+                        </a:solidFill>
+                        <a:latin typeface="+mn-lt"/>
+                        <a:ea typeface="Calibri"/>
+                        <a:cs typeface="Times New Roman"/>
+                      </a:endParaRPr>
+                    </a:p>
+                  </a:txBody>
+                  <a:tcPr marL="68580" marR="68580" marT="0" marB="0">
+                    <a:lnL w="12700" cap="flat" cmpd="sng" algn="ctr">
+                      <a:solidFill>
+                        <a:schemeClr val="bg1"/>
+                      </a:solidFill>
+                      <a:prstDash val="solid"/>
+                      <a:round/>
+                      <a:headEnd type="none" w="med" len="med"/>
+                      <a:tailEnd type="none" w="med" len="med"/>
+                    </a:lnL>
+                    <a:lnR w="12700" cap="flat" cmpd="sng" algn="ctr">
+                      <a:solidFill>
+                        <a:schemeClr val="bg1"/>
+                      </a:solidFill>
+                      <a:prstDash val="solid"/>
+                      <a:round/>
+                      <a:headEnd type="none" w="med" len="med"/>
+                      <a:tailEnd type="none" w="med" len="med"/>
+                    </a:lnR>
+                    <a:lnT w="12700" cap="flat" cmpd="sng" algn="ctr">
+                      <a:solidFill>
+                        <a:schemeClr val="bg1"/>
+                      </a:solidFill>
+                      <a:prstDash val="solid"/>
+                      <a:round/>
+                      <a:headEnd type="none" w="med" len="med"/>
+                      <a:tailEnd type="none" w="med" len="med"/>
+                    </a:lnT>
+                    <a:lnB w="12700" cap="flat" cmpd="sng" algn="ctr">
+                      <a:solidFill>
+                        <a:schemeClr val="bg1"/>
+                      </a:solidFill>
+                      <a:prstDash val="solid"/>
+                      <a:round/>
+                      <a:headEnd type="none" w="med" len="med"/>
+                      <a:tailEnd type="none" w="med" len="med"/>
+                    </a:lnB>
+                  </a:tcPr>
+                </a:tc>
+                <a:tc>
+                  <a:txBody>
+                    <a:bodyPr/>
+                    <a:lstStyle/>
+                    <a:p>
+                      <a:pPr algn="just">
+                        <a:lnSpc>
+                          <a:spcPct val="115000"/>
+                        </a:lnSpc>
+                        <a:spcAft>
+                          <a:spcPts val="0"/>
+                        </a:spcAft>
+                      </a:pPr>
+                      <a:r>
+                        <a:rPr lang="en-GB" sz="2000">
+                          <a:solidFill>
+                            <a:schemeClr val="bg1"/>
+                          </a:solidFill>
+                          <a:latin typeface="Calibri"/>
+                          <a:ea typeface="Calibri"/>
+                          <a:cs typeface="Times New Roman"/>
+                        </a:rPr>
+                        <a:t>Position</a:t>
+                      </a:r>
+                      <a:endParaRPr lang="en-US" sz="2000">
+                        <a:solidFill>
+                          <a:schemeClr val="bg1"/>
+                        </a:solidFill>
+                        <a:latin typeface="Calibri"/>
+                        <a:ea typeface="Calibri"/>
+                        <a:cs typeface="Times New Roman"/>
+                      </a:endParaRPr>
+                    </a:p>
+                  </a:txBody>
+                  <a:tcPr marL="68580" marR="68580" marT="0" marB="0">
+                    <a:lnL w="12700" cap="flat" cmpd="sng" algn="ctr">
+                      <a:solidFill>
+                        <a:schemeClr val="bg1"/>
+                      </a:solidFill>
+                      <a:prstDash val="solid"/>
+                      <a:round/>
+                      <a:headEnd type="none" w="med" len="med"/>
+                      <a:tailEnd type="none" w="med" len="med"/>
+                    </a:lnL>
+                    <a:lnR w="12700" cap="flat" cmpd="sng" algn="ctr">
+                      <a:solidFill>
+                        <a:schemeClr val="bg1"/>
+                      </a:solidFill>
+                      <a:prstDash val="solid"/>
+                      <a:round/>
+                      <a:headEnd type="none" w="med" len="med"/>
+                      <a:tailEnd type="none" w="med" len="med"/>
+                    </a:lnR>
+                    <a:lnT w="12700" cap="flat" cmpd="sng" algn="ctr">
+                      <a:solidFill>
+                        <a:schemeClr val="bg1"/>
+                      </a:solidFill>
+                      <a:prstDash val="solid"/>
+                      <a:round/>
+                      <a:headEnd type="none" w="med" len="med"/>
+                      <a:tailEnd type="none" w="med" len="med"/>
+                    </a:lnT>
+                    <a:lnB w="12700" cap="flat" cmpd="sng" algn="ctr">
+                      <a:solidFill>
+                        <a:schemeClr val="bg1"/>
+                      </a:solidFill>
+                      <a:prstDash val="solid"/>
+                      <a:round/>
+                      <a:headEnd type="none" w="med" len="med"/>
+                      <a:tailEnd type="none" w="med" len="med"/>
+                    </a:lnB>
+                  </a:tcPr>
+                </a:tc>
+                <a:extLst>
+                  <a:ext uri="{0D108BD9-81ED-4DB2-BD59-A6C34878D82A}">
+                    <a16:rowId xmlns:a16="http://schemas.microsoft.com/office/drawing/2014/main" val="10002"/>
+                  </a:ext>
+                </a:extLst>
+              </a:tr>
+              <a:tr h="889000">
+                <a:tc>
+                  <a:txBody>
+                    <a:bodyPr/>
+                    <a:lstStyle/>
+                    <a:p>
+                      <a:pPr algn="just">
+                        <a:lnSpc>
+                          <a:spcPct val="115000"/>
+                        </a:lnSpc>
+                        <a:spcAft>
+                          <a:spcPts val="0"/>
+                        </a:spcAft>
+                      </a:pPr>
+                      <a:r>
+                        <a:rPr lang="en-GB" sz="2000">
+                          <a:solidFill>
+                            <a:schemeClr val="bg1"/>
+                          </a:solidFill>
+                          <a:latin typeface="Calibri"/>
+                          <a:ea typeface="Calibri"/>
+                          <a:cs typeface="Times New Roman"/>
+                        </a:rPr>
+                        <a:t>Game</a:t>
+                      </a:r>
+                      <a:endParaRPr lang="en-US" sz="2000">
+                        <a:solidFill>
+                          <a:schemeClr val="bg1"/>
+                        </a:solidFill>
+                        <a:latin typeface="Calibri"/>
+                        <a:ea typeface="Calibri"/>
+                        <a:cs typeface="Times New Roman"/>
+                      </a:endParaRPr>
+                    </a:p>
+                  </a:txBody>
+                  <a:tcPr marL="68580" marR="68580" marT="0" marB="0">
+                    <a:lnL w="12700" cap="flat" cmpd="sng" algn="ctr">
+                      <a:solidFill>
+                        <a:schemeClr val="bg1"/>
+                      </a:solidFill>
+                      <a:prstDash val="solid"/>
+                      <a:round/>
+                      <a:headEnd type="none" w="med" len="med"/>
+                      <a:tailEnd type="none" w="med" len="med"/>
+                    </a:lnL>
+                    <a:lnR w="12700" cap="flat" cmpd="sng" algn="ctr">
+                      <a:solidFill>
+                        <a:schemeClr val="bg1"/>
+                      </a:solidFill>
+                      <a:prstDash val="solid"/>
+                      <a:round/>
+                      <a:headEnd type="none" w="med" len="med"/>
+                      <a:tailEnd type="none" w="med" len="med"/>
+                    </a:lnR>
+                    <a:lnT w="12700" cap="flat" cmpd="sng" algn="ctr">
+                      <a:solidFill>
+                        <a:schemeClr val="bg1"/>
+                      </a:solidFill>
+                      <a:prstDash val="solid"/>
+                      <a:round/>
+                      <a:headEnd type="none" w="med" len="med"/>
+                      <a:tailEnd type="none" w="med" len="med"/>
+                    </a:lnT>
+                    <a:lnB w="12700" cap="flat" cmpd="sng" algn="ctr">
+                      <a:solidFill>
+                        <a:schemeClr val="bg1"/>
+                      </a:solidFill>
+                      <a:prstDash val="solid"/>
+                      <a:round/>
+                      <a:headEnd type="none" w="med" len="med"/>
+                      <a:tailEnd type="none" w="med" len="med"/>
+                    </a:lnB>
+                  </a:tcPr>
+                </a:tc>
+                <a:tc>
+                  <a:txBody>
+                    <a:bodyPr/>
+                    <a:lstStyle/>
+                    <a:p>
+                      <a:pPr algn="just">
+                        <a:lnSpc>
+                          <a:spcPct val="115000"/>
+                        </a:lnSpc>
+                        <a:spcAft>
+                          <a:spcPts val="0"/>
+                        </a:spcAft>
+                      </a:pPr>
+                      <a:r>
+                        <a:rPr lang="en-GB" sz="2000" dirty="0">
+                          <a:solidFill>
+                            <a:schemeClr val="bg1"/>
+                          </a:solidFill>
+                          <a:latin typeface="Calibri"/>
+                          <a:ea typeface="Calibri"/>
+                          <a:cs typeface="Times New Roman"/>
+                        </a:rPr>
+                        <a:t>Play</a:t>
+                      </a:r>
+                      <a:endParaRPr lang="en-US" sz="2000" dirty="0">
+                        <a:solidFill>
+                          <a:schemeClr val="bg1"/>
+                        </a:solidFill>
+                        <a:latin typeface="Calibri"/>
+                        <a:ea typeface="Calibri"/>
+                        <a:cs typeface="Times New Roman"/>
+                      </a:endParaRPr>
+                    </a:p>
+                  </a:txBody>
+                  <a:tcPr marL="68580" marR="68580" marT="0" marB="0">
+                    <a:lnL w="12700" cap="flat" cmpd="sng" algn="ctr">
+                      <a:solidFill>
+                        <a:schemeClr val="bg1"/>
+                      </a:solidFill>
+                      <a:prstDash val="solid"/>
+                      <a:round/>
+                      <a:headEnd type="none" w="med" len="med"/>
+                      <a:tailEnd type="none" w="med" len="med"/>
+                    </a:lnL>
+                    <a:lnR w="12700" cap="flat" cmpd="sng" algn="ctr">
+                      <a:solidFill>
+                        <a:schemeClr val="bg1"/>
+                      </a:solidFill>
+                      <a:prstDash val="solid"/>
+                      <a:round/>
+                      <a:headEnd type="none" w="med" len="med"/>
+                      <a:tailEnd type="none" w="med" len="med"/>
+                    </a:lnR>
+                    <a:lnT w="12700" cap="flat" cmpd="sng" algn="ctr">
+                      <a:solidFill>
+                        <a:schemeClr val="bg1"/>
+                      </a:solidFill>
+                      <a:prstDash val="solid"/>
+                      <a:round/>
+                      <a:headEnd type="none" w="med" len="med"/>
+                      <a:tailEnd type="none" w="med" len="med"/>
+                    </a:lnT>
+                    <a:lnB w="12700" cap="flat" cmpd="sng" algn="ctr">
+                      <a:solidFill>
+                        <a:schemeClr val="bg1"/>
+                      </a:solidFill>
+                      <a:prstDash val="solid"/>
+                      <a:round/>
+                      <a:headEnd type="none" w="med" len="med"/>
+                      <a:tailEnd type="none" w="med" len="med"/>
+                    </a:lnB>
+                  </a:tcPr>
+                </a:tc>
+                <a:tc>
+                  <a:txBody>
+                    <a:bodyPr/>
+                    <a:lstStyle/>
+                    <a:p>
+                      <a:pPr algn="just">
+                        <a:lnSpc>
+                          <a:spcPct val="115000"/>
+                        </a:lnSpc>
+                        <a:spcAft>
+                          <a:spcPts val="0"/>
+                        </a:spcAft>
+                      </a:pPr>
+                      <a:r>
+                        <a:rPr lang="en-GB" sz="2000" dirty="0">
+                          <a:solidFill>
+                            <a:schemeClr val="bg1"/>
+                          </a:solidFill>
+                          <a:latin typeface="Calibri"/>
+                          <a:ea typeface="Calibri"/>
+                          <a:cs typeface="Times New Roman"/>
+                        </a:rPr>
+                        <a:t>Players [2]</a:t>
+                      </a:r>
+                      <a:endParaRPr lang="en-US" sz="2000" dirty="0">
+                        <a:solidFill>
+                          <a:schemeClr val="bg1"/>
+                        </a:solidFill>
+                        <a:latin typeface="Calibri"/>
+                        <a:ea typeface="Calibri"/>
+                        <a:cs typeface="Times New Roman"/>
+                      </a:endParaRPr>
+                    </a:p>
+                    <a:p>
+                      <a:pPr algn="just">
+                        <a:lnSpc>
+                          <a:spcPct val="115000"/>
+                        </a:lnSpc>
+                        <a:spcAft>
+                          <a:spcPts val="0"/>
+                        </a:spcAft>
+                      </a:pPr>
+                      <a:r>
+                        <a:rPr lang="en-GB" sz="2000" dirty="0">
+                          <a:solidFill>
+                            <a:schemeClr val="bg1"/>
+                          </a:solidFill>
+                          <a:latin typeface="Calibri"/>
+                          <a:ea typeface="Calibri"/>
+                          <a:cs typeface="Times New Roman"/>
+                        </a:rPr>
+                        <a:t>Ball</a:t>
+                      </a:r>
+                      <a:endParaRPr lang="en-US" sz="2000" dirty="0">
+                        <a:solidFill>
+                          <a:schemeClr val="bg1"/>
+                        </a:solidFill>
+                        <a:latin typeface="Calibri"/>
+                        <a:ea typeface="Calibri"/>
+                        <a:cs typeface="Times New Roman"/>
+                      </a:endParaRPr>
+                    </a:p>
+                    <a:p>
+                      <a:pPr algn="just">
+                        <a:lnSpc>
+                          <a:spcPct val="115000"/>
+                        </a:lnSpc>
+                        <a:spcAft>
+                          <a:spcPts val="0"/>
+                        </a:spcAft>
+                      </a:pPr>
+                      <a:r>
+                        <a:rPr lang="en-GB" sz="2000" dirty="0">
+                          <a:solidFill>
+                            <a:schemeClr val="bg1"/>
+                          </a:solidFill>
+                          <a:latin typeface="Calibri"/>
+                          <a:ea typeface="Calibri"/>
+                          <a:cs typeface="Times New Roman"/>
+                        </a:rPr>
+                        <a:t>Court</a:t>
+                      </a:r>
+                      <a:endParaRPr lang="en-US" sz="2000" dirty="0">
+                        <a:solidFill>
+                          <a:schemeClr val="bg1"/>
+                        </a:solidFill>
+                        <a:latin typeface="Calibri"/>
+                        <a:ea typeface="Calibri"/>
+                        <a:cs typeface="Times New Roman"/>
+                      </a:endParaRPr>
+                    </a:p>
+                  </a:txBody>
+                  <a:tcPr marL="68580" marR="68580" marT="0" marB="0">
+                    <a:lnL w="12700" cap="flat" cmpd="sng" algn="ctr">
+                      <a:solidFill>
+                        <a:schemeClr val="bg1"/>
+                      </a:solidFill>
+                      <a:prstDash val="solid"/>
+                      <a:round/>
+                      <a:headEnd type="none" w="med" len="med"/>
+                      <a:tailEnd type="none" w="med" len="med"/>
+                    </a:lnL>
+                    <a:lnR w="12700" cap="flat" cmpd="sng" algn="ctr">
+                      <a:solidFill>
+                        <a:schemeClr val="bg1"/>
+                      </a:solidFill>
+                      <a:prstDash val="solid"/>
+                      <a:round/>
+                      <a:headEnd type="none" w="med" len="med"/>
+                      <a:tailEnd type="none" w="med" len="med"/>
+                    </a:lnR>
+                    <a:lnT w="12700" cap="flat" cmpd="sng" algn="ctr">
+                      <a:solidFill>
+                        <a:schemeClr val="bg1"/>
+                      </a:solidFill>
+                      <a:prstDash val="solid"/>
+                      <a:round/>
+                      <a:headEnd type="none" w="med" len="med"/>
+                      <a:tailEnd type="none" w="med" len="med"/>
+                    </a:lnT>
+                    <a:lnB w="12700" cap="flat" cmpd="sng" algn="ctr">
+                      <a:solidFill>
+                        <a:schemeClr val="bg1"/>
+                      </a:solidFill>
+                      <a:prstDash val="solid"/>
+                      <a:round/>
+                      <a:headEnd type="none" w="med" len="med"/>
+                      <a:tailEnd type="none" w="med" len="med"/>
+                    </a:lnB>
+                  </a:tcPr>
+                </a:tc>
+                <a:extLst>
+                  <a:ext uri="{0D108BD9-81ED-4DB2-BD59-A6C34878D82A}">
+                    <a16:rowId xmlns:a16="http://schemas.microsoft.com/office/drawing/2014/main" val="10003"/>
+                  </a:ext>
+                </a:extLst>
+              </a:tr>
+            </a:tbl>
+          </a:graphicData>
+        </a:graphic>
+      </p:graphicFrame>
+      <p:sp>
+        <p:nvSpPr>
+          <p:cNvPr id="5" name="Oval 4"/>
+          <p:cNvSpPr/>
+          <p:nvPr/>
+        </p:nvSpPr>
+        <p:spPr>
+          <a:xfrm>
+            <a:off x="3491880" y="2924944"/>
+            <a:ext cx="864096" cy="504056"/>
+          </a:xfrm>
+          <a:prstGeom prst="ellipse">
+            <a:avLst/>
+          </a:prstGeom>
+          <a:noFill/>
+          <a:ln>
+            <a:solidFill>
+              <a:srgbClr val="FF0000"/>
+            </a:solidFill>
+          </a:ln>
+        </p:spPr>
+        <p:style>
+          <a:lnRef idx="2">
+            <a:schemeClr val="accent1">
+              <a:shade val="50000"/>
+            </a:schemeClr>
+          </a:lnRef>
+          <a:fillRef idx="1">
+            <a:schemeClr val="accent1"/>
+          </a:fillRef>
+          <a:effectRef idx="0">
+            <a:schemeClr val="accent1"/>
+          </a:effectRef>
+          <a:fontRef idx="minor">
+            <a:schemeClr val="lt1"/>
+          </a:fontRef>
+        </p:style>
+        <p:txBody>
+          <a:bodyPr rtlCol="0" anchor="ctr"/>
+          <a:lstStyle/>
+          <a:p>
+            <a:pPr algn="ctr"/>
+            <a:endParaRPr lang="en-US"/>
+          </a:p>
+        </p:txBody>
+      </p:sp>
+      <p:sp>
+        <p:nvSpPr>
+          <p:cNvPr id="6" name="Oval 5"/>
+          <p:cNvSpPr/>
+          <p:nvPr/>
+        </p:nvSpPr>
+        <p:spPr>
+          <a:xfrm>
+            <a:off x="3491880" y="3645024"/>
+            <a:ext cx="864096" cy="504056"/>
+          </a:xfrm>
+          <a:prstGeom prst="ellipse">
+            <a:avLst/>
+          </a:prstGeom>
+          <a:noFill/>
+          <a:ln>
+            <a:solidFill>
+              <a:srgbClr val="FF0000"/>
+            </a:solidFill>
+          </a:ln>
+        </p:spPr>
+        <p:style>
+          <a:lnRef idx="2">
+            <a:schemeClr val="accent1">
+              <a:shade val="50000"/>
+            </a:schemeClr>
+          </a:lnRef>
+          <a:fillRef idx="1">
+            <a:schemeClr val="accent1"/>
+          </a:fillRef>
+          <a:effectRef idx="0">
+            <a:schemeClr val="accent1"/>
+          </a:effectRef>
+          <a:fontRef idx="minor">
+            <a:schemeClr val="lt1"/>
+          </a:fontRef>
+        </p:style>
+        <p:txBody>
+          <a:bodyPr rtlCol="0" anchor="ctr"/>
+          <a:lstStyle/>
+          <a:p>
+            <a:pPr algn="ctr"/>
+            <a:endParaRPr lang="en-US"/>
+          </a:p>
+        </p:txBody>
+      </p:sp>
+      <p:sp>
+        <p:nvSpPr>
+          <p:cNvPr id="7" name="Oval 6"/>
+          <p:cNvSpPr/>
+          <p:nvPr/>
+        </p:nvSpPr>
+        <p:spPr>
+          <a:xfrm>
+            <a:off x="5724128" y="3284984"/>
+            <a:ext cx="1296144" cy="792088"/>
+          </a:xfrm>
+          <a:prstGeom prst="ellipse">
+            <a:avLst/>
+          </a:prstGeom>
+          <a:noFill/>
+          <a:ln>
+            <a:solidFill>
+              <a:srgbClr val="FF0000"/>
+            </a:solidFill>
+          </a:ln>
+        </p:spPr>
+        <p:style>
+          <a:lnRef idx="2">
+            <a:schemeClr val="accent1">
+              <a:shade val="50000"/>
+            </a:schemeClr>
+          </a:lnRef>
+          <a:fillRef idx="1">
+            <a:schemeClr val="accent1"/>
+          </a:fillRef>
+          <a:effectRef idx="0">
+            <a:schemeClr val="accent1"/>
+          </a:effectRef>
+          <a:fontRef idx="minor">
+            <a:schemeClr val="lt1"/>
+          </a:fontRef>
+        </p:style>
+        <p:txBody>
+          <a:bodyPr rtlCol="0" anchor="ctr"/>
+          <a:lstStyle/>
+          <a:p>
+            <a:pPr algn="ctr"/>
+            <a:endParaRPr lang="en-US"/>
+          </a:p>
+        </p:txBody>
+      </p:sp>
+    </p:spTree>
+    <p:extLst>
+      <p:ext uri="{BB962C8B-B14F-4D97-AF65-F5344CB8AC3E}">
+        <p14:creationId xmlns:p14="http://schemas.microsoft.com/office/powerpoint/2010/main" val="4219172411"/>
+      </p:ext>
+    </p:extLst>
+  </p:cSld>
+  <p:clrMapOvr>
+    <a:masterClrMapping/>
+  </p:clrMapOvr>
+</p:sld>
+</file>
+
+<file path=ppt/slides/slide15.xml><?xml version="1.0" encoding="utf-8"?>
+<p:sld xmlns:a="http://schemas.openxmlformats.org/drawingml/2006/main" xmlns:r="http://schemas.openxmlformats.org/officeDocument/2006/relationships" xmlns:p="http://schemas.openxmlformats.org/presentationml/2006/main">
+  <p:cSld>
+    <p:spTree>
+      <p:nvGrpSpPr>
+        <p:cNvPr id="1" name=""/>
+        <p:cNvGrpSpPr/>
+        <p:nvPr/>
+      </p:nvGrpSpPr>
+      <p:grpSpPr>
+        <a:xfrm>
+          <a:off x="0" y="0"/>
+          <a:ext cx="0" cy="0"/>
+          <a:chOff x="0" y="0"/>
+          <a:chExt cx="0" cy="0"/>
+        </a:xfrm>
+      </p:grpSpPr>
+      <p:sp>
+        <p:nvSpPr>
+          <p:cNvPr id="3" name="Content Placeholder 2"/>
+          <p:cNvSpPr>
+            <a:spLocks noGrp="1"/>
+          </p:cNvSpPr>
+          <p:nvPr>
+            <p:ph idx="1"/>
+          </p:nvPr>
+        </p:nvSpPr>
+        <p:spPr>
+          <a:xfrm>
+            <a:off x="457200" y="557210"/>
+            <a:ext cx="8229600" cy="2514600"/>
+          </a:xfrm>
+        </p:spPr>
+        <p:txBody>
+          <a:bodyPr>
+            <a:normAutofit/>
+          </a:bodyPr>
+          <a:lstStyle/>
+          <a:p>
+            <a:r>
+              <a:rPr lang="en-GB" dirty="0" err="1"/>
+              <a:t>Booch</a:t>
+            </a:r>
+            <a:r>
+              <a:rPr lang="en-GB" dirty="0"/>
+              <a:t> OO Development method</a:t>
+            </a:r>
+          </a:p>
+          <a:p>
+            <a:r>
+              <a:rPr lang="en-GB" dirty="0"/>
+              <a:t>Pong game design – as UML</a:t>
+            </a:r>
+          </a:p>
+        </p:txBody>
+      </p:sp>
+      <p:grpSp>
+        <p:nvGrpSpPr>
+          <p:cNvPr id="2" name="Group 244"/>
+          <p:cNvGrpSpPr/>
+          <p:nvPr/>
+        </p:nvGrpSpPr>
+        <p:grpSpPr>
+          <a:xfrm>
+            <a:off x="642910" y="2071678"/>
+            <a:ext cx="5715040" cy="4069991"/>
+            <a:chOff x="642910" y="2071678"/>
+            <a:chExt cx="5715040" cy="4069991"/>
+          </a:xfrm>
+        </p:grpSpPr>
+        <p:grpSp>
+          <p:nvGrpSpPr>
+            <p:cNvPr id="4" name="Group 7"/>
+            <p:cNvGrpSpPr/>
+            <p:nvPr/>
+          </p:nvGrpSpPr>
+          <p:grpSpPr>
+            <a:xfrm>
+              <a:off x="642910" y="3136470"/>
+              <a:ext cx="1928826" cy="1292662"/>
+              <a:chOff x="-857288" y="1273718"/>
+              <a:chExt cx="4572000" cy="1292662"/>
+            </a:xfrm>
+          </p:grpSpPr>
+          <p:sp>
+            <p:nvSpPr>
+              <p:cNvPr id="16" name="Rectangle 4"/>
+              <p:cNvSpPr/>
+              <p:nvPr/>
+            </p:nvSpPr>
+            <p:spPr>
+              <a:xfrm>
+                <a:off x="-857288" y="1643050"/>
+                <a:ext cx="4572000" cy="923330"/>
+              </a:xfrm>
+              <a:prstGeom prst="rect">
+                <a:avLst/>
+              </a:prstGeom>
+              <a:solidFill>
+                <a:schemeClr val="tx2">
+                  <a:lumMod val="60000"/>
+                  <a:lumOff val="40000"/>
+                </a:schemeClr>
+              </a:solidFill>
+              <a:ln w="19050">
+                <a:solidFill>
+                  <a:schemeClr val="bg1"/>
+                </a:solidFill>
+              </a:ln>
+            </p:spPr>
+            <p:txBody>
+              <a:bodyPr>
+                <a:spAutoFit/>
+              </a:bodyPr>
+              <a:lstStyle/>
+              <a:p>
+                <a:r>
+                  <a:rPr lang="en-GB" dirty="0"/>
+                  <a:t>Position</a:t>
+                </a:r>
+              </a:p>
+              <a:p>
+                <a:endParaRPr lang="en-GB" dirty="0"/>
+              </a:p>
+              <a:p>
+                <a:r>
+                  <a:rPr lang="en-GB" dirty="0"/>
+                  <a:t>Move()=0;</a:t>
+                </a:r>
+              </a:p>
+            </p:txBody>
+          </p:sp>
+          <p:sp>
+            <p:nvSpPr>
+              <p:cNvPr id="17" name="Rectangle 16"/>
+              <p:cNvSpPr/>
+              <p:nvPr/>
+            </p:nvSpPr>
+            <p:spPr>
+              <a:xfrm>
+                <a:off x="-857288" y="1273718"/>
+                <a:ext cx="4562508" cy="369332"/>
+              </a:xfrm>
+              <a:prstGeom prst="rect">
+                <a:avLst/>
+              </a:prstGeom>
+              <a:solidFill>
+                <a:schemeClr val="bg1"/>
+              </a:solidFill>
+              <a:ln w="19050">
+                <a:solidFill>
+                  <a:schemeClr val="bg1"/>
+                </a:solidFill>
+              </a:ln>
+            </p:spPr>
+            <p:txBody>
+              <a:bodyPr wrap="square">
+                <a:spAutoFit/>
+              </a:bodyPr>
+              <a:lstStyle/>
+              <a:p>
+                <a:r>
+                  <a:rPr lang="en-GB" dirty="0"/>
+                  <a:t>Object</a:t>
+                </a:r>
+              </a:p>
+            </p:txBody>
+          </p:sp>
+        </p:grpSp>
+        <p:grpSp>
+          <p:nvGrpSpPr>
+            <p:cNvPr id="5" name="Group 11"/>
+            <p:cNvGrpSpPr/>
+            <p:nvPr/>
+          </p:nvGrpSpPr>
+          <p:grpSpPr>
+            <a:xfrm>
+              <a:off x="4429124" y="4572008"/>
+              <a:ext cx="1928826" cy="1569661"/>
+              <a:chOff x="-857288" y="1273718"/>
+              <a:chExt cx="4572000" cy="1569661"/>
+            </a:xfrm>
+          </p:grpSpPr>
+          <p:sp>
+            <p:nvSpPr>
+              <p:cNvPr id="12" name="Rectangle 11"/>
+              <p:cNvSpPr/>
+              <p:nvPr/>
+            </p:nvSpPr>
+            <p:spPr>
+              <a:xfrm>
+                <a:off x="-857288" y="1643050"/>
+                <a:ext cx="4572000" cy="1200329"/>
+              </a:xfrm>
+              <a:prstGeom prst="rect">
+                <a:avLst/>
+              </a:prstGeom>
+              <a:solidFill>
+                <a:schemeClr val="tx2">
+                  <a:lumMod val="60000"/>
+                  <a:lumOff val="40000"/>
+                </a:schemeClr>
+              </a:solidFill>
+              <a:ln w="19050">
+                <a:solidFill>
+                  <a:schemeClr val="bg1"/>
+                </a:solidFill>
+              </a:ln>
+            </p:spPr>
+            <p:txBody>
+              <a:bodyPr>
+                <a:spAutoFit/>
+              </a:bodyPr>
+              <a:lstStyle/>
+              <a:p>
+                <a:r>
+                  <a:rPr lang="en-GB" dirty="0"/>
+                  <a:t>Move()</a:t>
+                </a:r>
+              </a:p>
+              <a:p>
+                <a:r>
+                  <a:rPr lang="en-GB" dirty="0" err="1"/>
+                  <a:t>HitBall</a:t>
+                </a:r>
+                <a:r>
+                  <a:rPr lang="en-GB" dirty="0"/>
+                  <a:t>()</a:t>
+                </a:r>
+              </a:p>
+              <a:p>
+                <a:endParaRPr lang="en-GB" dirty="0"/>
+              </a:p>
+              <a:p>
+                <a:r>
+                  <a:rPr lang="en-GB" dirty="0"/>
+                  <a:t>Score</a:t>
+                </a:r>
+              </a:p>
+            </p:txBody>
+          </p:sp>
+          <p:sp>
+            <p:nvSpPr>
+              <p:cNvPr id="13" name="Rectangle 12"/>
+              <p:cNvSpPr/>
+              <p:nvPr/>
+            </p:nvSpPr>
+            <p:spPr>
+              <a:xfrm>
+                <a:off x="-857288" y="1273718"/>
+                <a:ext cx="4562508" cy="369332"/>
+              </a:xfrm>
+              <a:prstGeom prst="rect">
+                <a:avLst/>
+              </a:prstGeom>
+              <a:solidFill>
+                <a:schemeClr val="bg1"/>
+              </a:solidFill>
+              <a:ln w="19050">
+                <a:solidFill>
+                  <a:schemeClr val="bg1"/>
+                </a:solidFill>
+              </a:ln>
+            </p:spPr>
+            <p:txBody>
+              <a:bodyPr wrap="square">
+                <a:spAutoFit/>
+              </a:bodyPr>
+              <a:lstStyle/>
+              <a:p>
+                <a:r>
+                  <a:rPr lang="en-GB" dirty="0" err="1"/>
+                  <a:t>Player:Object</a:t>
+                </a:r>
+                <a:endParaRPr lang="en-GB" dirty="0"/>
+              </a:p>
+            </p:txBody>
+          </p:sp>
+        </p:grpSp>
+        <p:cxnSp>
+          <p:nvCxnSpPr>
+            <p:cNvPr id="11" name="Elbow Connector 10"/>
+            <p:cNvCxnSpPr>
+              <a:stCxn id="16" idx="3"/>
+              <a:endCxn id="12" idx="1"/>
+            </p:cNvCxnSpPr>
+            <p:nvPr/>
+          </p:nvCxnSpPr>
+          <p:spPr>
+            <a:xfrm>
+              <a:off x="2571736" y="3967467"/>
+              <a:ext cx="1857388" cy="1574038"/>
+            </a:xfrm>
+            <a:prstGeom prst="bentConnector3">
+              <a:avLst>
+                <a:gd name="adj1" fmla="val 50000"/>
+              </a:avLst>
+            </a:prstGeom>
+            <a:ln w="28575">
+              <a:solidFill>
+                <a:schemeClr val="bg1"/>
+              </a:solidFill>
+              <a:tailEnd type="arrow"/>
+            </a:ln>
+          </p:spPr>
+          <p:style>
+            <a:lnRef idx="1">
+              <a:schemeClr val="accent1"/>
+            </a:lnRef>
+            <a:fillRef idx="0">
+              <a:schemeClr val="accent1"/>
+            </a:fillRef>
+            <a:effectRef idx="0">
+              <a:schemeClr val="accent1"/>
+            </a:effectRef>
+            <a:fontRef idx="minor">
+              <a:schemeClr val="tx1"/>
+            </a:fontRef>
+          </p:style>
+        </p:cxnSp>
+        <p:grpSp>
+          <p:nvGrpSpPr>
+            <p:cNvPr id="6" name="Group 11"/>
+            <p:cNvGrpSpPr/>
+            <p:nvPr/>
+          </p:nvGrpSpPr>
+          <p:grpSpPr>
+            <a:xfrm>
+              <a:off x="4429124" y="2071678"/>
+              <a:ext cx="1928826" cy="738664"/>
+              <a:chOff x="-857288" y="1273718"/>
+              <a:chExt cx="4572000" cy="738664"/>
+            </a:xfrm>
+          </p:grpSpPr>
+          <p:sp>
+            <p:nvSpPr>
+              <p:cNvPr id="19" name="Rectangle 18"/>
+              <p:cNvSpPr/>
+              <p:nvPr/>
+            </p:nvSpPr>
+            <p:spPr>
+              <a:xfrm>
+                <a:off x="-857288" y="1643050"/>
+                <a:ext cx="4572000" cy="369332"/>
+              </a:xfrm>
+              <a:prstGeom prst="rect">
+                <a:avLst/>
+              </a:prstGeom>
+              <a:solidFill>
+                <a:schemeClr val="tx2">
+                  <a:lumMod val="60000"/>
+                  <a:lumOff val="40000"/>
+                </a:schemeClr>
+              </a:solidFill>
+              <a:ln w="19050">
+                <a:solidFill>
+                  <a:schemeClr val="bg1"/>
+                </a:solidFill>
+              </a:ln>
+            </p:spPr>
+            <p:txBody>
+              <a:bodyPr>
+                <a:spAutoFit/>
+              </a:bodyPr>
+              <a:lstStyle/>
+              <a:p>
+                <a:r>
+                  <a:rPr lang="en-GB" dirty="0"/>
+                  <a:t>Move()</a:t>
+                </a:r>
+              </a:p>
+            </p:txBody>
+          </p:sp>
+          <p:sp>
+            <p:nvSpPr>
+              <p:cNvPr id="20" name="Rectangle 19"/>
+              <p:cNvSpPr/>
+              <p:nvPr/>
+            </p:nvSpPr>
+            <p:spPr>
+              <a:xfrm>
+                <a:off x="-857288" y="1273718"/>
+                <a:ext cx="4562508" cy="369332"/>
+              </a:xfrm>
+              <a:prstGeom prst="rect">
+                <a:avLst/>
+              </a:prstGeom>
+              <a:solidFill>
+                <a:schemeClr val="bg1"/>
+              </a:solidFill>
+              <a:ln w="19050">
+                <a:solidFill>
+                  <a:schemeClr val="bg1"/>
+                </a:solidFill>
+              </a:ln>
+            </p:spPr>
+            <p:txBody>
+              <a:bodyPr wrap="square">
+                <a:spAutoFit/>
+              </a:bodyPr>
+              <a:lstStyle/>
+              <a:p>
+                <a:r>
+                  <a:rPr lang="en-GB" dirty="0"/>
+                  <a:t>Ball: Object</a:t>
+                </a:r>
+              </a:p>
+            </p:txBody>
+          </p:sp>
+        </p:grpSp>
+        <p:cxnSp>
+          <p:nvCxnSpPr>
+            <p:cNvPr id="242" name="Elbow Connector 241"/>
+            <p:cNvCxnSpPr>
+              <a:stCxn id="16" idx="3"/>
+              <a:endCxn id="19" idx="1"/>
+            </p:cNvCxnSpPr>
+            <p:nvPr/>
+          </p:nvCxnSpPr>
+          <p:spPr>
+            <a:xfrm flipV="1">
+              <a:off x="2571736" y="2625676"/>
+              <a:ext cx="1857388" cy="1341791"/>
+            </a:xfrm>
+            <a:prstGeom prst="bentConnector3">
+              <a:avLst>
+                <a:gd name="adj1" fmla="val 50000"/>
+              </a:avLst>
+            </a:prstGeom>
+            <a:ln w="28575">
+              <a:solidFill>
+                <a:schemeClr val="bg1"/>
+              </a:solidFill>
+              <a:tailEnd type="arrow"/>
+            </a:ln>
+          </p:spPr>
+          <p:style>
+            <a:lnRef idx="1">
+              <a:schemeClr val="accent1"/>
+            </a:lnRef>
+            <a:fillRef idx="0">
+              <a:schemeClr val="accent1"/>
+            </a:fillRef>
+            <a:effectRef idx="0">
+              <a:schemeClr val="accent1"/>
+            </a:effectRef>
+            <a:fontRef idx="minor">
+              <a:schemeClr val="tx1"/>
+            </a:fontRef>
+          </p:style>
+        </p:cxnSp>
+      </p:grpSp>
+    </p:spTree>
+    <p:extLst>
+      <p:ext uri="{BB962C8B-B14F-4D97-AF65-F5344CB8AC3E}">
+        <p14:creationId xmlns:p14="http://schemas.microsoft.com/office/powerpoint/2010/main" val="2258549811"/>
+      </p:ext>
+    </p:extLst>
+  </p:cSld>
+  <p:clrMapOvr>
+    <a:masterClrMapping/>
+  </p:clrMapOvr>
+</p:sld>
+</file>
+
+<file path=ppt/slides/slide16.xml><?xml version="1.0" encoding="utf-8"?>
+<p:sld xmlns:a="http://schemas.openxmlformats.org/drawingml/2006/main" xmlns:r="http://schemas.openxmlformats.org/officeDocument/2006/relationships" xmlns:p="http://schemas.openxmlformats.org/presentationml/2006/main">
+  <p:cSld>
+    <p:spTree>
+      <p:nvGrpSpPr>
+        <p:cNvPr id="1" name=""/>
+        <p:cNvGrpSpPr/>
+        <p:nvPr/>
+      </p:nvGrpSpPr>
+      <p:grpSpPr>
+        <a:xfrm>
+          <a:off x="0" y="0"/>
+          <a:ext cx="0" cy="0"/>
+          <a:chOff x="0" y="0"/>
+          <a:chExt cx="0" cy="0"/>
+        </a:xfrm>
+      </p:grpSpPr>
+      <p:sp>
+        <p:nvSpPr>
+          <p:cNvPr id="5" name="Title 4"/>
+          <p:cNvSpPr>
+            <a:spLocks noGrp="1"/>
+          </p:cNvSpPr>
+          <p:nvPr>
+            <p:ph type="title"/>
+          </p:nvPr>
+        </p:nvSpPr>
+        <p:spPr/>
+        <p:txBody>
+          <a:bodyPr/>
+          <a:lstStyle/>
+          <a:p>
+            <a:endParaRPr lang="en-US"/>
+          </a:p>
+        </p:txBody>
+      </p:sp>
+      <p:sp>
+        <p:nvSpPr>
+          <p:cNvPr id="3" name="Content Placeholder 2"/>
+          <p:cNvSpPr>
+            <a:spLocks noGrp="1"/>
+          </p:cNvSpPr>
+          <p:nvPr>
+            <p:ph idx="1"/>
+          </p:nvPr>
+        </p:nvSpPr>
+        <p:spPr>
+          <a:xfrm>
+            <a:off x="457200" y="548680"/>
+            <a:ext cx="8229600" cy="6192688"/>
+          </a:xfrm>
+        </p:spPr>
+        <p:txBody>
+          <a:bodyPr>
+            <a:normAutofit/>
+          </a:bodyPr>
+          <a:lstStyle/>
+          <a:p>
+            <a:r>
+              <a:rPr lang="en-GB" dirty="0" err="1"/>
+              <a:t>Booch</a:t>
+            </a:r>
+            <a:r>
+              <a:rPr lang="en-GB" dirty="0"/>
+              <a:t> OO Development method</a:t>
+            </a:r>
+          </a:p>
+          <a:p>
+            <a:r>
+              <a:rPr lang="en-GB" dirty="0"/>
+              <a:t>Pong dynamic behaviour</a:t>
+            </a:r>
+          </a:p>
+          <a:p>
+            <a:pPr lvl="1"/>
+            <a:r>
+              <a:rPr lang="en-GB" dirty="0"/>
+              <a:t>Pong isn’t just about classes and objects, what happens when they interact?</a:t>
+            </a:r>
+          </a:p>
+          <a:p>
+            <a:pPr lvl="1"/>
+            <a:endParaRPr lang="en-GB" dirty="0"/>
+          </a:p>
+          <a:p>
+            <a:pPr lvl="1"/>
+            <a:r>
+              <a:rPr lang="en-GB" dirty="0"/>
+              <a:t>What states are in the game and how does the game go from one state to another (transition)</a:t>
+            </a:r>
+          </a:p>
+          <a:p>
+            <a:pPr lvl="2"/>
+            <a:r>
+              <a:rPr lang="en-GB" dirty="0"/>
+              <a:t>This is kind of implicit with the design document</a:t>
+            </a:r>
+          </a:p>
+          <a:p>
+            <a:pPr lvl="2"/>
+            <a:r>
+              <a:rPr lang="en-GB" dirty="0"/>
+              <a:t>As implementers, it’s our job to dig into this to create straw man systems that can be refined</a:t>
+            </a:r>
+          </a:p>
+          <a:p>
+            <a:pPr lvl="1">
+              <a:buNone/>
+            </a:pPr>
+            <a:endParaRPr lang="en-GB" dirty="0"/>
+          </a:p>
+        </p:txBody>
+      </p:sp>
+      <p:sp>
+        <p:nvSpPr>
+          <p:cNvPr id="129026" name="Rectangle 2"/>
+          <p:cNvSpPr>
+            <a:spLocks noChangeArrowheads="1"/>
+          </p:cNvSpPr>
+          <p:nvPr/>
+        </p:nvSpPr>
+        <p:spPr bwMode="auto">
+          <a:xfrm>
+            <a:off x="0" y="0"/>
+            <a:ext cx="9144000" cy="0"/>
+          </a:xfrm>
+          <a:prstGeom prst="rect">
+            <a:avLst/>
+          </a:prstGeom>
+          <a:noFill/>
+          <a:ln w="9525">
+            <a:noFill/>
+            <a:miter lim="800000"/>
+            <a:headEnd/>
+            <a:tailEnd/>
+          </a:ln>
+          <a:effectLst/>
+        </p:spPr>
+        <p:txBody>
+          <a:bodyPr vert="horz" wrap="none" lIns="91440" tIns="45720" rIns="91440" bIns="45720" numCol="1" anchor="ctr" anchorCtr="0" compatLnSpc="1">
+            <a:prstTxWarp prst="textNoShape">
+              <a:avLst/>
+            </a:prstTxWarp>
+            <a:spAutoFit/>
+          </a:bodyPr>
+          <a:lstStyle/>
+          <a:p>
+            <a:endParaRPr lang="en-US"/>
+          </a:p>
+        </p:txBody>
+      </p:sp>
+    </p:spTree>
+    <p:extLst>
+      <p:ext uri="{BB962C8B-B14F-4D97-AF65-F5344CB8AC3E}">
+        <p14:creationId xmlns:p14="http://schemas.microsoft.com/office/powerpoint/2010/main" val="2563552316"/>
+      </p:ext>
+    </p:extLst>
+  </p:cSld>
+  <p:clrMapOvr>
+    <a:masterClrMapping/>
+  </p:clrMapOvr>
+</p:sld>
+</file>
+
+<file path=ppt/slides/slide17.xml><?xml version="1.0" encoding="utf-8"?>
+<p:sld xmlns:a="http://schemas.openxmlformats.org/drawingml/2006/main" xmlns:r="http://schemas.openxmlformats.org/officeDocument/2006/relationships" xmlns:p="http://schemas.openxmlformats.org/presentationml/2006/main">
+  <p:cSld>
+    <p:spTree>
+      <p:nvGrpSpPr>
+        <p:cNvPr id="1" name=""/>
+        <p:cNvGrpSpPr/>
+        <p:nvPr/>
+      </p:nvGrpSpPr>
+      <p:grpSpPr>
+        <a:xfrm>
+          <a:off x="0" y="0"/>
+          <a:ext cx="0" cy="0"/>
+          <a:chOff x="0" y="0"/>
+          <a:chExt cx="0" cy="0"/>
+        </a:xfrm>
+      </p:grpSpPr>
+      <p:sp>
+        <p:nvSpPr>
+          <p:cNvPr id="3" name="Content Placeholder 2"/>
+          <p:cNvSpPr>
+            <a:spLocks noGrp="1"/>
+          </p:cNvSpPr>
+          <p:nvPr>
+            <p:ph idx="1"/>
+          </p:nvPr>
+        </p:nvSpPr>
+        <p:spPr/>
+        <p:txBody>
+          <a:bodyPr>
+            <a:normAutofit/>
+          </a:bodyPr>
+          <a:lstStyle/>
+          <a:p>
+            <a:r>
+              <a:rPr lang="en-GB" dirty="0" err="1"/>
+              <a:t>Booch</a:t>
+            </a:r>
+            <a:r>
+              <a:rPr lang="en-GB" dirty="0"/>
+              <a:t> OO Development method</a:t>
+            </a:r>
+          </a:p>
+          <a:p>
+            <a:r>
+              <a:rPr lang="en-GB" dirty="0"/>
+              <a:t>Pong dynamic behaviour</a:t>
+            </a:r>
+          </a:p>
+          <a:p>
+            <a:pPr lvl="1">
+              <a:buNone/>
+            </a:pPr>
+            <a:endParaRPr lang="en-GB" dirty="0"/>
+          </a:p>
+        </p:txBody>
+      </p:sp>
+      <p:sp>
+        <p:nvSpPr>
+          <p:cNvPr id="129026" name="Rectangle 2"/>
+          <p:cNvSpPr>
+            <a:spLocks noChangeArrowheads="1"/>
+          </p:cNvSpPr>
+          <p:nvPr/>
+        </p:nvSpPr>
+        <p:spPr bwMode="auto">
+          <a:xfrm>
+            <a:off x="0" y="0"/>
+            <a:ext cx="9144000" cy="0"/>
+          </a:xfrm>
+          <a:prstGeom prst="rect">
+            <a:avLst/>
+          </a:prstGeom>
+          <a:noFill/>
+          <a:ln w="9525">
+            <a:noFill/>
+            <a:miter lim="800000"/>
+            <a:headEnd/>
+            <a:tailEnd/>
+          </a:ln>
+          <a:effectLst/>
+        </p:spPr>
+        <p:txBody>
+          <a:bodyPr vert="horz" wrap="none" lIns="91440" tIns="45720" rIns="91440" bIns="45720" numCol="1" anchor="ctr" anchorCtr="0" compatLnSpc="1">
+            <a:prstTxWarp prst="textNoShape">
+              <a:avLst/>
+            </a:prstTxWarp>
+            <a:spAutoFit/>
+          </a:bodyPr>
+          <a:lstStyle/>
+          <a:p>
+            <a:endParaRPr lang="en-US"/>
+          </a:p>
+        </p:txBody>
+      </p:sp>
+      <p:graphicFrame>
+        <p:nvGraphicFramePr>
+          <p:cNvPr id="5" name="Table 4"/>
+          <p:cNvGraphicFramePr>
+            <a:graphicFrameLocks noGrp="1"/>
+          </p:cNvGraphicFramePr>
+          <p:nvPr/>
+        </p:nvGraphicFramePr>
+        <p:xfrm>
+          <a:off x="685800" y="1844824"/>
+          <a:ext cx="7772400" cy="4378670"/>
+        </p:xfrm>
+        <a:graphic>
+          <a:graphicData uri="http://schemas.openxmlformats.org/drawingml/2006/table">
+            <a:tbl>
+              <a:tblPr/>
+              <a:tblGrid>
+                <a:gridCol w="2590800">
+                  <a:extLst>
+                    <a:ext uri="{9D8B030D-6E8A-4147-A177-3AD203B41FA5}">
+                      <a16:colId xmlns:a16="http://schemas.microsoft.com/office/drawing/2014/main" val="20000"/>
+                    </a:ext>
+                  </a:extLst>
+                </a:gridCol>
+                <a:gridCol w="2590800">
+                  <a:extLst>
+                    <a:ext uri="{9D8B030D-6E8A-4147-A177-3AD203B41FA5}">
+                      <a16:colId xmlns:a16="http://schemas.microsoft.com/office/drawing/2014/main" val="20001"/>
+                    </a:ext>
+                  </a:extLst>
+                </a:gridCol>
+                <a:gridCol w="2590800">
+                  <a:extLst>
+                    <a:ext uri="{9D8B030D-6E8A-4147-A177-3AD203B41FA5}">
+                      <a16:colId xmlns:a16="http://schemas.microsoft.com/office/drawing/2014/main" val="20002"/>
+                    </a:ext>
+                  </a:extLst>
+                </a:gridCol>
+              </a:tblGrid>
+              <a:tr h="261257">
+                <a:tc>
+                  <a:txBody>
+                    <a:bodyPr/>
+                    <a:lstStyle/>
+                    <a:p>
+                      <a:pPr marL="457200" algn="ctr">
+                        <a:lnSpc>
+                          <a:spcPct val="115000"/>
+                        </a:lnSpc>
+                        <a:spcAft>
+                          <a:spcPts val="0"/>
+                        </a:spcAft>
+                      </a:pPr>
+                      <a:r>
+                        <a:rPr lang="en-GB" sz="2000" b="1" dirty="0">
+                          <a:solidFill>
+                            <a:schemeClr val="bg1"/>
+                          </a:solidFill>
+                          <a:latin typeface="Calibri"/>
+                          <a:ea typeface="Calibri"/>
+                          <a:cs typeface="Times New Roman"/>
+                        </a:rPr>
+                        <a:t>Entry State</a:t>
+                      </a:r>
+                      <a:endParaRPr lang="en-US" sz="2000" dirty="0">
+                        <a:solidFill>
+                          <a:schemeClr val="bg1"/>
+                        </a:solidFill>
+                        <a:latin typeface="Calibri"/>
+                        <a:ea typeface="Calibri"/>
+                        <a:cs typeface="Times New Roman"/>
+                      </a:endParaRPr>
+                    </a:p>
+                  </a:txBody>
+                  <a:tcPr marL="68580" marR="68580" marT="0" marB="0">
+                    <a:lnL w="12700" cap="flat" cmpd="sng" algn="ctr">
+                      <a:solidFill>
+                        <a:schemeClr val="bg1"/>
+                      </a:solidFill>
+                      <a:prstDash val="solid"/>
+                      <a:round/>
+                      <a:headEnd type="none" w="med" len="med"/>
+                      <a:tailEnd type="none" w="med" len="med"/>
+                    </a:lnL>
+                    <a:lnR w="12700" cap="flat" cmpd="sng" algn="ctr">
+                      <a:solidFill>
+                        <a:schemeClr val="bg1"/>
+                      </a:solidFill>
+                      <a:prstDash val="solid"/>
+                      <a:round/>
+                      <a:headEnd type="none" w="med" len="med"/>
+                      <a:tailEnd type="none" w="med" len="med"/>
+                    </a:lnR>
+                    <a:lnT w="12700" cap="flat" cmpd="sng" algn="ctr">
+                      <a:solidFill>
+                        <a:schemeClr val="bg1"/>
+                      </a:solidFill>
+                      <a:prstDash val="solid"/>
+                      <a:round/>
+                      <a:headEnd type="none" w="med" len="med"/>
+                      <a:tailEnd type="none" w="med" len="med"/>
+                    </a:lnT>
+                    <a:lnB w="12700" cap="flat" cmpd="sng" algn="ctr">
+                      <a:solidFill>
+                        <a:schemeClr val="bg1"/>
+                      </a:solidFill>
+                      <a:prstDash val="solid"/>
+                      <a:round/>
+                      <a:headEnd type="none" w="med" len="med"/>
+                      <a:tailEnd type="none" w="med" len="med"/>
+                    </a:lnB>
+                  </a:tcPr>
+                </a:tc>
+                <a:tc>
+                  <a:txBody>
+                    <a:bodyPr/>
+                    <a:lstStyle/>
+                    <a:p>
+                      <a:pPr marL="457200" algn="ctr">
+                        <a:lnSpc>
+                          <a:spcPct val="115000"/>
+                        </a:lnSpc>
+                        <a:spcAft>
+                          <a:spcPts val="0"/>
+                        </a:spcAft>
+                      </a:pPr>
+                      <a:r>
+                        <a:rPr lang="en-GB" sz="2000" b="1">
+                          <a:solidFill>
+                            <a:schemeClr val="bg1"/>
+                          </a:solidFill>
+                          <a:latin typeface="Calibri"/>
+                          <a:ea typeface="Calibri"/>
+                          <a:cs typeface="Times New Roman"/>
+                        </a:rPr>
+                        <a:t>Transition</a:t>
+                      </a:r>
+                      <a:endParaRPr lang="en-US" sz="2000">
+                        <a:solidFill>
+                          <a:schemeClr val="bg1"/>
+                        </a:solidFill>
+                        <a:latin typeface="Calibri"/>
+                        <a:ea typeface="Calibri"/>
+                        <a:cs typeface="Times New Roman"/>
+                      </a:endParaRPr>
+                    </a:p>
+                  </a:txBody>
+                  <a:tcPr marL="68580" marR="68580" marT="0" marB="0">
+                    <a:lnL w="12700" cap="flat" cmpd="sng" algn="ctr">
+                      <a:solidFill>
+                        <a:schemeClr val="bg1"/>
+                      </a:solidFill>
+                      <a:prstDash val="solid"/>
+                      <a:round/>
+                      <a:headEnd type="none" w="med" len="med"/>
+                      <a:tailEnd type="none" w="med" len="med"/>
+                    </a:lnL>
+                    <a:lnR w="12700" cap="flat" cmpd="sng" algn="ctr">
+                      <a:solidFill>
+                        <a:schemeClr val="bg1"/>
+                      </a:solidFill>
+                      <a:prstDash val="solid"/>
+                      <a:round/>
+                      <a:headEnd type="none" w="med" len="med"/>
+                      <a:tailEnd type="none" w="med" len="med"/>
+                    </a:lnR>
+                    <a:lnT w="12700" cap="flat" cmpd="sng" algn="ctr">
+                      <a:solidFill>
+                        <a:schemeClr val="bg1"/>
+                      </a:solidFill>
+                      <a:prstDash val="solid"/>
+                      <a:round/>
+                      <a:headEnd type="none" w="med" len="med"/>
+                      <a:tailEnd type="none" w="med" len="med"/>
+                    </a:lnT>
+                    <a:lnB w="12700" cap="flat" cmpd="sng" algn="ctr">
+                      <a:solidFill>
+                        <a:schemeClr val="bg1"/>
+                      </a:solidFill>
+                      <a:prstDash val="solid"/>
+                      <a:round/>
+                      <a:headEnd type="none" w="med" len="med"/>
+                      <a:tailEnd type="none" w="med" len="med"/>
+                    </a:lnB>
+                  </a:tcPr>
+                </a:tc>
+                <a:tc>
+                  <a:txBody>
+                    <a:bodyPr/>
+                    <a:lstStyle/>
+                    <a:p>
+                      <a:pPr marL="457200" algn="ctr">
+                        <a:lnSpc>
+                          <a:spcPct val="115000"/>
+                        </a:lnSpc>
+                        <a:spcAft>
+                          <a:spcPts val="0"/>
+                        </a:spcAft>
+                      </a:pPr>
+                      <a:r>
+                        <a:rPr lang="en-GB" sz="2000" b="1">
+                          <a:solidFill>
+                            <a:schemeClr val="bg1"/>
+                          </a:solidFill>
+                          <a:latin typeface="Calibri"/>
+                          <a:ea typeface="Calibri"/>
+                          <a:cs typeface="Times New Roman"/>
+                        </a:rPr>
+                        <a:t>Description</a:t>
+                      </a:r>
+                      <a:endParaRPr lang="en-US" sz="2000">
+                        <a:solidFill>
+                          <a:schemeClr val="bg1"/>
+                        </a:solidFill>
+                        <a:latin typeface="Calibri"/>
+                        <a:ea typeface="Calibri"/>
+                        <a:cs typeface="Times New Roman"/>
+                      </a:endParaRPr>
+                    </a:p>
+                  </a:txBody>
+                  <a:tcPr marL="68580" marR="68580" marT="0" marB="0">
+                    <a:lnL w="12700" cap="flat" cmpd="sng" algn="ctr">
+                      <a:solidFill>
+                        <a:schemeClr val="bg1"/>
+                      </a:solidFill>
+                      <a:prstDash val="solid"/>
+                      <a:round/>
+                      <a:headEnd type="none" w="med" len="med"/>
+                      <a:tailEnd type="none" w="med" len="med"/>
+                    </a:lnL>
+                    <a:lnR w="12700" cap="flat" cmpd="sng" algn="ctr">
+                      <a:solidFill>
+                        <a:schemeClr val="bg1"/>
+                      </a:solidFill>
+                      <a:prstDash val="solid"/>
+                      <a:round/>
+                      <a:headEnd type="none" w="med" len="med"/>
+                      <a:tailEnd type="none" w="med" len="med"/>
+                    </a:lnR>
+                    <a:lnT w="12700" cap="flat" cmpd="sng" algn="ctr">
+                      <a:solidFill>
+                        <a:schemeClr val="bg1"/>
+                      </a:solidFill>
+                      <a:prstDash val="solid"/>
+                      <a:round/>
+                      <a:headEnd type="none" w="med" len="med"/>
+                      <a:tailEnd type="none" w="med" len="med"/>
+                    </a:lnT>
+                    <a:lnB w="12700" cap="flat" cmpd="sng" algn="ctr">
+                      <a:solidFill>
+                        <a:schemeClr val="bg1"/>
+                      </a:solidFill>
+                      <a:prstDash val="solid"/>
+                      <a:round/>
+                      <a:headEnd type="none" w="med" len="med"/>
+                      <a:tailEnd type="none" w="med" len="med"/>
+                    </a:lnB>
+                  </a:tcPr>
+                </a:tc>
+                <a:extLst>
+                  <a:ext uri="{0D108BD9-81ED-4DB2-BD59-A6C34878D82A}">
+                    <a16:rowId xmlns:a16="http://schemas.microsoft.com/office/drawing/2014/main" val="10000"/>
+                  </a:ext>
+                </a:extLst>
+              </a:tr>
+              <a:tr h="261257">
+                <a:tc>
+                  <a:txBody>
+                    <a:bodyPr/>
+                    <a:lstStyle/>
+                    <a:p>
+                      <a:pPr marL="457200" algn="l">
+                        <a:lnSpc>
+                          <a:spcPct val="115000"/>
+                        </a:lnSpc>
+                        <a:spcAft>
+                          <a:spcPts val="0"/>
+                        </a:spcAft>
+                      </a:pPr>
+                      <a:r>
+                        <a:rPr lang="en-GB" sz="2000" dirty="0">
+                          <a:solidFill>
+                            <a:schemeClr val="bg1"/>
+                          </a:solidFill>
+                          <a:latin typeface="Calibri"/>
+                          <a:ea typeface="Calibri"/>
+                          <a:cs typeface="Times New Roman"/>
+                        </a:rPr>
+                        <a:t>Start</a:t>
+                      </a:r>
+                      <a:endParaRPr lang="en-US" sz="2000" dirty="0">
+                        <a:solidFill>
+                          <a:schemeClr val="bg1"/>
+                        </a:solidFill>
+                        <a:latin typeface="Calibri"/>
+                        <a:ea typeface="Calibri"/>
+                        <a:cs typeface="Times New Roman"/>
+                      </a:endParaRPr>
+                    </a:p>
+                  </a:txBody>
+                  <a:tcPr marL="68580" marR="68580" marT="0" marB="0">
+                    <a:lnL w="12700" cap="flat" cmpd="sng" algn="ctr">
+                      <a:solidFill>
+                        <a:schemeClr val="bg1"/>
+                      </a:solidFill>
+                      <a:prstDash val="solid"/>
+                      <a:round/>
+                      <a:headEnd type="none" w="med" len="med"/>
+                      <a:tailEnd type="none" w="med" len="med"/>
+                    </a:lnL>
+                    <a:lnR w="12700" cap="flat" cmpd="sng" algn="ctr">
+                      <a:solidFill>
+                        <a:schemeClr val="bg1"/>
+                      </a:solidFill>
+                      <a:prstDash val="solid"/>
+                      <a:round/>
+                      <a:headEnd type="none" w="med" len="med"/>
+                      <a:tailEnd type="none" w="med" len="med"/>
+                    </a:lnR>
+                    <a:lnT w="12700" cap="flat" cmpd="sng" algn="ctr">
+                      <a:solidFill>
+                        <a:schemeClr val="bg1"/>
+                      </a:solidFill>
+                      <a:prstDash val="solid"/>
+                      <a:round/>
+                      <a:headEnd type="none" w="med" len="med"/>
+                      <a:tailEnd type="none" w="med" len="med"/>
+                    </a:lnT>
+                    <a:lnB w="12700" cap="flat" cmpd="sng" algn="ctr">
+                      <a:solidFill>
+                        <a:schemeClr val="bg1"/>
+                      </a:solidFill>
+                      <a:prstDash val="solid"/>
+                      <a:round/>
+                      <a:headEnd type="none" w="med" len="med"/>
+                      <a:tailEnd type="none" w="med" len="med"/>
+                    </a:lnB>
+                  </a:tcPr>
+                </a:tc>
+                <a:tc>
+                  <a:txBody>
+                    <a:bodyPr/>
+                    <a:lstStyle/>
+                    <a:p>
+                      <a:pPr marL="457200" algn="l">
+                        <a:lnSpc>
+                          <a:spcPct val="115000"/>
+                        </a:lnSpc>
+                        <a:spcAft>
+                          <a:spcPts val="0"/>
+                        </a:spcAft>
+                      </a:pPr>
+                      <a:r>
+                        <a:rPr lang="en-GB" sz="2000" dirty="0">
+                          <a:solidFill>
+                            <a:schemeClr val="bg1"/>
+                          </a:solidFill>
+                          <a:latin typeface="Calibri"/>
+                          <a:ea typeface="Calibri"/>
+                          <a:cs typeface="Times New Roman"/>
+                        </a:rPr>
+                        <a:t>P1</a:t>
+                      </a:r>
+                      <a:r>
+                        <a:rPr lang="en-GB" sz="2000" baseline="0" dirty="0">
+                          <a:solidFill>
+                            <a:schemeClr val="bg1"/>
+                          </a:solidFill>
+                          <a:latin typeface="Calibri"/>
+                          <a:ea typeface="Calibri"/>
+                          <a:cs typeface="Times New Roman"/>
+                        </a:rPr>
+                        <a:t> Serve</a:t>
+                      </a:r>
+                      <a:endParaRPr lang="en-US" sz="2000" dirty="0">
+                        <a:solidFill>
+                          <a:schemeClr val="bg1"/>
+                        </a:solidFill>
+                        <a:latin typeface="Calibri"/>
+                        <a:ea typeface="Calibri"/>
+                        <a:cs typeface="Times New Roman"/>
+                      </a:endParaRPr>
+                    </a:p>
+                  </a:txBody>
+                  <a:tcPr marL="68580" marR="68580" marT="0" marB="0">
+                    <a:lnL w="12700" cap="flat" cmpd="sng" algn="ctr">
+                      <a:solidFill>
+                        <a:schemeClr val="bg1"/>
+                      </a:solidFill>
+                      <a:prstDash val="solid"/>
+                      <a:round/>
+                      <a:headEnd type="none" w="med" len="med"/>
+                      <a:tailEnd type="none" w="med" len="med"/>
+                    </a:lnL>
+                    <a:lnR w="12700" cap="flat" cmpd="sng" algn="ctr">
+                      <a:solidFill>
+                        <a:schemeClr val="bg1"/>
+                      </a:solidFill>
+                      <a:prstDash val="solid"/>
+                      <a:round/>
+                      <a:headEnd type="none" w="med" len="med"/>
+                      <a:tailEnd type="none" w="med" len="med"/>
+                    </a:lnR>
+                    <a:lnT w="12700" cap="flat" cmpd="sng" algn="ctr">
+                      <a:solidFill>
+                        <a:schemeClr val="bg1"/>
+                      </a:solidFill>
+                      <a:prstDash val="solid"/>
+                      <a:round/>
+                      <a:headEnd type="none" w="med" len="med"/>
+                      <a:tailEnd type="none" w="med" len="med"/>
+                    </a:lnT>
+                    <a:lnB w="12700" cap="flat" cmpd="sng" algn="ctr">
+                      <a:solidFill>
+                        <a:schemeClr val="bg1"/>
+                      </a:solidFill>
+                      <a:prstDash val="solid"/>
+                      <a:round/>
+                      <a:headEnd type="none" w="med" len="med"/>
+                      <a:tailEnd type="none" w="med" len="med"/>
+                    </a:lnB>
+                  </a:tcPr>
+                </a:tc>
+                <a:tc>
+                  <a:txBody>
+                    <a:bodyPr/>
+                    <a:lstStyle/>
+                    <a:p>
+                      <a:pPr marL="457200" algn="l">
+                        <a:lnSpc>
+                          <a:spcPct val="115000"/>
+                        </a:lnSpc>
+                        <a:spcAft>
+                          <a:spcPts val="0"/>
+                        </a:spcAft>
+                      </a:pPr>
+                      <a:r>
+                        <a:rPr lang="en-GB" sz="2000" dirty="0">
+                          <a:solidFill>
+                            <a:schemeClr val="bg1"/>
+                          </a:solidFill>
+                          <a:latin typeface="Calibri"/>
+                          <a:ea typeface="Calibri"/>
+                          <a:cs typeface="Times New Roman"/>
+                        </a:rPr>
+                        <a:t>Game serves to player 1</a:t>
+                      </a:r>
+                      <a:endParaRPr lang="en-US" sz="2000" dirty="0">
+                        <a:solidFill>
+                          <a:schemeClr val="bg1"/>
+                        </a:solidFill>
+                        <a:latin typeface="Calibri"/>
+                        <a:ea typeface="Calibri"/>
+                        <a:cs typeface="Times New Roman"/>
+                      </a:endParaRPr>
+                    </a:p>
+                  </a:txBody>
+                  <a:tcPr marL="68580" marR="68580" marT="0" marB="0">
+                    <a:lnL w="12700" cap="flat" cmpd="sng" algn="ctr">
+                      <a:solidFill>
+                        <a:schemeClr val="bg1"/>
+                      </a:solidFill>
+                      <a:prstDash val="solid"/>
+                      <a:round/>
+                      <a:headEnd type="none" w="med" len="med"/>
+                      <a:tailEnd type="none" w="med" len="med"/>
+                    </a:lnL>
+                    <a:lnR w="12700" cap="flat" cmpd="sng" algn="ctr">
+                      <a:solidFill>
+                        <a:schemeClr val="bg1"/>
+                      </a:solidFill>
+                      <a:prstDash val="solid"/>
+                      <a:round/>
+                      <a:headEnd type="none" w="med" len="med"/>
+                      <a:tailEnd type="none" w="med" len="med"/>
+                    </a:lnR>
+                    <a:lnT w="12700" cap="flat" cmpd="sng" algn="ctr">
+                      <a:solidFill>
+                        <a:schemeClr val="bg1"/>
+                      </a:solidFill>
+                      <a:prstDash val="solid"/>
+                      <a:round/>
+                      <a:headEnd type="none" w="med" len="med"/>
+                      <a:tailEnd type="none" w="med" len="med"/>
+                    </a:lnT>
+                    <a:lnB w="12700" cap="flat" cmpd="sng" algn="ctr">
+                      <a:solidFill>
+                        <a:schemeClr val="bg1"/>
+                      </a:solidFill>
+                      <a:prstDash val="solid"/>
+                      <a:round/>
+                      <a:headEnd type="none" w="med" len="med"/>
+                      <a:tailEnd type="none" w="med" len="med"/>
+                    </a:lnB>
+                  </a:tcPr>
+                </a:tc>
+                <a:extLst>
+                  <a:ext uri="{0D108BD9-81ED-4DB2-BD59-A6C34878D82A}">
+                    <a16:rowId xmlns:a16="http://schemas.microsoft.com/office/drawing/2014/main" val="10001"/>
+                  </a:ext>
+                </a:extLst>
+              </a:tr>
+              <a:tr h="783771">
+                <a:tc>
+                  <a:txBody>
+                    <a:bodyPr/>
+                    <a:lstStyle/>
+                    <a:p>
+                      <a:pPr marL="457200" algn="l">
+                        <a:lnSpc>
+                          <a:spcPct val="115000"/>
+                        </a:lnSpc>
+                        <a:spcAft>
+                          <a:spcPts val="0"/>
+                        </a:spcAft>
+                      </a:pPr>
+                      <a:r>
+                        <a:rPr lang="en-GB" sz="2000" dirty="0">
+                          <a:solidFill>
+                            <a:schemeClr val="bg1"/>
+                          </a:solidFill>
+                          <a:latin typeface="Calibri"/>
+                          <a:ea typeface="Calibri"/>
+                          <a:cs typeface="Times New Roman"/>
+                        </a:rPr>
+                        <a:t>P1 / P2 Serve</a:t>
+                      </a:r>
+                      <a:endParaRPr lang="en-US" sz="2000" dirty="0">
+                        <a:solidFill>
+                          <a:schemeClr val="bg1"/>
+                        </a:solidFill>
+                        <a:latin typeface="Calibri"/>
+                        <a:ea typeface="Calibri"/>
+                        <a:cs typeface="Times New Roman"/>
+                      </a:endParaRPr>
+                    </a:p>
+                  </a:txBody>
+                  <a:tcPr marL="68580" marR="68580" marT="0" marB="0">
+                    <a:lnL w="12700" cap="flat" cmpd="sng" algn="ctr">
+                      <a:solidFill>
+                        <a:schemeClr val="bg1"/>
+                      </a:solidFill>
+                      <a:prstDash val="solid"/>
+                      <a:round/>
+                      <a:headEnd type="none" w="med" len="med"/>
+                      <a:tailEnd type="none" w="med" len="med"/>
+                    </a:lnL>
+                    <a:lnR w="12700" cap="flat" cmpd="sng" algn="ctr">
+                      <a:solidFill>
+                        <a:schemeClr val="bg1"/>
+                      </a:solidFill>
+                      <a:prstDash val="solid"/>
+                      <a:round/>
+                      <a:headEnd type="none" w="med" len="med"/>
+                      <a:tailEnd type="none" w="med" len="med"/>
+                    </a:lnR>
+                    <a:lnT w="12700" cap="flat" cmpd="sng" algn="ctr">
+                      <a:solidFill>
+                        <a:schemeClr val="bg1"/>
+                      </a:solidFill>
+                      <a:prstDash val="solid"/>
+                      <a:round/>
+                      <a:headEnd type="none" w="med" len="med"/>
+                      <a:tailEnd type="none" w="med" len="med"/>
+                    </a:lnT>
+                    <a:lnB w="12700" cap="flat" cmpd="sng" algn="ctr">
+                      <a:solidFill>
+                        <a:schemeClr val="bg1"/>
+                      </a:solidFill>
+                      <a:prstDash val="solid"/>
+                      <a:round/>
+                      <a:headEnd type="none" w="med" len="med"/>
+                      <a:tailEnd type="none" w="med" len="med"/>
+                    </a:lnB>
+                  </a:tcPr>
+                </a:tc>
+                <a:tc>
+                  <a:txBody>
+                    <a:bodyPr/>
+                    <a:lstStyle/>
+                    <a:p>
+                      <a:pPr marL="457200" algn="l">
+                        <a:lnSpc>
+                          <a:spcPct val="115000"/>
+                        </a:lnSpc>
+                        <a:spcAft>
+                          <a:spcPts val="0"/>
+                        </a:spcAft>
+                      </a:pPr>
+                      <a:r>
+                        <a:rPr lang="en-GB" sz="2000" dirty="0">
+                          <a:solidFill>
+                            <a:schemeClr val="bg1"/>
+                          </a:solidFill>
+                          <a:latin typeface="Calibri"/>
+                          <a:ea typeface="Calibri"/>
+                          <a:cs typeface="Times New Roman"/>
+                        </a:rPr>
+                        <a:t>Rally</a:t>
+                      </a:r>
+                      <a:endParaRPr lang="en-US" sz="2000" dirty="0">
+                        <a:solidFill>
+                          <a:schemeClr val="bg1"/>
+                        </a:solidFill>
+                        <a:latin typeface="Calibri"/>
+                        <a:ea typeface="Calibri"/>
+                        <a:cs typeface="Times New Roman"/>
+                      </a:endParaRPr>
+                    </a:p>
+                  </a:txBody>
+                  <a:tcPr marL="68580" marR="68580" marT="0" marB="0">
+                    <a:lnL w="12700" cap="flat" cmpd="sng" algn="ctr">
+                      <a:solidFill>
+                        <a:schemeClr val="bg1"/>
+                      </a:solidFill>
+                      <a:prstDash val="solid"/>
+                      <a:round/>
+                      <a:headEnd type="none" w="med" len="med"/>
+                      <a:tailEnd type="none" w="med" len="med"/>
+                    </a:lnL>
+                    <a:lnR w="12700" cap="flat" cmpd="sng" algn="ctr">
+                      <a:solidFill>
+                        <a:schemeClr val="bg1"/>
+                      </a:solidFill>
+                      <a:prstDash val="solid"/>
+                      <a:round/>
+                      <a:headEnd type="none" w="med" len="med"/>
+                      <a:tailEnd type="none" w="med" len="med"/>
+                    </a:lnR>
+                    <a:lnT w="12700" cap="flat" cmpd="sng" algn="ctr">
+                      <a:solidFill>
+                        <a:schemeClr val="bg1"/>
+                      </a:solidFill>
+                      <a:prstDash val="solid"/>
+                      <a:round/>
+                      <a:headEnd type="none" w="med" len="med"/>
+                      <a:tailEnd type="none" w="med" len="med"/>
+                    </a:lnT>
+                    <a:lnB w="12700" cap="flat" cmpd="sng" algn="ctr">
+                      <a:solidFill>
+                        <a:schemeClr val="bg1"/>
+                      </a:solidFill>
+                      <a:prstDash val="solid"/>
+                      <a:round/>
+                      <a:headEnd type="none" w="med" len="med"/>
+                      <a:tailEnd type="none" w="med" len="med"/>
+                    </a:lnB>
+                  </a:tcPr>
+                </a:tc>
+                <a:tc>
+                  <a:txBody>
+                    <a:bodyPr/>
+                    <a:lstStyle/>
+                    <a:p>
+                      <a:pPr marL="457200" algn="l">
+                        <a:lnSpc>
+                          <a:spcPct val="115000"/>
+                        </a:lnSpc>
+                        <a:spcAft>
+                          <a:spcPts val="0"/>
+                        </a:spcAft>
+                      </a:pPr>
+                      <a:r>
+                        <a:rPr lang="en-GB" sz="2000">
+                          <a:solidFill>
+                            <a:schemeClr val="bg1"/>
+                          </a:solidFill>
+                          <a:latin typeface="Calibri"/>
+                          <a:ea typeface="Calibri"/>
+                          <a:cs typeface="Times New Roman"/>
+                        </a:rPr>
+                        <a:t>The game will serve at the player who lost the last point</a:t>
+                      </a:r>
+                      <a:endParaRPr lang="en-US" sz="2000">
+                        <a:solidFill>
+                          <a:schemeClr val="bg1"/>
+                        </a:solidFill>
+                        <a:latin typeface="Calibri"/>
+                        <a:ea typeface="Calibri"/>
+                        <a:cs typeface="Times New Roman"/>
+                      </a:endParaRPr>
+                    </a:p>
+                  </a:txBody>
+                  <a:tcPr marL="68580" marR="68580" marT="0" marB="0">
+                    <a:lnL w="12700" cap="flat" cmpd="sng" algn="ctr">
+                      <a:solidFill>
+                        <a:schemeClr val="bg1"/>
+                      </a:solidFill>
+                      <a:prstDash val="solid"/>
+                      <a:round/>
+                      <a:headEnd type="none" w="med" len="med"/>
+                      <a:tailEnd type="none" w="med" len="med"/>
+                    </a:lnL>
+                    <a:lnR w="12700" cap="flat" cmpd="sng" algn="ctr">
+                      <a:solidFill>
+                        <a:schemeClr val="bg1"/>
+                      </a:solidFill>
+                      <a:prstDash val="solid"/>
+                      <a:round/>
+                      <a:headEnd type="none" w="med" len="med"/>
+                      <a:tailEnd type="none" w="med" len="med"/>
+                    </a:lnR>
+                    <a:lnT w="12700" cap="flat" cmpd="sng" algn="ctr">
+                      <a:solidFill>
+                        <a:schemeClr val="bg1"/>
+                      </a:solidFill>
+                      <a:prstDash val="solid"/>
+                      <a:round/>
+                      <a:headEnd type="none" w="med" len="med"/>
+                      <a:tailEnd type="none" w="med" len="med"/>
+                    </a:lnT>
+                    <a:lnB w="12700" cap="flat" cmpd="sng" algn="ctr">
+                      <a:solidFill>
+                        <a:schemeClr val="bg1"/>
+                      </a:solidFill>
+                      <a:prstDash val="solid"/>
+                      <a:round/>
+                      <a:headEnd type="none" w="med" len="med"/>
+                      <a:tailEnd type="none" w="med" len="med"/>
+                    </a:lnB>
+                  </a:tcPr>
+                </a:tc>
+                <a:extLst>
+                  <a:ext uri="{0D108BD9-81ED-4DB2-BD59-A6C34878D82A}">
+                    <a16:rowId xmlns:a16="http://schemas.microsoft.com/office/drawing/2014/main" val="10002"/>
+                  </a:ext>
+                </a:extLst>
+              </a:tr>
+              <a:tr h="522514">
+                <a:tc>
+                  <a:txBody>
+                    <a:bodyPr/>
+                    <a:lstStyle/>
+                    <a:p>
+                      <a:pPr marL="457200" algn="l">
+                        <a:lnSpc>
+                          <a:spcPct val="115000"/>
+                        </a:lnSpc>
+                        <a:spcAft>
+                          <a:spcPts val="0"/>
+                        </a:spcAft>
+                      </a:pPr>
+                      <a:r>
+                        <a:rPr lang="en-GB" sz="2000" dirty="0">
+                          <a:solidFill>
+                            <a:schemeClr val="bg1"/>
+                          </a:solidFill>
+                          <a:latin typeface="Calibri"/>
+                          <a:ea typeface="Calibri"/>
+                          <a:cs typeface="Times New Roman"/>
+                        </a:rPr>
+                        <a:t>Rally</a:t>
+                      </a:r>
+                      <a:endParaRPr lang="en-US" sz="2000" dirty="0">
+                        <a:solidFill>
+                          <a:schemeClr val="bg1"/>
+                        </a:solidFill>
+                        <a:latin typeface="Calibri"/>
+                        <a:ea typeface="Calibri"/>
+                        <a:cs typeface="Times New Roman"/>
+                      </a:endParaRPr>
+                    </a:p>
+                  </a:txBody>
+                  <a:tcPr marL="68580" marR="68580" marT="0" marB="0">
+                    <a:lnL w="12700" cap="flat" cmpd="sng" algn="ctr">
+                      <a:solidFill>
+                        <a:schemeClr val="bg1"/>
+                      </a:solidFill>
+                      <a:prstDash val="solid"/>
+                      <a:round/>
+                      <a:headEnd type="none" w="med" len="med"/>
+                      <a:tailEnd type="none" w="med" len="med"/>
+                    </a:lnL>
+                    <a:lnR w="12700" cap="flat" cmpd="sng" algn="ctr">
+                      <a:solidFill>
+                        <a:schemeClr val="bg1"/>
+                      </a:solidFill>
+                      <a:prstDash val="solid"/>
+                      <a:round/>
+                      <a:headEnd type="none" w="med" len="med"/>
+                      <a:tailEnd type="none" w="med" len="med"/>
+                    </a:lnR>
+                    <a:lnT w="12700" cap="flat" cmpd="sng" algn="ctr">
+                      <a:solidFill>
+                        <a:schemeClr val="bg1"/>
+                      </a:solidFill>
+                      <a:prstDash val="solid"/>
+                      <a:round/>
+                      <a:headEnd type="none" w="med" len="med"/>
+                      <a:tailEnd type="none" w="med" len="med"/>
+                    </a:lnT>
+                    <a:lnB w="12700" cap="flat" cmpd="sng" algn="ctr">
+                      <a:solidFill>
+                        <a:schemeClr val="bg1"/>
+                      </a:solidFill>
+                      <a:prstDash val="solid"/>
+                      <a:round/>
+                      <a:headEnd type="none" w="med" len="med"/>
+                      <a:tailEnd type="none" w="med" len="med"/>
+                    </a:lnB>
+                  </a:tcPr>
+                </a:tc>
+                <a:tc>
+                  <a:txBody>
+                    <a:bodyPr/>
+                    <a:lstStyle/>
+                    <a:p>
+                      <a:pPr marL="457200" algn="l">
+                        <a:lnSpc>
+                          <a:spcPct val="115000"/>
+                        </a:lnSpc>
+                        <a:spcAft>
+                          <a:spcPts val="0"/>
+                        </a:spcAft>
+                      </a:pPr>
+                      <a:r>
+                        <a:rPr lang="en-GB" sz="2000" dirty="0">
+                          <a:solidFill>
+                            <a:schemeClr val="bg1"/>
+                          </a:solidFill>
+                          <a:latin typeface="Calibri"/>
+                          <a:ea typeface="Calibri"/>
+                          <a:cs typeface="Times New Roman"/>
+                        </a:rPr>
+                        <a:t>P1 / P2 Miss</a:t>
+                      </a:r>
+                      <a:endParaRPr lang="en-US" sz="2000" dirty="0">
+                        <a:solidFill>
+                          <a:schemeClr val="bg1"/>
+                        </a:solidFill>
+                        <a:latin typeface="Calibri"/>
+                        <a:ea typeface="Calibri"/>
+                        <a:cs typeface="Times New Roman"/>
+                      </a:endParaRPr>
+                    </a:p>
+                  </a:txBody>
+                  <a:tcPr marL="68580" marR="68580" marT="0" marB="0">
+                    <a:lnL w="12700" cap="flat" cmpd="sng" algn="ctr">
+                      <a:solidFill>
+                        <a:schemeClr val="bg1"/>
+                      </a:solidFill>
+                      <a:prstDash val="solid"/>
+                      <a:round/>
+                      <a:headEnd type="none" w="med" len="med"/>
+                      <a:tailEnd type="none" w="med" len="med"/>
+                    </a:lnL>
+                    <a:lnR w="12700" cap="flat" cmpd="sng" algn="ctr">
+                      <a:solidFill>
+                        <a:schemeClr val="bg1"/>
+                      </a:solidFill>
+                      <a:prstDash val="solid"/>
+                      <a:round/>
+                      <a:headEnd type="none" w="med" len="med"/>
+                      <a:tailEnd type="none" w="med" len="med"/>
+                    </a:lnR>
+                    <a:lnT w="12700" cap="flat" cmpd="sng" algn="ctr">
+                      <a:solidFill>
+                        <a:schemeClr val="bg1"/>
+                      </a:solidFill>
+                      <a:prstDash val="solid"/>
+                      <a:round/>
+                      <a:headEnd type="none" w="med" len="med"/>
+                      <a:tailEnd type="none" w="med" len="med"/>
+                    </a:lnT>
+                    <a:lnB w="12700" cap="flat" cmpd="sng" algn="ctr">
+                      <a:solidFill>
+                        <a:schemeClr val="bg1"/>
+                      </a:solidFill>
+                      <a:prstDash val="solid"/>
+                      <a:round/>
+                      <a:headEnd type="none" w="med" len="med"/>
+                      <a:tailEnd type="none" w="med" len="med"/>
+                    </a:lnB>
+                  </a:tcPr>
+                </a:tc>
+                <a:tc>
+                  <a:txBody>
+                    <a:bodyPr/>
+                    <a:lstStyle/>
+                    <a:p>
+                      <a:pPr marL="457200" algn="l">
+                        <a:lnSpc>
+                          <a:spcPct val="115000"/>
+                        </a:lnSpc>
+                        <a:spcAft>
+                          <a:spcPts val="0"/>
+                        </a:spcAft>
+                      </a:pPr>
+                      <a:r>
+                        <a:rPr lang="en-GB" sz="2000" baseline="0" dirty="0">
+                          <a:solidFill>
+                            <a:schemeClr val="bg1"/>
+                          </a:solidFill>
+                          <a:latin typeface="Calibri"/>
+                          <a:ea typeface="Calibri"/>
+                          <a:cs typeface="Times New Roman"/>
+                        </a:rPr>
+                        <a:t>Ball travels between players</a:t>
+                      </a:r>
+                      <a:endParaRPr lang="en-US" sz="2000" dirty="0">
+                        <a:solidFill>
+                          <a:schemeClr val="bg1"/>
+                        </a:solidFill>
+                        <a:latin typeface="Calibri"/>
+                        <a:ea typeface="Calibri"/>
+                        <a:cs typeface="Times New Roman"/>
+                      </a:endParaRPr>
+                    </a:p>
+                  </a:txBody>
+                  <a:tcPr marL="68580" marR="68580" marT="0" marB="0">
+                    <a:lnL w="12700" cap="flat" cmpd="sng" algn="ctr">
+                      <a:solidFill>
+                        <a:schemeClr val="bg1"/>
+                      </a:solidFill>
+                      <a:prstDash val="solid"/>
+                      <a:round/>
+                      <a:headEnd type="none" w="med" len="med"/>
+                      <a:tailEnd type="none" w="med" len="med"/>
+                    </a:lnL>
+                    <a:lnR w="12700" cap="flat" cmpd="sng" algn="ctr">
+                      <a:solidFill>
+                        <a:schemeClr val="bg1"/>
+                      </a:solidFill>
+                      <a:prstDash val="solid"/>
+                      <a:round/>
+                      <a:headEnd type="none" w="med" len="med"/>
+                      <a:tailEnd type="none" w="med" len="med"/>
+                    </a:lnR>
+                    <a:lnT w="12700" cap="flat" cmpd="sng" algn="ctr">
+                      <a:solidFill>
+                        <a:schemeClr val="bg1"/>
+                      </a:solidFill>
+                      <a:prstDash val="solid"/>
+                      <a:round/>
+                      <a:headEnd type="none" w="med" len="med"/>
+                      <a:tailEnd type="none" w="med" len="med"/>
+                    </a:lnT>
+                    <a:lnB w="12700" cap="flat" cmpd="sng" algn="ctr">
+                      <a:solidFill>
+                        <a:schemeClr val="bg1"/>
+                      </a:solidFill>
+                      <a:prstDash val="solid"/>
+                      <a:round/>
+                      <a:headEnd type="none" w="med" len="med"/>
+                      <a:tailEnd type="none" w="med" len="med"/>
+                    </a:lnB>
+                  </a:tcPr>
+                </a:tc>
+                <a:extLst>
+                  <a:ext uri="{0D108BD9-81ED-4DB2-BD59-A6C34878D82A}">
+                    <a16:rowId xmlns:a16="http://schemas.microsoft.com/office/drawing/2014/main" val="10003"/>
+                  </a:ext>
+                </a:extLst>
+              </a:tr>
+              <a:tr h="1306286">
+                <a:tc>
+                  <a:txBody>
+                    <a:bodyPr/>
+                    <a:lstStyle/>
+                    <a:p>
+                      <a:pPr marL="457200" algn="l">
+                        <a:lnSpc>
+                          <a:spcPct val="115000"/>
+                        </a:lnSpc>
+                        <a:spcAft>
+                          <a:spcPts val="0"/>
+                        </a:spcAft>
+                      </a:pPr>
+                      <a:r>
+                        <a:rPr lang="en-GB" sz="2000" dirty="0">
+                          <a:solidFill>
+                            <a:schemeClr val="bg1"/>
+                          </a:solidFill>
+                          <a:latin typeface="Calibri"/>
+                          <a:ea typeface="Calibri"/>
+                          <a:cs typeface="Times New Roman"/>
+                        </a:rPr>
+                        <a:t>P1 / P2 Miss</a:t>
+                      </a:r>
+                      <a:endParaRPr lang="en-US" sz="2000" dirty="0">
+                        <a:solidFill>
+                          <a:schemeClr val="bg1"/>
+                        </a:solidFill>
+                        <a:latin typeface="Calibri"/>
+                        <a:ea typeface="Calibri"/>
+                        <a:cs typeface="Times New Roman"/>
+                      </a:endParaRPr>
+                    </a:p>
+                  </a:txBody>
+                  <a:tcPr marL="68580" marR="68580" marT="0" marB="0">
+                    <a:lnL w="12700" cap="flat" cmpd="sng" algn="ctr">
+                      <a:solidFill>
+                        <a:schemeClr val="bg1"/>
+                      </a:solidFill>
+                      <a:prstDash val="solid"/>
+                      <a:round/>
+                      <a:headEnd type="none" w="med" len="med"/>
+                      <a:tailEnd type="none" w="med" len="med"/>
+                    </a:lnL>
+                    <a:lnR w="12700" cap="flat" cmpd="sng" algn="ctr">
+                      <a:solidFill>
+                        <a:schemeClr val="bg1"/>
+                      </a:solidFill>
+                      <a:prstDash val="solid"/>
+                      <a:round/>
+                      <a:headEnd type="none" w="med" len="med"/>
+                      <a:tailEnd type="none" w="med" len="med"/>
+                    </a:lnR>
+                    <a:lnT w="12700" cap="flat" cmpd="sng" algn="ctr">
+                      <a:solidFill>
+                        <a:schemeClr val="bg1"/>
+                      </a:solidFill>
+                      <a:prstDash val="solid"/>
+                      <a:round/>
+                      <a:headEnd type="none" w="med" len="med"/>
+                      <a:tailEnd type="none" w="med" len="med"/>
+                    </a:lnT>
+                    <a:lnB w="12700" cap="flat" cmpd="sng" algn="ctr">
+                      <a:solidFill>
+                        <a:schemeClr val="bg1"/>
+                      </a:solidFill>
+                      <a:prstDash val="solid"/>
+                      <a:round/>
+                      <a:headEnd type="none" w="med" len="med"/>
+                      <a:tailEnd type="none" w="med" len="med"/>
+                    </a:lnB>
+                  </a:tcPr>
+                </a:tc>
+                <a:tc>
+                  <a:txBody>
+                    <a:bodyPr/>
+                    <a:lstStyle/>
+                    <a:p>
+                      <a:pPr marL="457200" algn="l">
+                        <a:lnSpc>
+                          <a:spcPct val="115000"/>
+                        </a:lnSpc>
+                        <a:spcAft>
+                          <a:spcPts val="0"/>
+                        </a:spcAft>
+                      </a:pPr>
+                      <a:r>
+                        <a:rPr lang="en-GB" sz="2000" dirty="0">
+                          <a:solidFill>
+                            <a:schemeClr val="bg1"/>
+                          </a:solidFill>
+                          <a:latin typeface="Calibri"/>
+                          <a:ea typeface="Calibri"/>
+                          <a:cs typeface="Times New Roman"/>
+                        </a:rPr>
+                        <a:t>P1 / P2</a:t>
+                      </a:r>
+                      <a:r>
+                        <a:rPr lang="en-GB" sz="2000" baseline="0" dirty="0">
+                          <a:solidFill>
+                            <a:schemeClr val="bg1"/>
+                          </a:solidFill>
+                          <a:latin typeface="Calibri"/>
+                          <a:ea typeface="Calibri"/>
+                          <a:cs typeface="Times New Roman"/>
+                        </a:rPr>
+                        <a:t> Serve</a:t>
+                      </a:r>
+                      <a:endParaRPr lang="en-US" sz="2000" dirty="0">
+                        <a:solidFill>
+                          <a:schemeClr val="bg1"/>
+                        </a:solidFill>
+                        <a:latin typeface="Calibri"/>
+                        <a:ea typeface="Calibri"/>
+                        <a:cs typeface="Times New Roman"/>
+                      </a:endParaRPr>
+                    </a:p>
+                  </a:txBody>
+                  <a:tcPr marL="68580" marR="68580" marT="0" marB="0">
+                    <a:lnL w="12700" cap="flat" cmpd="sng" algn="ctr">
+                      <a:solidFill>
+                        <a:schemeClr val="bg1"/>
+                      </a:solidFill>
+                      <a:prstDash val="solid"/>
+                      <a:round/>
+                      <a:headEnd type="none" w="med" len="med"/>
+                      <a:tailEnd type="none" w="med" len="med"/>
+                    </a:lnL>
+                    <a:lnR w="12700" cap="flat" cmpd="sng" algn="ctr">
+                      <a:solidFill>
+                        <a:schemeClr val="bg1"/>
+                      </a:solidFill>
+                      <a:prstDash val="solid"/>
+                      <a:round/>
+                      <a:headEnd type="none" w="med" len="med"/>
+                      <a:tailEnd type="none" w="med" len="med"/>
+                    </a:lnR>
+                    <a:lnT w="12700" cap="flat" cmpd="sng" algn="ctr">
+                      <a:solidFill>
+                        <a:schemeClr val="bg1"/>
+                      </a:solidFill>
+                      <a:prstDash val="solid"/>
+                      <a:round/>
+                      <a:headEnd type="none" w="med" len="med"/>
+                      <a:tailEnd type="none" w="med" len="med"/>
+                    </a:lnT>
+                    <a:lnB w="12700" cap="flat" cmpd="sng" algn="ctr">
+                      <a:solidFill>
+                        <a:schemeClr val="bg1"/>
+                      </a:solidFill>
+                      <a:prstDash val="solid"/>
+                      <a:round/>
+                      <a:headEnd type="none" w="med" len="med"/>
+                      <a:tailEnd type="none" w="med" len="med"/>
+                    </a:lnB>
+                  </a:tcPr>
+                </a:tc>
+                <a:tc>
+                  <a:txBody>
+                    <a:bodyPr/>
+                    <a:lstStyle/>
+                    <a:p>
+                      <a:pPr marL="457200" algn="l">
+                        <a:lnSpc>
+                          <a:spcPct val="115000"/>
+                        </a:lnSpc>
+                        <a:spcAft>
+                          <a:spcPts val="0"/>
+                        </a:spcAft>
+                      </a:pPr>
+                      <a:r>
+                        <a:rPr lang="en-GB" sz="2000" dirty="0">
+                          <a:solidFill>
+                            <a:schemeClr val="bg1"/>
+                          </a:solidFill>
+                          <a:latin typeface="Calibri"/>
+                          <a:ea typeface="Calibri"/>
+                          <a:cs typeface="Times New Roman"/>
+                        </a:rPr>
+                        <a:t>Player misses ball, server back to player</a:t>
+                      </a:r>
+                      <a:endParaRPr lang="en-US" sz="2000" dirty="0">
+                        <a:solidFill>
+                          <a:schemeClr val="bg1"/>
+                        </a:solidFill>
+                        <a:latin typeface="Calibri"/>
+                        <a:ea typeface="Calibri"/>
+                        <a:cs typeface="Times New Roman"/>
+                      </a:endParaRPr>
+                    </a:p>
+                  </a:txBody>
+                  <a:tcPr marL="68580" marR="68580" marT="0" marB="0">
+                    <a:lnL w="12700" cap="flat" cmpd="sng" algn="ctr">
+                      <a:solidFill>
+                        <a:schemeClr val="bg1"/>
+                      </a:solidFill>
+                      <a:prstDash val="solid"/>
+                      <a:round/>
+                      <a:headEnd type="none" w="med" len="med"/>
+                      <a:tailEnd type="none" w="med" len="med"/>
+                    </a:lnL>
+                    <a:lnR w="12700" cap="flat" cmpd="sng" algn="ctr">
+                      <a:solidFill>
+                        <a:schemeClr val="bg1"/>
+                      </a:solidFill>
+                      <a:prstDash val="solid"/>
+                      <a:round/>
+                      <a:headEnd type="none" w="med" len="med"/>
+                      <a:tailEnd type="none" w="med" len="med"/>
+                    </a:lnR>
+                    <a:lnT w="12700" cap="flat" cmpd="sng" algn="ctr">
+                      <a:solidFill>
+                        <a:schemeClr val="bg1"/>
+                      </a:solidFill>
+                      <a:prstDash val="solid"/>
+                      <a:round/>
+                      <a:headEnd type="none" w="med" len="med"/>
+                      <a:tailEnd type="none" w="med" len="med"/>
+                    </a:lnT>
+                    <a:lnB w="12700" cap="flat" cmpd="sng" algn="ctr">
+                      <a:solidFill>
+                        <a:schemeClr val="bg1"/>
+                      </a:solidFill>
+                      <a:prstDash val="solid"/>
+                      <a:round/>
+                      <a:headEnd type="none" w="med" len="med"/>
+                      <a:tailEnd type="none" w="med" len="med"/>
+                    </a:lnB>
+                  </a:tcPr>
+                </a:tc>
+                <a:extLst>
+                  <a:ext uri="{0D108BD9-81ED-4DB2-BD59-A6C34878D82A}">
+                    <a16:rowId xmlns:a16="http://schemas.microsoft.com/office/drawing/2014/main" val="10004"/>
+                  </a:ext>
+                </a:extLst>
+              </a:tr>
+            </a:tbl>
+          </a:graphicData>
+        </a:graphic>
+      </p:graphicFrame>
+    </p:spTree>
+    <p:extLst>
+      <p:ext uri="{BB962C8B-B14F-4D97-AF65-F5344CB8AC3E}">
+        <p14:creationId xmlns:p14="http://schemas.microsoft.com/office/powerpoint/2010/main" val="2321736498"/>
+      </p:ext>
+    </p:extLst>
+  </p:cSld>
+  <p:clrMapOvr>
+    <a:masterClrMapping/>
+  </p:clrMapOvr>
+</p:sld>
+</file>
+
+<file path=ppt/slides/slide18.xml><?xml version="1.0" encoding="utf-8"?>
+<p:sld xmlns:a="http://schemas.openxmlformats.org/drawingml/2006/main" xmlns:r="http://schemas.openxmlformats.org/officeDocument/2006/relationships" xmlns:p="http://schemas.openxmlformats.org/presentationml/2006/main">
+  <p:cSld>
+    <p:spTree>
+      <p:nvGrpSpPr>
+        <p:cNvPr id="1" name=""/>
+        <p:cNvGrpSpPr/>
+        <p:nvPr/>
+      </p:nvGrpSpPr>
+      <p:grpSpPr>
+        <a:xfrm>
+          <a:off x="0" y="0"/>
+          <a:ext cx="0" cy="0"/>
+          <a:chOff x="0" y="0"/>
+          <a:chExt cx="0" cy="0"/>
+        </a:xfrm>
+      </p:grpSpPr>
+      <p:sp>
+        <p:nvSpPr>
+          <p:cNvPr id="3" name="Content Placeholder 2"/>
+          <p:cNvSpPr>
+            <a:spLocks noGrp="1"/>
+          </p:cNvSpPr>
+          <p:nvPr>
+            <p:ph idx="1"/>
+          </p:nvPr>
+        </p:nvSpPr>
+        <p:spPr/>
+        <p:txBody>
+          <a:bodyPr>
+            <a:normAutofit/>
+          </a:bodyPr>
+          <a:lstStyle/>
+          <a:p>
+            <a:r>
+              <a:rPr lang="en-GB" dirty="0" err="1"/>
+              <a:t>Booch</a:t>
+            </a:r>
+            <a:r>
+              <a:rPr lang="en-GB" dirty="0"/>
+              <a:t> OO Development method</a:t>
+            </a:r>
+          </a:p>
+          <a:p>
+            <a:r>
+              <a:rPr lang="en-GB" dirty="0"/>
+              <a:t>Pong dynamic behaviour</a:t>
+            </a:r>
+          </a:p>
+          <a:p>
+            <a:pPr lvl="1"/>
+            <a:r>
+              <a:rPr lang="en-GB" dirty="0">
+                <a:solidFill>
+                  <a:srgbClr val="FF0000"/>
+                </a:solidFill>
+                <a:highlight>
+                  <a:srgbClr val="FFFF00"/>
+                </a:highlight>
+              </a:rPr>
+              <a:t>State diagram</a:t>
+            </a:r>
+          </a:p>
+          <a:p>
+            <a:pPr lvl="1"/>
+            <a:r>
+              <a:rPr lang="en-GB" dirty="0">
+                <a:solidFill>
+                  <a:srgbClr val="FF0000"/>
+                </a:solidFill>
+                <a:highlight>
+                  <a:srgbClr val="FFFF00"/>
+                </a:highlight>
+              </a:rPr>
+              <a:t>demo</a:t>
+            </a:r>
+          </a:p>
+        </p:txBody>
+      </p:sp>
+    </p:spTree>
+    <p:extLst>
+      <p:ext uri="{BB962C8B-B14F-4D97-AF65-F5344CB8AC3E}">
+        <p14:creationId xmlns:p14="http://schemas.microsoft.com/office/powerpoint/2010/main" val="383043761"/>
+      </p:ext>
+    </p:extLst>
+  </p:cSld>
+  <p:clrMapOvr>
+    <a:masterClrMapping/>
+  </p:clrMapOvr>
+</p:sld>
+</file>
+
+<file path=ppt/slides/slide19.xml><?xml version="1.0" encoding="utf-8"?>
+<p:sld xmlns:a="http://schemas.openxmlformats.org/drawingml/2006/main" xmlns:r="http://schemas.openxmlformats.org/officeDocument/2006/relationships" xmlns:p="http://schemas.openxmlformats.org/presentationml/2006/main">
+  <p:cSld>
+    <p:spTree>
+      <p:nvGrpSpPr>
+        <p:cNvPr id="1" name=""/>
+        <p:cNvGrpSpPr/>
+        <p:nvPr/>
+      </p:nvGrpSpPr>
+      <p:grpSpPr>
+        <a:xfrm>
+          <a:off x="0" y="0"/>
+          <a:ext cx="0" cy="0"/>
+          <a:chOff x="0" y="0"/>
+          <a:chExt cx="0" cy="0"/>
+        </a:xfrm>
+      </p:grpSpPr>
+      <p:sp>
+        <p:nvSpPr>
+          <p:cNvPr id="3" name="Content Placeholder 2"/>
+          <p:cNvSpPr>
+            <a:spLocks noGrp="1"/>
+          </p:cNvSpPr>
+          <p:nvPr>
+            <p:ph idx="1"/>
+          </p:nvPr>
+        </p:nvSpPr>
+        <p:spPr/>
+        <p:txBody>
+          <a:bodyPr>
+            <a:normAutofit/>
+          </a:bodyPr>
+          <a:lstStyle/>
+          <a:p>
+            <a:r>
+              <a:rPr lang="en-GB" dirty="0">
+                <a:solidFill>
+                  <a:srgbClr val="FF0000"/>
+                </a:solidFill>
+                <a:highlight>
+                  <a:srgbClr val="FFFF00"/>
+                </a:highlight>
+              </a:rPr>
+              <a:t>Breakout design &amp; student development activity</a:t>
+            </a:r>
+          </a:p>
+        </p:txBody>
+      </p:sp>
+    </p:spTree>
+    <p:extLst>
+      <p:ext uri="{BB962C8B-B14F-4D97-AF65-F5344CB8AC3E}">
+        <p14:creationId xmlns:p14="http://schemas.microsoft.com/office/powerpoint/2010/main" val="3508954708"/>
+      </p:ext>
+    </p:extLst>
+  </p:cSld>
+  <p:clrMapOvr>
+    <a:masterClrMapping/>
+  </p:clrMapOvr>
+</p:sld>
+</file>
+
 <file path=ppt/slides/slide2.xml><?xml version="1.0" encoding="utf-8"?>
 <p:sld xmlns:a="http://schemas.openxmlformats.org/drawingml/2006/main" xmlns:r="http://schemas.openxmlformats.org/officeDocument/2006/relationships" xmlns:p="http://schemas.openxmlformats.org/presentationml/2006/main">
   <p:cSld>
@@ -4507,8 +11057,36 @@
           <a:lstStyle/>
           <a:p>
             <a:r>
+              <a:rPr lang="en-GB" dirty="0">
+                <a:solidFill>
+                  <a:srgbClr val="FF0000"/>
+                </a:solidFill>
+                <a:highlight>
+                  <a:srgbClr val="FFFF00"/>
+                </a:highlight>
+              </a:rPr>
+              <a:t>Texture page use in SDL</a:t>
+            </a:r>
+          </a:p>
+          <a:p>
+            <a:pPr lvl="1"/>
+            <a:r>
               <a:rPr lang="en-GB" dirty="0"/>
-              <a:t>Texture page use in SDL</a:t>
+              <a:t>On mac air</a:t>
+            </a:r>
+          </a:p>
+          <a:p>
+            <a:pPr lvl="2"/>
+            <a:r>
+              <a:rPr lang="en-GB" dirty="0"/>
+              <a:t>Fundamental for displaying naff 8-bit text for debug &amp; in-game</a:t>
+            </a:r>
+          </a:p>
+          <a:p>
+            <a:pPr lvl="2"/>
+            <a:r>
+              <a:rPr lang="en-GB" dirty="0"/>
+              <a:t>Also for working with texture pages (atlases)</a:t>
             </a:r>
           </a:p>
           <a:p>
@@ -4521,6 +11099,130 @@
           </a:p>
         </p:txBody>
       </p:sp>
+      <p:pic>
+        <p:nvPicPr>
+          <p:cNvPr id="4" name="Picture 3">
+            <a:extLst>
+              <a:ext uri="{FF2B5EF4-FFF2-40B4-BE49-F238E27FC236}">
+                <a16:creationId xmlns:a16="http://schemas.microsoft.com/office/drawing/2014/main" id="{FB870ECE-7713-1741-B729-9EEE272881EA}"/>
+              </a:ext>
+            </a:extLst>
+          </p:cNvPr>
+          <p:cNvPicPr>
+            <a:picLocks noChangeAspect="1"/>
+          </p:cNvPicPr>
+          <p:nvPr/>
+        </p:nvPicPr>
+        <p:blipFill>
+          <a:blip r:embed="rId2"/>
+          <a:stretch>
+            <a:fillRect/>
+          </a:stretch>
+        </p:blipFill>
+        <p:spPr>
+          <a:xfrm>
+            <a:off x="611560" y="3140968"/>
+            <a:ext cx="3185510" cy="1800200"/>
+          </a:xfrm>
+          <a:prstGeom prst="rect">
+            <a:avLst/>
+          </a:prstGeom>
+          <a:solidFill>
+            <a:schemeClr val="bg1">
+              <a:lumMod val="65000"/>
+            </a:schemeClr>
+          </a:solidFill>
+        </p:spPr>
+      </p:pic>
+      <p:pic>
+        <p:nvPicPr>
+          <p:cNvPr id="5" name="Picture 4">
+            <a:extLst>
+              <a:ext uri="{FF2B5EF4-FFF2-40B4-BE49-F238E27FC236}">
+                <a16:creationId xmlns:a16="http://schemas.microsoft.com/office/drawing/2014/main" id="{569D95E0-0D2D-3B4C-9295-BEFABE12E142}"/>
+              </a:ext>
+            </a:extLst>
+          </p:cNvPr>
+          <p:cNvPicPr>
+            <a:picLocks noChangeAspect="1"/>
+          </p:cNvPicPr>
+          <p:nvPr/>
+        </p:nvPicPr>
+        <p:blipFill>
+          <a:blip r:embed="rId3"/>
+          <a:stretch>
+            <a:fillRect/>
+          </a:stretch>
+        </p:blipFill>
+        <p:spPr>
+          <a:xfrm>
+            <a:off x="4927898" y="3185637"/>
+            <a:ext cx="3632944" cy="2448288"/>
+          </a:xfrm>
+          <a:prstGeom prst="rect">
+            <a:avLst/>
+          </a:prstGeom>
+        </p:spPr>
+      </p:pic>
+      <p:pic>
+        <p:nvPicPr>
+          <p:cNvPr id="6" name="Picture 5">
+            <a:extLst>
+              <a:ext uri="{FF2B5EF4-FFF2-40B4-BE49-F238E27FC236}">
+                <a16:creationId xmlns:a16="http://schemas.microsoft.com/office/drawing/2014/main" id="{30964F22-E03C-9949-9A4E-AC9D5913894B}"/>
+              </a:ext>
+            </a:extLst>
+          </p:cNvPr>
+          <p:cNvPicPr>
+            <a:picLocks noChangeAspect="1"/>
+          </p:cNvPicPr>
+          <p:nvPr/>
+        </p:nvPicPr>
+        <p:blipFill>
+          <a:blip r:embed="rId4"/>
+          <a:stretch>
+            <a:fillRect/>
+          </a:stretch>
+        </p:blipFill>
+        <p:spPr>
+          <a:xfrm>
+            <a:off x="7380312" y="4302968"/>
+            <a:ext cx="1625600" cy="2438400"/>
+          </a:xfrm>
+          <a:prstGeom prst="rect">
+            <a:avLst/>
+          </a:prstGeom>
+        </p:spPr>
+      </p:pic>
+      <p:pic>
+        <p:nvPicPr>
+          <p:cNvPr id="7" name="Picture 6">
+            <a:extLst>
+              <a:ext uri="{FF2B5EF4-FFF2-40B4-BE49-F238E27FC236}">
+                <a16:creationId xmlns:a16="http://schemas.microsoft.com/office/drawing/2014/main" id="{DFAAEF5F-320D-7A4C-B388-15C91FBC2255}"/>
+              </a:ext>
+            </a:extLst>
+          </p:cNvPr>
+          <p:cNvPicPr>
+            <a:picLocks noChangeAspect="1"/>
+          </p:cNvPicPr>
+          <p:nvPr/>
+        </p:nvPicPr>
+        <p:blipFill rotWithShape="1">
+          <a:blip r:embed="rId5"/>
+          <a:srcRect l="66676"/>
+          <a:stretch/>
+        </p:blipFill>
+        <p:spPr>
+          <a:xfrm>
+            <a:off x="3096320" y="5057800"/>
+            <a:ext cx="1644872" cy="1800200"/>
+          </a:xfrm>
+          <a:prstGeom prst="rect">
+            <a:avLst/>
+          </a:prstGeom>
+        </p:spPr>
+      </p:pic>
     </p:spTree>
     <p:extLst>
       <p:ext uri="{BB962C8B-B14F-4D97-AF65-F5344CB8AC3E}">
@@ -4574,6 +11276,144 @@
           <a:lstStyle/>
           <a:p>
             <a:r>
+              <a:rPr lang="en-GB" dirty="0">
+                <a:solidFill>
+                  <a:srgbClr val="FF0000"/>
+                </a:solidFill>
+                <a:highlight>
+                  <a:srgbClr val="FFFF00"/>
+                </a:highlight>
+              </a:rPr>
+              <a:t>Balls!</a:t>
+            </a:r>
+          </a:p>
+          <a:p>
+            <a:pPr lvl="1"/>
+            <a:r>
+              <a:rPr lang="en-GB" dirty="0">
+                <a:solidFill>
+                  <a:srgbClr val="FF0000"/>
+                </a:solidFill>
+                <a:highlight>
+                  <a:srgbClr val="FFFF00"/>
+                </a:highlight>
+              </a:rPr>
+              <a:t>arrays</a:t>
+            </a:r>
+          </a:p>
+          <a:p>
+            <a:pPr lvl="1"/>
+            <a:r>
+              <a:rPr lang="en-GB" dirty="0" err="1">
+                <a:solidFill>
+                  <a:srgbClr val="FF0000"/>
+                </a:solidFill>
+                <a:highlight>
+                  <a:srgbClr val="FFFF00"/>
+                </a:highlight>
+              </a:rPr>
+              <a:t>stl</a:t>
+            </a:r>
+            <a:r>
+              <a:rPr lang="en-GB" dirty="0">
+                <a:solidFill>
+                  <a:srgbClr val="FF0000"/>
+                </a:solidFill>
+                <a:highlight>
+                  <a:srgbClr val="FFFF00"/>
+                </a:highlight>
+              </a:rPr>
+              <a:t>::vector</a:t>
+            </a:r>
+          </a:p>
+          <a:p>
+            <a:pPr lvl="1"/>
+            <a:r>
+              <a:rPr lang="en-GB" dirty="0" err="1">
+                <a:solidFill>
+                  <a:srgbClr val="FF0000"/>
+                </a:solidFill>
+                <a:highlight>
+                  <a:srgbClr val="FFFF00"/>
+                </a:highlight>
+              </a:rPr>
+              <a:t>stl</a:t>
+            </a:r>
+            <a:r>
+              <a:rPr lang="en-GB" dirty="0">
+                <a:solidFill>
+                  <a:srgbClr val="FF0000"/>
+                </a:solidFill>
+                <a:highlight>
+                  <a:srgbClr val="FFFF00"/>
+                </a:highlight>
+              </a:rPr>
+              <a:t>::list</a:t>
+            </a:r>
+          </a:p>
+          <a:p>
+            <a:pPr lvl="1"/>
+            <a:endParaRPr lang="en-GB" dirty="0"/>
+          </a:p>
+          <a:p>
+            <a:pPr lvl="1"/>
+            <a:endParaRPr lang="en-GB" dirty="0"/>
+          </a:p>
+        </p:txBody>
+      </p:sp>
+    </p:spTree>
+    <p:extLst>
+      <p:ext uri="{BB962C8B-B14F-4D97-AF65-F5344CB8AC3E}">
+        <p14:creationId xmlns:p14="http://schemas.microsoft.com/office/powerpoint/2010/main" val="2932477799"/>
+      </p:ext>
+    </p:extLst>
+  </p:cSld>
+  <p:clrMapOvr>
+    <a:masterClrMapping/>
+  </p:clrMapOvr>
+</p:sld>
+</file>
+
+<file path=ppt/slides/slide7.xml><?xml version="1.0" encoding="utf-8"?>
+<p:sld xmlns:a="http://schemas.openxmlformats.org/drawingml/2006/main" xmlns:r="http://schemas.openxmlformats.org/officeDocument/2006/relationships" xmlns:p="http://schemas.openxmlformats.org/presentationml/2006/main">
+  <p:cSld>
+    <p:spTree>
+      <p:nvGrpSpPr>
+        <p:cNvPr id="1" name=""/>
+        <p:cNvGrpSpPr/>
+        <p:nvPr/>
+      </p:nvGrpSpPr>
+      <p:grpSpPr>
+        <a:xfrm>
+          <a:off x="0" y="0"/>
+          <a:ext cx="0" cy="0"/>
+          <a:chOff x="0" y="0"/>
+          <a:chExt cx="0" cy="0"/>
+        </a:xfrm>
+      </p:grpSpPr>
+      <p:sp>
+        <p:nvSpPr>
+          <p:cNvPr id="3" name="Content Placeholder 2"/>
+          <p:cNvSpPr>
+            <a:spLocks noGrp="1"/>
+          </p:cNvSpPr>
+          <p:nvPr>
+            <p:ph idx="1"/>
+          </p:nvPr>
+        </p:nvSpPr>
+        <p:spPr>
+          <a:xfrm>
+            <a:off x="457200" y="548680"/>
+            <a:ext cx="8229600" cy="6192688"/>
+          </a:xfrm>
+        </p:spPr>
+        <p:txBody>
+          <a:bodyPr>
+            <a:normAutofit/>
+          </a:bodyPr>
+          <a:lstStyle/>
+          <a:p>
+            <a:r>
               <a:rPr lang="en-GB" dirty="0"/>
               <a:t>Object Oriented Analysis, Design &amp; Programming</a:t>
             </a:r>
@@ -4589,13 +11429,26 @@
             <a:pPr lvl="1"/>
             <a:r>
               <a:rPr lang="en-GB" dirty="0"/>
-              <a:t>Very useful for discussion development practice </a:t>
-            </a:r>
-            <a:r>
-              <a:rPr lang="en-GB"/>
-              <a:t>in interviews ;)</a:t>
-            </a:r>
+              <a:t>Very useful for discussion development practice in interviews ;)</a:t>
+            </a:r>
+          </a:p>
+          <a:p>
+            <a:pPr lvl="1"/>
             <a:endParaRPr lang="en-GB" dirty="0"/>
+          </a:p>
+          <a:p>
+            <a:pPr lvl="1"/>
+            <a:r>
+              <a:rPr lang="en-GB" dirty="0"/>
+              <a:t>Do Pong</a:t>
+            </a:r>
+          </a:p>
+          <a:p>
+            <a:pPr lvl="1"/>
+            <a:r>
+              <a:rPr lang="en-GB" dirty="0"/>
+              <a:t>Leave them with breakout</a:t>
+            </a:r>
           </a:p>
           <a:p>
             <a:pPr lvl="1"/>
@@ -4611,6 +11464,199 @@
     <p:extLst>
       <p:ext uri="{BB962C8B-B14F-4D97-AF65-F5344CB8AC3E}">
         <p14:creationId xmlns:p14="http://schemas.microsoft.com/office/powerpoint/2010/main" val="3937992917"/>
+      </p:ext>
+    </p:extLst>
+  </p:cSld>
+  <p:clrMapOvr>
+    <a:masterClrMapping/>
+  </p:clrMapOvr>
+</p:sld>
+</file>
+
+<file path=ppt/slides/slide8.xml><?xml version="1.0" encoding="utf-8"?>
+<p:sld xmlns:a="http://schemas.openxmlformats.org/drawingml/2006/main" xmlns:r="http://schemas.openxmlformats.org/officeDocument/2006/relationships" xmlns:p="http://schemas.openxmlformats.org/presentationml/2006/main">
+  <p:cSld>
+    <p:spTree>
+      <p:nvGrpSpPr>
+        <p:cNvPr id="1" name=""/>
+        <p:cNvGrpSpPr/>
+        <p:nvPr/>
+      </p:nvGrpSpPr>
+      <p:grpSpPr>
+        <a:xfrm>
+          <a:off x="0" y="0"/>
+          <a:ext cx="0" cy="0"/>
+          <a:chOff x="0" y="0"/>
+          <a:chExt cx="0" cy="0"/>
+        </a:xfrm>
+      </p:grpSpPr>
+      <p:sp>
+        <p:nvSpPr>
+          <p:cNvPr id="3" name="Content Placeholder 2"/>
+          <p:cNvSpPr>
+            <a:spLocks noGrp="1"/>
+          </p:cNvSpPr>
+          <p:nvPr>
+            <p:ph idx="1"/>
+          </p:nvPr>
+        </p:nvSpPr>
+        <p:spPr>
+          <a:xfrm>
+            <a:off x="457200" y="548680"/>
+            <a:ext cx="8229600" cy="6048673"/>
+          </a:xfrm>
+        </p:spPr>
+        <p:txBody>
+          <a:bodyPr>
+            <a:normAutofit/>
+          </a:bodyPr>
+          <a:lstStyle/>
+          <a:p>
+            <a:r>
+              <a:rPr lang="en-GB" dirty="0" err="1"/>
+              <a:t>Booch</a:t>
+            </a:r>
+            <a:r>
+              <a:rPr lang="en-GB" dirty="0"/>
+              <a:t> OO Development method</a:t>
+            </a:r>
+          </a:p>
+        </p:txBody>
+      </p:sp>
+    </p:spTree>
+    <p:extLst>
+      <p:ext uri="{BB962C8B-B14F-4D97-AF65-F5344CB8AC3E}">
+        <p14:creationId xmlns:p14="http://schemas.microsoft.com/office/powerpoint/2010/main" val="3061785643"/>
+      </p:ext>
+    </p:extLst>
+  </p:cSld>
+  <p:clrMapOvr>
+    <a:masterClrMapping/>
+  </p:clrMapOvr>
+</p:sld>
+</file>
+
+<file path=ppt/slides/slide9.xml><?xml version="1.0" encoding="utf-8"?>
+<p:sld xmlns:a="http://schemas.openxmlformats.org/drawingml/2006/main" xmlns:r="http://schemas.openxmlformats.org/officeDocument/2006/relationships" xmlns:p="http://schemas.openxmlformats.org/presentationml/2006/main">
+  <p:cSld>
+    <p:spTree>
+      <p:nvGrpSpPr>
+        <p:cNvPr id="1" name=""/>
+        <p:cNvGrpSpPr/>
+        <p:nvPr/>
+      </p:nvGrpSpPr>
+      <p:grpSpPr>
+        <a:xfrm>
+          <a:off x="0" y="0"/>
+          <a:ext cx="0" cy="0"/>
+          <a:chOff x="0" y="0"/>
+          <a:chExt cx="0" cy="0"/>
+        </a:xfrm>
+      </p:grpSpPr>
+      <p:sp>
+        <p:nvSpPr>
+          <p:cNvPr id="3" name="Content Placeholder 2"/>
+          <p:cNvSpPr>
+            <a:spLocks noGrp="1"/>
+          </p:cNvSpPr>
+          <p:nvPr>
+            <p:ph idx="1"/>
+          </p:nvPr>
+        </p:nvSpPr>
+        <p:spPr>
+          <a:xfrm>
+            <a:off x="457200" y="548680"/>
+            <a:ext cx="8229600" cy="2346921"/>
+          </a:xfrm>
+        </p:spPr>
+        <p:txBody>
+          <a:bodyPr>
+            <a:normAutofit fontScale="92500" lnSpcReduction="10000"/>
+          </a:bodyPr>
+          <a:lstStyle/>
+          <a:p>
+            <a:r>
+              <a:rPr lang="en-GB" dirty="0" err="1"/>
+              <a:t>Booch</a:t>
+            </a:r>
+            <a:r>
+              <a:rPr lang="en-GB" dirty="0"/>
+              <a:t> OO Development method</a:t>
+            </a:r>
+          </a:p>
+          <a:p>
+            <a:pPr lvl="1"/>
+            <a:r>
+              <a:rPr lang="en-GB" dirty="0"/>
+              <a:t>Pong (1972)</a:t>
+            </a:r>
+          </a:p>
+          <a:p>
+            <a:pPr lvl="2"/>
+            <a:r>
+              <a:rPr lang="en-GB" dirty="0"/>
+              <a:t>First successful arcade game, launched Atari to become the dominant player of the 1</a:t>
+            </a:r>
+            <a:r>
+              <a:rPr lang="en-GB" baseline="30000" dirty="0"/>
+              <a:t>st</a:t>
+            </a:r>
+            <a:r>
+              <a:rPr lang="en-GB" dirty="0"/>
+              <a:t> &amp; 2</a:t>
+            </a:r>
+            <a:r>
+              <a:rPr lang="en-GB" baseline="30000" dirty="0"/>
+              <a:t>nd</a:t>
+            </a:r>
+            <a:r>
+              <a:rPr lang="en-GB" dirty="0"/>
+              <a:t> computer consoles generations</a:t>
+            </a:r>
+          </a:p>
+          <a:p>
+            <a:pPr lvl="2"/>
+            <a:r>
+              <a:rPr lang="en-GB" dirty="0"/>
+              <a:t>Cause of first games lawsuit</a:t>
+            </a:r>
+          </a:p>
+        </p:txBody>
+      </p:sp>
+      <p:pic>
+        <p:nvPicPr>
+          <p:cNvPr id="5" name="Picture 4"/>
+          <p:cNvPicPr/>
+          <p:nvPr/>
+        </p:nvPicPr>
+        <p:blipFill>
+          <a:blip r:embed="rId2" cstate="print"/>
+          <a:srcRect/>
+          <a:stretch>
+            <a:fillRect/>
+          </a:stretch>
+        </p:blipFill>
+        <p:spPr bwMode="auto">
+          <a:xfrm>
+            <a:off x="1905000" y="2819400"/>
+            <a:ext cx="5562600" cy="3733800"/>
+          </a:xfrm>
+          <a:prstGeom prst="rect">
+            <a:avLst/>
+          </a:prstGeom>
+          <a:noFill/>
+          <a:ln w="9525">
+            <a:noFill/>
+            <a:miter lim="800000"/>
+            <a:headEnd/>
+            <a:tailEnd/>
+          </a:ln>
+        </p:spPr>
+      </p:pic>
+    </p:spTree>
+    <p:extLst>
+      <p:ext uri="{BB962C8B-B14F-4D97-AF65-F5344CB8AC3E}">
+        <p14:creationId xmlns:p14="http://schemas.microsoft.com/office/powerpoint/2010/main" val="387664114"/>
       </p:ext>
     </p:extLst>
   </p:cSld>

--- a/GAM340/05/programming/2019-20-GAM340-05-programming-workshop.pptx
+++ b/GAM340/05/programming/2019-20-GAM340-05-programming-workshop.pptx
@@ -5,19 +5,19 @@
     <p:sldMasterId id="2147483648" r:id="rId1"/>
   </p:sldMasterIdLst>
   <p:notesMasterIdLst>
-    <p:notesMasterId r:id="rId21"/>
+    <p:notesMasterId r:id="rId22"/>
   </p:notesMasterIdLst>
   <p:handoutMasterIdLst>
-    <p:handoutMasterId r:id="rId22"/>
+    <p:handoutMasterId r:id="rId23"/>
   </p:handoutMasterIdLst>
   <p:sldIdLst>
     <p:sldId id="257" r:id="rId2"/>
     <p:sldId id="422" r:id="rId3"/>
     <p:sldId id="423" r:id="rId4"/>
     <p:sldId id="424" r:id="rId5"/>
-    <p:sldId id="425" r:id="rId6"/>
-    <p:sldId id="427" r:id="rId7"/>
-    <p:sldId id="426" r:id="rId8"/>
+    <p:sldId id="427" r:id="rId6"/>
+    <p:sldId id="425" r:id="rId7"/>
+    <p:sldId id="805" r:id="rId8"/>
     <p:sldId id="662" r:id="rId9"/>
     <p:sldId id="664" r:id="rId10"/>
     <p:sldId id="665" r:id="rId11"/>
@@ -26,10 +26,11 @@
     <p:sldId id="802" r:id="rId14"/>
     <p:sldId id="687" r:id="rId15"/>
     <p:sldId id="803" r:id="rId16"/>
-    <p:sldId id="670" r:id="rId17"/>
-    <p:sldId id="672" r:id="rId18"/>
-    <p:sldId id="684" r:id="rId19"/>
-    <p:sldId id="804" r:id="rId20"/>
+    <p:sldId id="806" r:id="rId17"/>
+    <p:sldId id="670" r:id="rId18"/>
+    <p:sldId id="672" r:id="rId19"/>
+    <p:sldId id="807" r:id="rId20"/>
+    <p:sldId id="804" r:id="rId21"/>
   </p:sldIdLst>
   <p:sldSz cx="9144000" cy="6858000" type="screen4x3"/>
   <p:notesSz cx="7315200" cy="9601200"/>
@@ -252,7 +253,7 @@
             <a:fld id="{134C908B-E4CF-4B88-8994-49C91B4DAC10}" type="datetimeFigureOut">
               <a:rPr lang="en-US" smtClean="0"/>
               <a:pPr/>
-              <a:t>10/15/19</a:t>
+              <a:t>10/16/19</a:t>
             </a:fld>
             <a:endParaRPr lang="en-US"/>
           </a:p>
@@ -414,7 +415,7 @@
             <a:fld id="{FCD4ED34-E2A7-4A73-B53B-08CB721EE63F}" type="datetimeFigureOut">
               <a:rPr lang="en-US" smtClean="0"/>
               <a:pPr/>
-              <a:t>10/15/19</a:t>
+              <a:t>10/16/19</a:t>
             </a:fld>
             <a:endParaRPr lang="en-GB"/>
           </a:p>
@@ -877,7 +878,7 @@
             <a:fld id="{24C0EDFE-3590-4448-BF7B-7FB41E82085F}" type="datetimeFigureOut">
               <a:rPr lang="en-US" smtClean="0"/>
               <a:pPr/>
-              <a:t>10/15/19</a:t>
+              <a:t>10/16/19</a:t>
             </a:fld>
             <a:endParaRPr lang="en-US" dirty="0"/>
           </a:p>
@@ -1066,7 +1067,7 @@
             <a:fld id="{24C0EDFE-3590-4448-BF7B-7FB41E82085F}" type="datetimeFigureOut">
               <a:rPr lang="en-US" smtClean="0"/>
               <a:pPr/>
-              <a:t>10/15/19</a:t>
+              <a:t>10/16/19</a:t>
             </a:fld>
             <a:endParaRPr lang="en-US" dirty="0"/>
           </a:p>
@@ -1244,7 +1245,7 @@
             <a:fld id="{24C0EDFE-3590-4448-BF7B-7FB41E82085F}" type="datetimeFigureOut">
               <a:rPr lang="en-US" smtClean="0"/>
               <a:pPr/>
-              <a:t>10/15/19</a:t>
+              <a:t>10/16/19</a:t>
             </a:fld>
             <a:endParaRPr lang="en-US" dirty="0"/>
           </a:p>
@@ -1493,7 +1494,7 @@
             <a:fld id="{24C0EDFE-3590-4448-BF7B-7FB41E82085F}" type="datetimeFigureOut">
               <a:rPr lang="en-US" smtClean="0"/>
               <a:pPr/>
-              <a:t>10/15/19</a:t>
+              <a:t>10/16/19</a:t>
             </a:fld>
             <a:endParaRPr lang="en-US" dirty="0"/>
           </a:p>
@@ -1815,7 +1816,7 @@
             <a:fld id="{24C0EDFE-3590-4448-BF7B-7FB41E82085F}" type="datetimeFigureOut">
               <a:rPr lang="en-US" smtClean="0"/>
               <a:pPr/>
-              <a:t>10/15/19</a:t>
+              <a:t>10/16/19</a:t>
             </a:fld>
             <a:endParaRPr lang="en-US" dirty="0"/>
           </a:p>
@@ -2121,7 +2122,7 @@
             <a:fld id="{24C0EDFE-3590-4448-BF7B-7FB41E82085F}" type="datetimeFigureOut">
               <a:rPr lang="en-US" smtClean="0"/>
               <a:pPr/>
-              <a:t>10/15/19</a:t>
+              <a:t>10/16/19</a:t>
             </a:fld>
             <a:endParaRPr lang="en-US" dirty="0"/>
           </a:p>
@@ -2545,7 +2546,7 @@
             <a:fld id="{24C0EDFE-3590-4448-BF7B-7FB41E82085F}" type="datetimeFigureOut">
               <a:rPr lang="en-US" smtClean="0"/>
               <a:pPr/>
-              <a:t>10/15/19</a:t>
+              <a:t>10/16/19</a:t>
             </a:fld>
             <a:endParaRPr lang="en-US" dirty="0"/>
           </a:p>
@@ -2667,7 +2668,7 @@
             <a:fld id="{24C0EDFE-3590-4448-BF7B-7FB41E82085F}" type="datetimeFigureOut">
               <a:rPr lang="en-US" smtClean="0"/>
               <a:pPr/>
-              <a:t>10/15/19</a:t>
+              <a:t>10/16/19</a:t>
             </a:fld>
             <a:endParaRPr lang="en-US" dirty="0"/>
           </a:p>
@@ -2759,7 +2760,7 @@
             <a:fld id="{24C0EDFE-3590-4448-BF7B-7FB41E82085F}" type="datetimeFigureOut">
               <a:rPr lang="en-US" smtClean="0"/>
               <a:pPr/>
-              <a:t>10/15/19</a:t>
+              <a:t>10/16/19</a:t>
             </a:fld>
             <a:endParaRPr lang="en-US" dirty="0"/>
           </a:p>
@@ -3034,7 +3035,7 @@
             <a:fld id="{24C0EDFE-3590-4448-BF7B-7FB41E82085F}" type="datetimeFigureOut">
               <a:rPr lang="en-US" smtClean="0"/>
               <a:pPr/>
-              <a:t>10/15/19</a:t>
+              <a:t>10/16/19</a:t>
             </a:fld>
             <a:endParaRPr lang="en-US" dirty="0"/>
           </a:p>
@@ -3286,7 +3287,7 @@
             <a:fld id="{24C0EDFE-3590-4448-BF7B-7FB41E82085F}" type="datetimeFigureOut">
               <a:rPr lang="en-US" smtClean="0"/>
               <a:pPr/>
-              <a:t>10/15/19</a:t>
+              <a:t>10/16/19</a:t>
             </a:fld>
             <a:endParaRPr lang="en-US" dirty="0"/>
           </a:p>
@@ -3463,7 +3464,7 @@
             <a:fld id="{24C0EDFE-3590-4448-BF7B-7FB41E82085F}" type="datetimeFigureOut">
               <a:rPr lang="en-US" smtClean="0"/>
               <a:pPr/>
-              <a:t>10/15/19</a:t>
+              <a:t>10/16/19</a:t>
             </a:fld>
             <a:endParaRPr lang="en-US" dirty="0"/>
           </a:p>
@@ -9131,25 +9132,6 @@
       </p:grpSpPr>
       <p:sp>
         <p:nvSpPr>
-          <p:cNvPr id="5" name="Title 4"/>
-          <p:cNvSpPr>
-            <a:spLocks noGrp="1"/>
-          </p:cNvSpPr>
-          <p:nvPr>
-            <p:ph type="title"/>
-          </p:nvPr>
-        </p:nvSpPr>
-        <p:spPr/>
-        <p:txBody>
-          <a:bodyPr/>
-          <a:lstStyle/>
-          <a:p>
-            <a:endParaRPr lang="en-US"/>
-          </a:p>
-        </p:txBody>
-      </p:sp>
-      <p:sp>
-        <p:nvSpPr>
           <p:cNvPr id="3" name="Content Placeholder 2"/>
           <p:cNvSpPr>
             <a:spLocks noGrp="1"/>
@@ -9171,50 +9153,15 @@
           <a:lstStyle/>
           <a:p>
             <a:r>
-              <a:rPr lang="en-GB" dirty="0" err="1"/>
-              <a:t>Booch</a:t>
-            </a:r>
-            <a:r>
               <a:rPr lang="en-GB" dirty="0"/>
-              <a:t> OO Development method</a:t>
-            </a:r>
-          </a:p>
-          <a:p>
+              <a:t>01. simple pong</a:t>
+            </a:r>
+          </a:p>
+          <a:p>
+            <a:pPr lvl="1"/>
             <a:r>
               <a:rPr lang="en-GB" dirty="0"/>
-              <a:t>Pong dynamic behaviour</a:t>
-            </a:r>
-          </a:p>
-          <a:p>
-            <a:pPr lvl="1"/>
-            <a:r>
-              <a:rPr lang="en-GB" dirty="0"/>
-              <a:t>Pong isn’t just about classes and objects, what happens when they interact?</a:t>
-            </a:r>
-          </a:p>
-          <a:p>
-            <a:pPr lvl="1"/>
-            <a:endParaRPr lang="en-GB" dirty="0"/>
-          </a:p>
-          <a:p>
-            <a:pPr lvl="1"/>
-            <a:r>
-              <a:rPr lang="en-GB" dirty="0"/>
-              <a:t>What states are in the game and how does the game go from one state to another (transition)</a:t>
-            </a:r>
-          </a:p>
-          <a:p>
-            <a:pPr lvl="2"/>
-            <a:r>
-              <a:rPr lang="en-GB" dirty="0"/>
-              <a:t>This is kind of implicit with the design document</a:t>
-            </a:r>
-          </a:p>
-          <a:p>
-            <a:pPr lvl="2"/>
-            <a:r>
-              <a:rPr lang="en-GB" dirty="0"/>
-              <a:t>As implementers, it’s our job to dig into this to create straw man systems that can be refined</a:t>
+              <a:t>Simple working pong game within SDL framework</a:t>
             </a:r>
           </a:p>
           <a:p>
@@ -9266,6 +9213,170 @@
     </p:spTree>
     <p:extLst>
       <p:ext uri="{BB962C8B-B14F-4D97-AF65-F5344CB8AC3E}">
+        <p14:creationId xmlns:p14="http://schemas.microsoft.com/office/powerpoint/2010/main" val="3587645356"/>
+      </p:ext>
+    </p:extLst>
+  </p:cSld>
+  <p:clrMapOvr>
+    <a:masterClrMapping/>
+  </p:clrMapOvr>
+</p:sld>
+</file>
+
+<file path=ppt/slides/slide17.xml><?xml version="1.0" encoding="utf-8"?>
+<p:sld xmlns:a="http://schemas.openxmlformats.org/drawingml/2006/main" xmlns:r="http://schemas.openxmlformats.org/officeDocument/2006/relationships" xmlns:p="http://schemas.openxmlformats.org/presentationml/2006/main">
+  <p:cSld>
+    <p:spTree>
+      <p:nvGrpSpPr>
+        <p:cNvPr id="1" name=""/>
+        <p:cNvGrpSpPr/>
+        <p:nvPr/>
+      </p:nvGrpSpPr>
+      <p:grpSpPr>
+        <a:xfrm>
+          <a:off x="0" y="0"/>
+          <a:ext cx="0" cy="0"/>
+          <a:chOff x="0" y="0"/>
+          <a:chExt cx="0" cy="0"/>
+        </a:xfrm>
+      </p:grpSpPr>
+      <p:sp>
+        <p:nvSpPr>
+          <p:cNvPr id="5" name="Title 4"/>
+          <p:cNvSpPr>
+            <a:spLocks noGrp="1"/>
+          </p:cNvSpPr>
+          <p:nvPr>
+            <p:ph type="title"/>
+          </p:nvPr>
+        </p:nvSpPr>
+        <p:spPr/>
+        <p:txBody>
+          <a:bodyPr/>
+          <a:lstStyle/>
+          <a:p>
+            <a:endParaRPr lang="en-US"/>
+          </a:p>
+        </p:txBody>
+      </p:sp>
+      <p:sp>
+        <p:nvSpPr>
+          <p:cNvPr id="3" name="Content Placeholder 2"/>
+          <p:cNvSpPr>
+            <a:spLocks noGrp="1"/>
+          </p:cNvSpPr>
+          <p:nvPr>
+            <p:ph idx="1"/>
+          </p:nvPr>
+        </p:nvSpPr>
+        <p:spPr>
+          <a:xfrm>
+            <a:off x="457200" y="548680"/>
+            <a:ext cx="8229600" cy="6192688"/>
+          </a:xfrm>
+        </p:spPr>
+        <p:txBody>
+          <a:bodyPr>
+            <a:normAutofit/>
+          </a:bodyPr>
+          <a:lstStyle/>
+          <a:p>
+            <a:r>
+              <a:rPr lang="en-GB" dirty="0" err="1"/>
+              <a:t>Booch</a:t>
+            </a:r>
+            <a:r>
+              <a:rPr lang="en-GB" dirty="0"/>
+              <a:t> OO Development method</a:t>
+            </a:r>
+          </a:p>
+          <a:p>
+            <a:r>
+              <a:rPr lang="en-GB" dirty="0"/>
+              <a:t>Pong dynamic behaviour</a:t>
+            </a:r>
+          </a:p>
+          <a:p>
+            <a:pPr lvl="1"/>
+            <a:r>
+              <a:rPr lang="en-GB" dirty="0"/>
+              <a:t>Pong isn’t just about classes and objects, what happens when they interact?</a:t>
+            </a:r>
+          </a:p>
+          <a:p>
+            <a:pPr lvl="1"/>
+            <a:endParaRPr lang="en-GB" dirty="0"/>
+          </a:p>
+          <a:p>
+            <a:pPr lvl="1"/>
+            <a:r>
+              <a:rPr lang="en-GB" dirty="0"/>
+              <a:t>What states are in the game and how does the game go from one state to another (transition)</a:t>
+            </a:r>
+          </a:p>
+          <a:p>
+            <a:pPr lvl="2"/>
+            <a:r>
+              <a:rPr lang="en-GB" dirty="0"/>
+              <a:t>This is kind of implicit with the design document</a:t>
+            </a:r>
+          </a:p>
+          <a:p>
+            <a:pPr lvl="2"/>
+            <a:r>
+              <a:rPr lang="en-GB" dirty="0"/>
+              <a:t>As implementers, it’s our job to dig into this to create straw man systems that can be refined</a:t>
+            </a:r>
+          </a:p>
+          <a:p>
+            <a:pPr lvl="1">
+              <a:buNone/>
+            </a:pPr>
+            <a:endParaRPr lang="en-GB" dirty="0"/>
+          </a:p>
+        </p:txBody>
+      </p:sp>
+      <p:sp>
+        <p:nvSpPr>
+          <p:cNvPr id="129026" name="Rectangle 2"/>
+          <p:cNvSpPr>
+            <a:spLocks noChangeArrowheads="1"/>
+          </p:cNvSpPr>
+          <p:nvPr/>
+        </p:nvSpPr>
+        <p:spPr bwMode="auto">
+          <a:xfrm>
+            <a:off x="0" y="0"/>
+            <a:ext cx="9144000" cy="0"/>
+          </a:xfrm>
+          <a:prstGeom prst="rect">
+            <a:avLst/>
+          </a:prstGeom>
+          <a:noFill/>
+          <a:ln w="9525">
+            <a:noFill/>
+            <a:miter lim="800000"/>
+            <a:headEnd/>
+            <a:tailEnd/>
+          </a:ln>
+          <a:effectLst/>
+        </p:spPr>
+        <p:txBody>
+          <a:bodyPr vert="horz" wrap="none" lIns="91440" tIns="45720" rIns="91440" bIns="45720" numCol="1" anchor="ctr" anchorCtr="0" compatLnSpc="1">
+            <a:prstTxWarp prst="textNoShape">
+              <a:avLst/>
+            </a:prstTxWarp>
+            <a:spAutoFit/>
+          </a:bodyPr>
+          <a:lstStyle/>
+          <a:p>
+            <a:endParaRPr lang="en-US"/>
+          </a:p>
+        </p:txBody>
+      </p:sp>
+    </p:spTree>
+    <p:extLst>
+      <p:ext uri="{BB962C8B-B14F-4D97-AF65-F5344CB8AC3E}">
         <p14:creationId xmlns:p14="http://schemas.microsoft.com/office/powerpoint/2010/main" val="2563552316"/>
       </p:ext>
     </p:extLst>
@@ -9276,7 +9387,7 @@
 </p:sld>
 </file>
 
-<file path=ppt/slides/slide17.xml><?xml version="1.0" encoding="utf-8"?>
+<file path=ppt/slides/slide18.xml><?xml version="1.0" encoding="utf-8"?>
 <p:sld xmlns:a="http://schemas.openxmlformats.org/drawingml/2006/main" xmlns:r="http://schemas.openxmlformats.org/officeDocument/2006/relationships" xmlns:p="http://schemas.openxmlformats.org/presentationml/2006/main">
   <p:cSld>
     <p:spTree>
@@ -10579,98 +10690,6 @@
 </p:sld>
 </file>
 
-<file path=ppt/slides/slide18.xml><?xml version="1.0" encoding="utf-8"?>
-<p:sld xmlns:a="http://schemas.openxmlformats.org/drawingml/2006/main" xmlns:r="http://schemas.openxmlformats.org/officeDocument/2006/relationships" xmlns:p="http://schemas.openxmlformats.org/presentationml/2006/main">
-  <p:cSld>
-    <p:spTree>
-      <p:nvGrpSpPr>
-        <p:cNvPr id="1" name=""/>
-        <p:cNvGrpSpPr/>
-        <p:nvPr/>
-      </p:nvGrpSpPr>
-      <p:grpSpPr>
-        <a:xfrm>
-          <a:off x="0" y="0"/>
-          <a:ext cx="0" cy="0"/>
-          <a:chOff x="0" y="0"/>
-          <a:chExt cx="0" cy="0"/>
-        </a:xfrm>
-      </p:grpSpPr>
-      <p:sp>
-        <p:nvSpPr>
-          <p:cNvPr id="3" name="Content Placeholder 2"/>
-          <p:cNvSpPr>
-            <a:spLocks noGrp="1"/>
-          </p:cNvSpPr>
-          <p:nvPr>
-            <p:ph idx="1"/>
-          </p:nvPr>
-        </p:nvSpPr>
-        <p:spPr/>
-        <p:txBody>
-          <a:bodyPr>
-            <a:normAutofit/>
-          </a:bodyPr>
-          <a:lstStyle/>
-          <a:p>
-            <a:r>
-              <a:rPr lang="en-GB" dirty="0" err="1"/>
-              <a:t>Booch</a:t>
-            </a:r>
-            <a:r>
-              <a:rPr lang="en-GB" dirty="0"/>
-              <a:t> OO Development method</a:t>
-            </a:r>
-          </a:p>
-          <a:p>
-            <a:r>
-              <a:rPr lang="en-GB" dirty="0"/>
-              <a:t>Pong dynamic behaviour</a:t>
-            </a:r>
-          </a:p>
-          <a:p>
-            <a:pPr lvl="1"/>
-            <a:r>
-              <a:rPr lang="en-GB" dirty="0">
-                <a:solidFill>
-                  <a:srgbClr val="FF0000"/>
-                </a:solidFill>
-                <a:highlight>
-                  <a:srgbClr val="FFFF00"/>
-                </a:highlight>
-              </a:rPr>
-              <a:t>State diagram</a:t>
-            </a:r>
-          </a:p>
-          <a:p>
-            <a:pPr lvl="1"/>
-            <a:r>
-              <a:rPr lang="en-GB" dirty="0">
-                <a:solidFill>
-                  <a:srgbClr val="FF0000"/>
-                </a:solidFill>
-                <a:highlight>
-                  <a:srgbClr val="FFFF00"/>
-                </a:highlight>
-              </a:rPr>
-              <a:t>demo</a:t>
-            </a:r>
-          </a:p>
-        </p:txBody>
-      </p:sp>
-    </p:spTree>
-    <p:extLst>
-      <p:ext uri="{BB962C8B-B14F-4D97-AF65-F5344CB8AC3E}">
-        <p14:creationId xmlns:p14="http://schemas.microsoft.com/office/powerpoint/2010/main" val="383043761"/>
-      </p:ext>
-    </p:extLst>
-  </p:cSld>
-  <p:clrMapOvr>
-    <a:masterClrMapping/>
-  </p:clrMapOvr>
-</p:sld>
-</file>
-
 <file path=ppt/slides/slide19.xml><?xml version="1.0" encoding="utf-8"?>
 <p:sld xmlns:a="http://schemas.openxmlformats.org/drawingml/2006/main" xmlns:r="http://schemas.openxmlformats.org/officeDocument/2006/relationships" xmlns:p="http://schemas.openxmlformats.org/presentationml/2006/main">
   <p:cSld>
@@ -10698,7 +10717,12 @@
             <p:ph idx="1"/>
           </p:nvPr>
         </p:nvSpPr>
-        <p:spPr/>
+        <p:spPr>
+          <a:xfrm>
+            <a:off x="457200" y="548680"/>
+            <a:ext cx="8229600" cy="6048668"/>
+          </a:xfrm>
+        </p:spPr>
         <p:txBody>
           <a:bodyPr>
             <a:normAutofit/>
@@ -10706,23 +10730,103 @@
           <a:lstStyle/>
           <a:p>
             <a:r>
-              <a:rPr lang="en-GB" dirty="0">
-                <a:solidFill>
-                  <a:srgbClr val="FF0000"/>
-                </a:solidFill>
-                <a:highlight>
-                  <a:srgbClr val="FFFF00"/>
-                </a:highlight>
-              </a:rPr>
-              <a:t>Breakout design &amp; student development activity</a:t>
-            </a:r>
+              <a:rPr lang="en-GB" dirty="0" err="1"/>
+              <a:t>Booch</a:t>
+            </a:r>
+            <a:r>
+              <a:rPr lang="en-GB" dirty="0"/>
+              <a:t> OO Development method</a:t>
+            </a:r>
+          </a:p>
+          <a:p>
+            <a:r>
+              <a:rPr lang="en-GB" dirty="0"/>
+              <a:t>Pong dynamic behaviour</a:t>
+            </a:r>
+          </a:p>
+          <a:p>
+            <a:pPr lvl="1"/>
+            <a:r>
+              <a:rPr lang="en-GB" dirty="0"/>
+              <a:t>Pong state machine engine</a:t>
+            </a:r>
+          </a:p>
+          <a:p>
+            <a:pPr lvl="2"/>
+            <a:r>
+              <a:rPr lang="en-GB" dirty="0"/>
+              <a:t>Create pong as a set of game states</a:t>
+            </a:r>
+          </a:p>
+          <a:p>
+            <a:pPr lvl="2"/>
+            <a:r>
+              <a:rPr lang="en-GB" dirty="0"/>
+              <a:t>Work out a way to store them</a:t>
+            </a:r>
+          </a:p>
+          <a:p>
+            <a:pPr lvl="2"/>
+            <a:r>
+              <a:rPr lang="en-GB" dirty="0"/>
+              <a:t>And transition </a:t>
+            </a:r>
+            <a:r>
+              <a:rPr lang="en-GB"/>
+              <a:t>between them</a:t>
+            </a:r>
+            <a:endParaRPr lang="en-GB" dirty="0"/>
+          </a:p>
+          <a:p>
+            <a:pPr lvl="1">
+              <a:buNone/>
+            </a:pPr>
+            <a:endParaRPr lang="en-GB" dirty="0"/>
+          </a:p>
+        </p:txBody>
+      </p:sp>
+      <p:sp>
+        <p:nvSpPr>
+          <p:cNvPr id="129026" name="Rectangle 2"/>
+          <p:cNvSpPr>
+            <a:spLocks noChangeArrowheads="1"/>
+          </p:cNvSpPr>
+          <p:nvPr/>
+        </p:nvSpPr>
+        <p:spPr bwMode="auto">
+          <a:xfrm>
+            <a:off x="0" y="0"/>
+            <a:ext cx="9144000" cy="0"/>
+          </a:xfrm>
+          <a:prstGeom prst="rect">
+            <a:avLst/>
+          </a:prstGeom>
+          <a:noFill/>
+          <a:ln w="9525">
+            <a:noFill/>
+            <a:miter lim="800000"/>
+            <a:headEnd/>
+            <a:tailEnd/>
+          </a:ln>
+          <a:effectLst/>
+        </p:spPr>
+        <p:txBody>
+          <a:bodyPr vert="horz" wrap="none" lIns="91440" tIns="45720" rIns="91440" bIns="45720" numCol="1" anchor="ctr" anchorCtr="0" compatLnSpc="1">
+            <a:prstTxWarp prst="textNoShape">
+              <a:avLst/>
+            </a:prstTxWarp>
+            <a:spAutoFit/>
+          </a:bodyPr>
+          <a:lstStyle/>
+          <a:p>
+            <a:endParaRPr lang="en-US"/>
           </a:p>
         </p:txBody>
       </p:sp>
     </p:spTree>
     <p:extLst>
       <p:ext uri="{BB962C8B-B14F-4D97-AF65-F5344CB8AC3E}">
-        <p14:creationId xmlns:p14="http://schemas.microsoft.com/office/powerpoint/2010/main" val="3508954708"/>
+        <p14:creationId xmlns:p14="http://schemas.microsoft.com/office/powerpoint/2010/main" val="715520208"/>
       </p:ext>
     </p:extLst>
   </p:cSld>
@@ -10808,6 +10912,65 @@
     <p:extLst>
       <p:ext uri="{BB962C8B-B14F-4D97-AF65-F5344CB8AC3E}">
         <p14:creationId xmlns:p14="http://schemas.microsoft.com/office/powerpoint/2010/main" val="3851362813"/>
+      </p:ext>
+    </p:extLst>
+  </p:cSld>
+  <p:clrMapOvr>
+    <a:masterClrMapping/>
+  </p:clrMapOvr>
+</p:sld>
+</file>
+
+<file path=ppt/slides/slide20.xml><?xml version="1.0" encoding="utf-8"?>
+<p:sld xmlns:a="http://schemas.openxmlformats.org/drawingml/2006/main" xmlns:r="http://schemas.openxmlformats.org/officeDocument/2006/relationships" xmlns:p="http://schemas.openxmlformats.org/presentationml/2006/main">
+  <p:cSld>
+    <p:spTree>
+      <p:nvGrpSpPr>
+        <p:cNvPr id="1" name=""/>
+        <p:cNvGrpSpPr/>
+        <p:nvPr/>
+      </p:nvGrpSpPr>
+      <p:grpSpPr>
+        <a:xfrm>
+          <a:off x="0" y="0"/>
+          <a:ext cx="0" cy="0"/>
+          <a:chOff x="0" y="0"/>
+          <a:chExt cx="0" cy="0"/>
+        </a:xfrm>
+      </p:grpSpPr>
+      <p:sp>
+        <p:nvSpPr>
+          <p:cNvPr id="3" name="Content Placeholder 2"/>
+          <p:cNvSpPr>
+            <a:spLocks noGrp="1"/>
+          </p:cNvSpPr>
+          <p:nvPr>
+            <p:ph idx="1"/>
+          </p:nvPr>
+        </p:nvSpPr>
+        <p:spPr>
+          <a:xfrm>
+            <a:off x="457200" y="548680"/>
+            <a:ext cx="8229600" cy="5976664"/>
+          </a:xfrm>
+        </p:spPr>
+        <p:txBody>
+          <a:bodyPr>
+            <a:normAutofit/>
+          </a:bodyPr>
+          <a:lstStyle/>
+          <a:p>
+            <a:r>
+              <a:rPr lang="en-GB" dirty="0"/>
+              <a:t>Breakout Game</a:t>
+            </a:r>
+          </a:p>
+        </p:txBody>
+      </p:sp>
+    </p:spTree>
+    <p:extLst>
+      <p:ext uri="{BB962C8B-B14F-4D97-AF65-F5344CB8AC3E}">
+        <p14:creationId xmlns:p14="http://schemas.microsoft.com/office/powerpoint/2010/main" val="3508954708"/>
       </p:ext>
     </p:extLst>
   </p:cSld>
@@ -11057,22 +11220,99 @@
           <a:lstStyle/>
           <a:p>
             <a:r>
-              <a:rPr lang="en-GB" dirty="0">
-                <a:solidFill>
-                  <a:srgbClr val="FF0000"/>
-                </a:solidFill>
-                <a:highlight>
-                  <a:srgbClr val="FFFF00"/>
-                </a:highlight>
-              </a:rPr>
+              <a:rPr lang="en-GB" dirty="0"/>
+              <a:t>00. Balls!</a:t>
+            </a:r>
+          </a:p>
+          <a:p>
+            <a:pPr lvl="1"/>
+            <a:r>
+              <a:rPr lang="en-GB" dirty="0"/>
+              <a:t>Work out how to:</a:t>
+            </a:r>
+          </a:p>
+          <a:p>
+            <a:pPr lvl="2"/>
+            <a:r>
+              <a:rPr lang="en-GB" dirty="0"/>
+              <a:t>Store some balls</a:t>
+            </a:r>
+          </a:p>
+          <a:p>
+            <a:pPr lvl="2"/>
+            <a:r>
+              <a:rPr lang="en-GB" dirty="0"/>
+              <a:t>Update them so they bounce in the screen</a:t>
+            </a:r>
+          </a:p>
+          <a:p>
+            <a:pPr lvl="2"/>
+            <a:r>
+              <a:rPr lang="en-GB" dirty="0"/>
+              <a:t>Use the keyboard controller to add and remove balls on demand</a:t>
+            </a:r>
+          </a:p>
+          <a:p>
+            <a:pPr lvl="1"/>
+            <a:endParaRPr lang="en-GB" dirty="0"/>
+          </a:p>
+        </p:txBody>
+      </p:sp>
+    </p:spTree>
+    <p:extLst>
+      <p:ext uri="{BB962C8B-B14F-4D97-AF65-F5344CB8AC3E}">
+        <p14:creationId xmlns:p14="http://schemas.microsoft.com/office/powerpoint/2010/main" val="2932477799"/>
+      </p:ext>
+    </p:extLst>
+  </p:cSld>
+  <p:clrMapOvr>
+    <a:masterClrMapping/>
+  </p:clrMapOvr>
+</p:sld>
+</file>
+
+<file path=ppt/slides/slide6.xml><?xml version="1.0" encoding="utf-8"?>
+<p:sld xmlns:a="http://schemas.openxmlformats.org/drawingml/2006/main" xmlns:r="http://schemas.openxmlformats.org/officeDocument/2006/relationships" xmlns:p="http://schemas.openxmlformats.org/presentationml/2006/main">
+  <p:cSld>
+    <p:spTree>
+      <p:nvGrpSpPr>
+        <p:cNvPr id="1" name=""/>
+        <p:cNvGrpSpPr/>
+        <p:nvPr/>
+      </p:nvGrpSpPr>
+      <p:grpSpPr>
+        <a:xfrm>
+          <a:off x="0" y="0"/>
+          <a:ext cx="0" cy="0"/>
+          <a:chOff x="0" y="0"/>
+          <a:chExt cx="0" cy="0"/>
+        </a:xfrm>
+      </p:grpSpPr>
+      <p:sp>
+        <p:nvSpPr>
+          <p:cNvPr id="3" name="Content Placeholder 2"/>
+          <p:cNvSpPr>
+            <a:spLocks noGrp="1"/>
+          </p:cNvSpPr>
+          <p:nvPr>
+            <p:ph idx="1"/>
+          </p:nvPr>
+        </p:nvSpPr>
+        <p:spPr>
+          <a:xfrm>
+            <a:off x="457200" y="548680"/>
+            <a:ext cx="8229600" cy="6192688"/>
+          </a:xfrm>
+        </p:spPr>
+        <p:txBody>
+          <a:bodyPr>
+            <a:normAutofit/>
+          </a:bodyPr>
+          <a:lstStyle/>
+          <a:p>
+            <a:r>
+              <a:rPr lang="en-GB" dirty="0"/>
               <a:t>Texture page use in SDL</a:t>
-            </a:r>
-          </a:p>
-          <a:p>
-            <a:pPr lvl="1"/>
-            <a:r>
-              <a:rPr lang="en-GB" dirty="0"/>
-              <a:t>On mac air</a:t>
             </a:r>
           </a:p>
           <a:p>
@@ -11236,144 +11476,6 @@
 </p:sld>
 </file>
 
-<file path=ppt/slides/slide6.xml><?xml version="1.0" encoding="utf-8"?>
-<p:sld xmlns:a="http://schemas.openxmlformats.org/drawingml/2006/main" xmlns:r="http://schemas.openxmlformats.org/officeDocument/2006/relationships" xmlns:p="http://schemas.openxmlformats.org/presentationml/2006/main">
-  <p:cSld>
-    <p:spTree>
-      <p:nvGrpSpPr>
-        <p:cNvPr id="1" name=""/>
-        <p:cNvGrpSpPr/>
-        <p:nvPr/>
-      </p:nvGrpSpPr>
-      <p:grpSpPr>
-        <a:xfrm>
-          <a:off x="0" y="0"/>
-          <a:ext cx="0" cy="0"/>
-          <a:chOff x="0" y="0"/>
-          <a:chExt cx="0" cy="0"/>
-        </a:xfrm>
-      </p:grpSpPr>
-      <p:sp>
-        <p:nvSpPr>
-          <p:cNvPr id="3" name="Content Placeholder 2"/>
-          <p:cNvSpPr>
-            <a:spLocks noGrp="1"/>
-          </p:cNvSpPr>
-          <p:nvPr>
-            <p:ph idx="1"/>
-          </p:nvPr>
-        </p:nvSpPr>
-        <p:spPr>
-          <a:xfrm>
-            <a:off x="457200" y="548680"/>
-            <a:ext cx="8229600" cy="6192688"/>
-          </a:xfrm>
-        </p:spPr>
-        <p:txBody>
-          <a:bodyPr>
-            <a:normAutofit/>
-          </a:bodyPr>
-          <a:lstStyle/>
-          <a:p>
-            <a:r>
-              <a:rPr lang="en-GB" dirty="0">
-                <a:solidFill>
-                  <a:srgbClr val="FF0000"/>
-                </a:solidFill>
-                <a:highlight>
-                  <a:srgbClr val="FFFF00"/>
-                </a:highlight>
-              </a:rPr>
-              <a:t>Balls!</a:t>
-            </a:r>
-          </a:p>
-          <a:p>
-            <a:pPr lvl="1"/>
-            <a:r>
-              <a:rPr lang="en-GB" dirty="0">
-                <a:solidFill>
-                  <a:srgbClr val="FF0000"/>
-                </a:solidFill>
-                <a:highlight>
-                  <a:srgbClr val="FFFF00"/>
-                </a:highlight>
-              </a:rPr>
-              <a:t>arrays</a:t>
-            </a:r>
-          </a:p>
-          <a:p>
-            <a:pPr lvl="1"/>
-            <a:r>
-              <a:rPr lang="en-GB" dirty="0" err="1">
-                <a:solidFill>
-                  <a:srgbClr val="FF0000"/>
-                </a:solidFill>
-                <a:highlight>
-                  <a:srgbClr val="FFFF00"/>
-                </a:highlight>
-              </a:rPr>
-              <a:t>stl</a:t>
-            </a:r>
-            <a:r>
-              <a:rPr lang="en-GB" dirty="0">
-                <a:solidFill>
-                  <a:srgbClr val="FF0000"/>
-                </a:solidFill>
-                <a:highlight>
-                  <a:srgbClr val="FFFF00"/>
-                </a:highlight>
-              </a:rPr>
-              <a:t>::vector</a:t>
-            </a:r>
-          </a:p>
-          <a:p>
-            <a:pPr lvl="1"/>
-            <a:r>
-              <a:rPr lang="en-GB" dirty="0" err="1">
-                <a:solidFill>
-                  <a:srgbClr val="FF0000"/>
-                </a:solidFill>
-                <a:highlight>
-                  <a:srgbClr val="FFFF00"/>
-                </a:highlight>
-              </a:rPr>
-              <a:t>stl</a:t>
-            </a:r>
-            <a:r>
-              <a:rPr lang="en-GB" dirty="0">
-                <a:solidFill>
-                  <a:srgbClr val="FF0000"/>
-                </a:solidFill>
-                <a:highlight>
-                  <a:srgbClr val="FFFF00"/>
-                </a:highlight>
-              </a:rPr>
-              <a:t>::list</a:t>
-            </a:r>
-          </a:p>
-          <a:p>
-            <a:pPr lvl="1"/>
-            <a:endParaRPr lang="en-GB" dirty="0"/>
-          </a:p>
-          <a:p>
-            <a:pPr lvl="1"/>
-            <a:endParaRPr lang="en-GB" dirty="0"/>
-          </a:p>
-        </p:txBody>
-      </p:sp>
-    </p:spTree>
-    <p:extLst>
-      <p:ext uri="{BB962C8B-B14F-4D97-AF65-F5344CB8AC3E}">
-        <p14:creationId xmlns:p14="http://schemas.microsoft.com/office/powerpoint/2010/main" val="2932477799"/>
-      </p:ext>
-    </p:extLst>
-  </p:cSld>
-  <p:clrMapOvr>
-    <a:masterClrMapping/>
-  </p:clrMapOvr>
-</p:sld>
-</file>
-
 <file path=ppt/slides/slide7.xml><?xml version="1.0" encoding="utf-8"?>
 <p:sld xmlns:a="http://schemas.openxmlformats.org/drawingml/2006/main" xmlns:r="http://schemas.openxmlformats.org/officeDocument/2006/relationships" xmlns:p="http://schemas.openxmlformats.org/presentationml/2006/main">
   <p:cSld>
@@ -11415,39 +11517,49 @@
           <a:p>
             <a:r>
               <a:rPr lang="en-GB" dirty="0"/>
-              <a:t>Object Oriented Analysis, Design &amp; Programming</a:t>
+              <a:t>01.sdl_printfont</a:t>
             </a:r>
           </a:p>
           <a:p>
             <a:pPr lvl="1"/>
             <a:r>
               <a:rPr lang="en-GB" dirty="0"/>
-              <a:t>Useful for creating applications</a:t>
+              <a:t>Load a bmp font file</a:t>
             </a:r>
           </a:p>
           <a:p>
             <a:pPr lvl="1"/>
             <a:r>
               <a:rPr lang="en-GB" dirty="0"/>
-              <a:t>Very useful for discussion development practice in interviews ;)</a:t>
+              <a:t>Convert it to 32-bit </a:t>
+            </a:r>
+          </a:p>
+          <a:p>
+            <a:pPr lvl="2"/>
+            <a:r>
+              <a:rPr lang="en-GB" dirty="0"/>
+              <a:t>Alpha channel that can be alpha tested</a:t>
             </a:r>
           </a:p>
           <a:p>
             <a:pPr lvl="1"/>
-            <a:endParaRPr lang="en-GB" dirty="0"/>
+            <a:r>
+              <a:rPr lang="en-GB" dirty="0"/>
+              <a:t>Work out the relationship between characters in a string and their glyphs in the font texture</a:t>
+            </a:r>
           </a:p>
           <a:p>
             <a:pPr lvl="1"/>
             <a:r>
               <a:rPr lang="en-GB" dirty="0"/>
-              <a:t>Do Pong</a:t>
+              <a:t>Draw them in the correct place</a:t>
             </a:r>
           </a:p>
           <a:p>
             <a:pPr lvl="1"/>
             <a:r>
               <a:rPr lang="en-GB" dirty="0"/>
-              <a:t>Leave them with breakout</a:t>
+              <a:t>Use scaling to make things bigger</a:t>
             </a:r>
           </a:p>
           <a:p>
@@ -11463,7 +11575,7 @@
     </p:spTree>
     <p:extLst>
       <p:ext uri="{BB962C8B-B14F-4D97-AF65-F5344CB8AC3E}">
-        <p14:creationId xmlns:p14="http://schemas.microsoft.com/office/powerpoint/2010/main" val="3937992917"/>
+        <p14:creationId xmlns:p14="http://schemas.microsoft.com/office/powerpoint/2010/main" val="1785811096"/>
       </p:ext>
     </p:extLst>
   </p:cSld>

--- a/GAM340/05/programming/2019-20-GAM340-05-programming-workshop.pptx
+++ b/GAM340/05/programming/2019-20-GAM340-05-programming-workshop.pptx
@@ -29,7 +29,7 @@
     <p:sldId id="806" r:id="rId17"/>
     <p:sldId id="670" r:id="rId18"/>
     <p:sldId id="672" r:id="rId19"/>
-    <p:sldId id="807" r:id="rId20"/>
+    <p:sldId id="808" r:id="rId20"/>
     <p:sldId id="804" r:id="rId21"/>
   </p:sldIdLst>
   <p:sldSz cx="9144000" cy="6858000" type="screen4x3"/>
@@ -9488,32 +9488,38 @@
           <p:cNvGraphicFramePr>
             <a:graphicFrameLocks noGrp="1"/>
           </p:cNvGraphicFramePr>
-          <p:nvPr/>
+          <p:nvPr>
+            <p:extLst>
+              <p:ext uri="{D42A27DB-BD31-4B8C-83A1-F6EECF244321}">
+                <p14:modId xmlns:p14="http://schemas.microsoft.com/office/powerpoint/2010/main" val="1321153563"/>
+              </p:ext>
+            </p:extLst>
+          </p:nvPr>
         </p:nvGraphicFramePr>
         <p:xfrm>
-          <a:off x="685800" y="1844824"/>
-          <a:ext cx="7772400" cy="4378670"/>
+          <a:off x="228600" y="1772816"/>
+          <a:ext cx="8663880" cy="4942783"/>
         </p:xfrm>
         <a:graphic>
           <a:graphicData uri="http://schemas.openxmlformats.org/drawingml/2006/table">
             <a:tbl>
               <a:tblPr/>
               <a:tblGrid>
-                <a:gridCol w="2590800">
+                <a:gridCol w="2887960">
                   <a:extLst>
                     <a:ext uri="{9D8B030D-6E8A-4147-A177-3AD203B41FA5}">
                       <a16:colId xmlns:a16="http://schemas.microsoft.com/office/drawing/2014/main" val="20000"/>
                     </a:ext>
                   </a:extLst>
                 </a:gridCol>
-                <a:gridCol w="2590800">
+                <a:gridCol w="2887960">
                   <a:extLst>
                     <a:ext uri="{9D8B030D-6E8A-4147-A177-3AD203B41FA5}">
                       <a16:colId xmlns:a16="http://schemas.microsoft.com/office/drawing/2014/main" val="20001"/>
                     </a:ext>
                   </a:extLst>
                 </a:gridCol>
-                <a:gridCol w="2590800">
+                <a:gridCol w="2887960">
                   <a:extLst>
                     <a:ext uri="{9D8B030D-6E8A-4147-A177-3AD203B41FA5}">
                       <a16:colId xmlns:a16="http://schemas.microsoft.com/office/drawing/2014/main" val="20002"/>
@@ -9521,7 +9527,7 @@
                   </a:extLst>
                 </a:gridCol>
               </a:tblGrid>
-              <a:tr h="261257">
+              <a:tr h="300557">
                 <a:tc>
                   <a:txBody>
                     <a:bodyPr/>
@@ -9609,7 +9615,7 @@
                         </a:spcAft>
                       </a:pPr>
                       <a:r>
-                        <a:rPr lang="en-GB" sz="2000" b="1">
+                        <a:rPr lang="en-GB" sz="2000" b="1" dirty="0">
                           <a:solidFill>
                             <a:schemeClr val="bg1"/>
                           </a:solidFill>
@@ -9619,7 +9625,7 @@
                         </a:rPr>
                         <a:t>Transition</a:t>
                       </a:r>
-                      <a:endParaRPr lang="en-US" sz="2000">
+                      <a:endParaRPr lang="en-US" sz="2000" dirty="0">
                         <a:solidFill>
                           <a:schemeClr val="bg1"/>
                         </a:solidFill>
@@ -9682,7 +9688,7 @@
                         </a:spcAft>
                       </a:pPr>
                       <a:r>
-                        <a:rPr lang="en-GB" sz="2000" b="1">
+                        <a:rPr lang="en-GB" sz="2000" b="1" dirty="0">
                           <a:solidFill>
                             <a:schemeClr val="bg1"/>
                           </a:solidFill>
@@ -9692,7 +9698,7 @@
                         </a:rPr>
                         <a:t>Description</a:t>
                       </a:r>
-                      <a:endParaRPr lang="en-US" sz="2000">
+                      <a:endParaRPr lang="en-US" sz="2000" dirty="0">
                         <a:solidFill>
                           <a:schemeClr val="bg1"/>
                         </a:solidFill>
@@ -9747,7 +9753,209 @@
                   </a:ext>
                 </a:extLst>
               </a:tr>
-              <a:tr h="261257">
+              <a:tr h="939154">
+                <a:tc>
+                  <a:txBody>
+                    <a:bodyPr/>
+                    <a:lstStyle/>
+                    <a:p>
+                      <a:pPr marL="457200" algn="l">
+                        <a:lnSpc>
+                          <a:spcPct val="115000"/>
+                        </a:lnSpc>
+                        <a:spcAft>
+                          <a:spcPts val="0"/>
+                        </a:spcAft>
+                      </a:pPr>
+                      <a:r>
+                        <a:rPr lang="en-US" sz="2000" dirty="0">
+                          <a:solidFill>
+                            <a:schemeClr val="bg1"/>
+                          </a:solidFill>
+                          <a:latin typeface="Calibri"/>
+                          <a:ea typeface="Calibri"/>
+                          <a:cs typeface="Times New Roman"/>
+                        </a:rPr>
+                        <a:t>Attract</a:t>
+                      </a:r>
+                    </a:p>
+                  </a:txBody>
+                  <a:tcPr marL="68580" marR="68580" marT="0" marB="0">
+                    <a:lnL w="12700" cap="flat" cmpd="sng" algn="ctr">
+                      <a:solidFill>
+                        <a:schemeClr val="bg1"/>
+                      </a:solidFill>
+                      <a:prstDash val="solid"/>
+                      <a:round/>
+                      <a:headEnd type="none" w="med" len="med"/>
+                      <a:tailEnd type="none" w="med" len="med"/>
+                    </a:lnL>
+                    <a:lnR w="12700" cap="flat" cmpd="sng" algn="ctr">
+                      <a:solidFill>
+                        <a:schemeClr val="bg1"/>
+                      </a:solidFill>
+                      <a:prstDash val="solid"/>
+                      <a:round/>
+                      <a:headEnd type="none" w="med" len="med"/>
+                      <a:tailEnd type="none" w="med" len="med"/>
+                    </a:lnR>
+                    <a:lnT w="12700" cap="flat" cmpd="sng" algn="ctr">
+                      <a:solidFill>
+                        <a:schemeClr val="bg1"/>
+                      </a:solidFill>
+                      <a:prstDash val="solid"/>
+                      <a:round/>
+                      <a:headEnd type="none" w="med" len="med"/>
+                      <a:tailEnd type="none" w="med" len="med"/>
+                    </a:lnT>
+                    <a:lnB w="12700" cap="flat" cmpd="sng" algn="ctr">
+                      <a:solidFill>
+                        <a:schemeClr val="bg1"/>
+                      </a:solidFill>
+                      <a:prstDash val="solid"/>
+                      <a:round/>
+                      <a:headEnd type="none" w="med" len="med"/>
+                      <a:tailEnd type="none" w="med" len="med"/>
+                    </a:lnB>
+                  </a:tcPr>
+                </a:tc>
+                <a:tc>
+                  <a:txBody>
+                    <a:bodyPr/>
+                    <a:lstStyle/>
+                    <a:p>
+                      <a:pPr marL="457200" algn="l">
+                        <a:lnSpc>
+                          <a:spcPct val="115000"/>
+                        </a:lnSpc>
+                        <a:spcAft>
+                          <a:spcPts val="0"/>
+                        </a:spcAft>
+                      </a:pPr>
+                      <a:r>
+                        <a:rPr lang="en-US" sz="2000" dirty="0">
+                          <a:solidFill>
+                            <a:schemeClr val="bg1"/>
+                          </a:solidFill>
+                          <a:latin typeface="Calibri"/>
+                          <a:ea typeface="Calibri"/>
+                          <a:cs typeface="Times New Roman"/>
+                        </a:rPr>
+                        <a:t>Start</a:t>
+                      </a:r>
+                    </a:p>
+                  </a:txBody>
+                  <a:tcPr marL="68580" marR="68580" marT="0" marB="0">
+                    <a:lnL w="12700" cap="flat" cmpd="sng" algn="ctr">
+                      <a:solidFill>
+                        <a:schemeClr val="bg1"/>
+                      </a:solidFill>
+                      <a:prstDash val="solid"/>
+                      <a:round/>
+                      <a:headEnd type="none" w="med" len="med"/>
+                      <a:tailEnd type="none" w="med" len="med"/>
+                    </a:lnL>
+                    <a:lnR w="12700" cap="flat" cmpd="sng" algn="ctr">
+                      <a:solidFill>
+                        <a:schemeClr val="bg1"/>
+                      </a:solidFill>
+                      <a:prstDash val="solid"/>
+                      <a:round/>
+                      <a:headEnd type="none" w="med" len="med"/>
+                      <a:tailEnd type="none" w="med" len="med"/>
+                    </a:lnR>
+                    <a:lnT w="12700" cap="flat" cmpd="sng" algn="ctr">
+                      <a:solidFill>
+                        <a:schemeClr val="bg1"/>
+                      </a:solidFill>
+                      <a:prstDash val="solid"/>
+                      <a:round/>
+                      <a:headEnd type="none" w="med" len="med"/>
+                      <a:tailEnd type="none" w="med" len="med"/>
+                    </a:lnT>
+                    <a:lnB w="12700" cap="flat" cmpd="sng" algn="ctr">
+                      <a:solidFill>
+                        <a:schemeClr val="bg1"/>
+                      </a:solidFill>
+                      <a:prstDash val="solid"/>
+                      <a:round/>
+                      <a:headEnd type="none" w="med" len="med"/>
+                      <a:tailEnd type="none" w="med" len="med"/>
+                    </a:lnB>
+                  </a:tcPr>
+                </a:tc>
+                <a:tc>
+                  <a:txBody>
+                    <a:bodyPr/>
+                    <a:lstStyle/>
+                    <a:p>
+                      <a:pPr marL="457200" algn="l">
+                        <a:lnSpc>
+                          <a:spcPct val="115000"/>
+                        </a:lnSpc>
+                        <a:spcAft>
+                          <a:spcPts val="0"/>
+                        </a:spcAft>
+                      </a:pPr>
+                      <a:r>
+                        <a:rPr lang="en-US" sz="2000" dirty="0">
+                          <a:solidFill>
+                            <a:schemeClr val="bg1"/>
+                          </a:solidFill>
+                          <a:latin typeface="Calibri"/>
+                          <a:ea typeface="Calibri"/>
+                          <a:cs typeface="Times New Roman"/>
+                        </a:rPr>
+                        <a:t>Put game in mode where players can start game</a:t>
+                      </a:r>
+                    </a:p>
+                  </a:txBody>
+                  <a:tcPr marL="68580" marR="68580" marT="0" marB="0">
+                    <a:lnL w="12700" cap="flat" cmpd="sng" algn="ctr">
+                      <a:solidFill>
+                        <a:schemeClr val="bg1"/>
+                      </a:solidFill>
+                      <a:prstDash val="solid"/>
+                      <a:round/>
+                      <a:headEnd type="none" w="med" len="med"/>
+                      <a:tailEnd type="none" w="med" len="med"/>
+                    </a:lnL>
+                    <a:lnR w="12700" cap="flat" cmpd="sng" algn="ctr">
+                      <a:solidFill>
+                        <a:schemeClr val="bg1"/>
+                      </a:solidFill>
+                      <a:prstDash val="solid"/>
+                      <a:round/>
+                      <a:headEnd type="none" w="med" len="med"/>
+                      <a:tailEnd type="none" w="med" len="med"/>
+                    </a:lnR>
+                    <a:lnT w="12700" cap="flat" cmpd="sng" algn="ctr">
+                      <a:solidFill>
+                        <a:schemeClr val="bg1"/>
+                      </a:solidFill>
+                      <a:prstDash val="solid"/>
+                      <a:round/>
+                      <a:headEnd type="none" w="med" len="med"/>
+                      <a:tailEnd type="none" w="med" len="med"/>
+                    </a:lnT>
+                    <a:lnB w="12700" cap="flat" cmpd="sng" algn="ctr">
+                      <a:solidFill>
+                        <a:schemeClr val="bg1"/>
+                      </a:solidFill>
+                      <a:prstDash val="solid"/>
+                      <a:round/>
+                      <a:headEnd type="none" w="med" len="med"/>
+                      <a:tailEnd type="none" w="med" len="med"/>
+                    </a:lnB>
+                  </a:tcPr>
+                </a:tc>
+                <a:extLst>
+                  <a:ext uri="{0D108BD9-81ED-4DB2-BD59-A6C34878D82A}">
+                    <a16:rowId xmlns:a16="http://schemas.microsoft.com/office/drawing/2014/main" val="93165874"/>
+                  </a:ext>
+                </a:extLst>
+              </a:tr>
+              <a:tr h="619856">
                 <a:tc>
                   <a:txBody>
                     <a:bodyPr/>
@@ -9984,7 +10192,7 @@
                   </a:ext>
                 </a:extLst>
               </a:tr>
-              <a:tr h="783771">
+              <a:tr h="939154">
                 <a:tc>
                   <a:txBody>
                     <a:bodyPr/>
@@ -10210,7 +10418,7 @@
                   </a:ext>
                 </a:extLst>
               </a:tr>
-              <a:tr h="522514">
+              <a:tr h="619856">
                 <a:tc>
                   <a:txBody>
                     <a:bodyPr/>
@@ -10436,7 +10644,7 @@
                   </a:ext>
                 </a:extLst>
               </a:tr>
-              <a:tr h="1306286">
+              <a:tr h="1189933">
                 <a:tc>
                   <a:txBody>
                     <a:bodyPr/>
@@ -10741,41 +10949,58 @@
           <a:p>
             <a:r>
               <a:rPr lang="en-GB" dirty="0"/>
-              <a:t>Pong dynamic behaviour</a:t>
+              <a:t>03.simple_states</a:t>
             </a:r>
           </a:p>
           <a:p>
             <a:pPr lvl="1"/>
             <a:r>
               <a:rPr lang="en-GB" dirty="0"/>
-              <a:t>Pong state machine engine</a:t>
-            </a:r>
+              <a:t>View the game as a set of states </a:t>
+            </a:r>
+            <a:r>
+              <a:rPr lang="en-GB" sz="1800" dirty="0" err="1">
+                <a:latin typeface="Courier New" panose="02070309020205020404" pitchFamily="49" charset="0"/>
+                <a:cs typeface="Courier New" panose="02070309020205020404" pitchFamily="49" charset="0"/>
+              </a:rPr>
+              <a:t>StateMachine</a:t>
+            </a:r>
+            <a:r>
+              <a:rPr lang="en-GB" sz="1800" dirty="0">
+                <a:latin typeface="Courier New" panose="02070309020205020404" pitchFamily="49" charset="0"/>
+                <a:cs typeface="Courier New" panose="02070309020205020404" pitchFamily="49" charset="0"/>
+              </a:rPr>
+              <a:t>::state</a:t>
+            </a:r>
+            <a:endParaRPr lang="en-GB" dirty="0">
+              <a:latin typeface="Courier New" panose="02070309020205020404" pitchFamily="49" charset="0"/>
+              <a:cs typeface="Courier New" panose="02070309020205020404" pitchFamily="49" charset="0"/>
+            </a:endParaRPr>
           </a:p>
           <a:p>
             <a:pPr lvl="2"/>
             <a:r>
               <a:rPr lang="en-GB" dirty="0"/>
-              <a:t>Create pong as a set of game states</a:t>
+              <a:t>Use </a:t>
+            </a:r>
+            <a:r>
+              <a:rPr lang="en-GB" sz="1800" dirty="0" err="1">
+                <a:latin typeface="Courier New" panose="02070309020205020404" pitchFamily="49" charset="0"/>
+                <a:cs typeface="Courier New" panose="02070309020205020404" pitchFamily="49" charset="0"/>
+              </a:rPr>
+              <a:t>StateMachine</a:t>
+            </a:r>
+            <a:r>
+              <a:rPr lang="en-GB" dirty="0"/>
+              <a:t> class to hold them</a:t>
             </a:r>
           </a:p>
           <a:p>
             <a:pPr lvl="2"/>
             <a:r>
               <a:rPr lang="en-GB" dirty="0"/>
-              <a:t>Work out a way to store them</a:t>
-            </a:r>
-          </a:p>
-          <a:p>
-            <a:pPr lvl="2"/>
-            <a:r>
-              <a:rPr lang="en-GB" dirty="0"/>
-              <a:t>And transition </a:t>
-            </a:r>
-            <a:r>
-              <a:rPr lang="en-GB"/>
-              <a:t>between them</a:t>
-            </a:r>
-            <a:endParaRPr lang="en-GB" dirty="0"/>
+              <a:t>And manage state changing</a:t>
+            </a:r>
           </a:p>
           <a:p>
             <a:pPr lvl="1">
@@ -10826,7 +11051,7 @@
     </p:spTree>
     <p:extLst>
       <p:ext uri="{BB962C8B-B14F-4D97-AF65-F5344CB8AC3E}">
-        <p14:creationId xmlns:p14="http://schemas.microsoft.com/office/powerpoint/2010/main" val="715520208"/>
+        <p14:creationId xmlns:p14="http://schemas.microsoft.com/office/powerpoint/2010/main" val="3226878546"/>
       </p:ext>
     </p:extLst>
   </p:cSld>
@@ -10962,8 +11187,84 @@
           <a:p>
             <a:r>
               <a:rPr lang="en-GB" dirty="0"/>
-              <a:t>Breakout Game</a:t>
-            </a:r>
+              <a:t>To Do</a:t>
+            </a:r>
+          </a:p>
+          <a:p>
+            <a:pPr lvl="1"/>
+            <a:r>
+              <a:rPr lang="en-GB" dirty="0"/>
+              <a:t>Make Pong into a state-based game using the state machine approach</a:t>
+            </a:r>
+          </a:p>
+          <a:p>
+            <a:pPr marL="914400" lvl="2" indent="0">
+              <a:buNone/>
+            </a:pPr>
+            <a:endParaRPr lang="en-GB" dirty="0"/>
+          </a:p>
+          <a:p>
+            <a:pPr lvl="1"/>
+            <a:r>
+              <a:rPr lang="en-GB" dirty="0"/>
+              <a:t>Develop Breakout Game from ‘designer’ brief</a:t>
+            </a:r>
+          </a:p>
+          <a:p>
+            <a:pPr lvl="2"/>
+            <a:r>
+              <a:rPr lang="en-GB" dirty="0"/>
+              <a:t>Build OO model of game</a:t>
+            </a:r>
+          </a:p>
+          <a:p>
+            <a:pPr lvl="2"/>
+            <a:r>
+              <a:rPr lang="en-GB" dirty="0"/>
+              <a:t>Build state model of game</a:t>
+            </a:r>
+          </a:p>
+          <a:p>
+            <a:pPr lvl="2"/>
+            <a:r>
+              <a:rPr lang="en-GB" dirty="0"/>
+              <a:t>Make work in SDL/C++</a:t>
+            </a:r>
+          </a:p>
+          <a:p>
+            <a:pPr lvl="2"/>
+            <a:endParaRPr lang="en-GB" dirty="0"/>
+          </a:p>
+          <a:p>
+            <a:pPr lvl="1"/>
+            <a:r>
+              <a:rPr lang="en-GB" dirty="0"/>
+              <a:t>Use </a:t>
+            </a:r>
+            <a:r>
+              <a:rPr lang="en-GB" dirty="0" err="1"/>
+              <a:t>flappybird</a:t>
+            </a:r>
+            <a:r>
+              <a:rPr lang="en-GB" dirty="0"/>
+              <a:t> texture page as a starting point for your own flappy clone</a:t>
+            </a:r>
+          </a:p>
+          <a:p>
+            <a:pPr lvl="2"/>
+            <a:r>
+              <a:rPr lang="en-GB" dirty="0">
+                <a:hlinkClick r:id="rId2"/>
+              </a:rPr>
+              <a:t>https://flappybird.fandom.com</a:t>
+            </a:r>
+            <a:r>
+              <a:rPr lang="en-GB">
+                <a:hlinkClick r:id="rId2"/>
+              </a:rPr>
+              <a:t>/wiki/Sprites</a:t>
+            </a:r>
+            <a:endParaRPr lang="en-GB"/>
           </a:p>
         </p:txBody>
       </p:sp>
